--- a/Entrega Grupal/Presentacion EA1.pptx
+++ b/Entrega Grupal/Presentacion EA1.pptx
@@ -261,7 +261,7 @@
   </p:defaultTextStyle>
   <p:extLst>
     <p:ext uri="GoogleSlidesCustomDataVersion2">
-      <go:slidesCustomData xmlns:go="http://customooxmlschemas.google.com/" r:id="rId20" roundtripDataSignature="AMtx7mi5y7G4FMvmZN00GLwieKj74kJ1jQ=="/>
+      <go:slidesCustomData xmlns:go="http://customooxmlschemas.google.com/" r:id="rId20" roundtripDataSignature="AMtx7mgfH/I2kx61W3RSRSvllnll393Y9A=="/>
     </p:ext>
   </p:extLst>
 </p:presentation>
@@ -26154,8 +26154,8 @@
         </p:nvSpPr>
         <p:spPr>
           <a:xfrm>
-            <a:off x="0" y="1432655"/>
-            <a:ext cx="12191999" cy="646331"/>
+            <a:off x="79750" y="1189580"/>
+            <a:ext cx="12192000" cy="646500"/>
           </a:xfrm>
           <a:prstGeom prst="rect">
             <a:avLst/>
@@ -26228,17 +26228,18 @@
           <p:cNvPicPr preferRelativeResize="0"/>
           <p:nvPr/>
         </p:nvPicPr>
-        <p:blipFill rotWithShape="1">
+        <p:blipFill>
           <a:blip r:embed="rId4">
             <a:alphaModFix/>
           </a:blip>
-          <a:srcRect b="0" l="0" r="0" t="0"/>
-          <a:stretch/>
+          <a:stretch>
+            <a:fillRect/>
+          </a:stretch>
         </p:blipFill>
         <p:spPr>
           <a:xfrm>
-            <a:off x="3972403" y="2267457"/>
-            <a:ext cx="4519567" cy="4118098"/>
+            <a:off x="3735000" y="1909655"/>
+            <a:ext cx="4722008" cy="4717120"/>
           </a:xfrm>
           <a:prstGeom prst="rect">
             <a:avLst/>
@@ -28282,7 +28283,7 @@
                 <a:cs typeface="Twentieth Century"/>
                 <a:sym typeface="Twentieth Century"/>
               </a:rPr>
-              <a:t>Descripción</a:t>
+              <a:t>Descripción: </a:t>
             </a:r>
             <a:endParaRPr sz="1800">
               <a:solidFill>
@@ -28295,7 +28296,7 @@
             </a:endParaRPr>
           </a:p>
           <a:p>
-            <a:pPr indent="0" lvl="0" marL="0" marR="0" rtl="0" algn="ctr">
+            <a:pPr indent="0" lvl="0" marL="0" marR="0" rtl="0" algn="l">
               <a:spcBef>
                 <a:spcPts val="0"/>
               </a:spcBef>
@@ -28305,9 +28306,18 @@
               <a:buNone/>
             </a:pPr>
             <a:r>
-              <a:t/>
+              <a:rPr lang="es-ES" sz="1500">
+                <a:solidFill>
+                  <a:schemeClr val="dk1"/>
+                </a:solidFill>
+                <a:latin typeface="Twentieth Century"/>
+                <a:ea typeface="Twentieth Century"/>
+                <a:cs typeface="Twentieth Century"/>
+                <a:sym typeface="Twentieth Century"/>
+              </a:rPr>
+              <a:t>Los cultivos indoor enfrentan el desafío de mantener condiciones ambientales óptimas (temperatura, humedad, iluminación, riego, etc.) de forma constante y precisa. Los métodos tradicionales de monitoreo y ajuste son ineficientes y propensos a errores, lo que puede afectar la calidad y el rendimiento de los cultivos. La solución es implementar un sistema IoT que permita monitorear y controlar estos factores de manera automática y remota, mejorando la eficiencia y optimizando los recursos.</a:t>
             </a:r>
-            <a:endParaRPr sz="1800" u="sng">
+            <a:endParaRPr sz="1500">
               <a:solidFill>
                 <a:schemeClr val="dk1"/>
               </a:solidFill>
@@ -28421,6 +28431,86 @@
                 <a:sym typeface="Twentieth Century"/>
               </a:rPr>
               <a:t>Descripción</a:t>
+            </a:r>
+            <a:endParaRPr sz="1800">
+              <a:solidFill>
+                <a:schemeClr val="dk1"/>
+              </a:solidFill>
+              <a:latin typeface="Twentieth Century"/>
+              <a:ea typeface="Twentieth Century"/>
+              <a:cs typeface="Twentieth Century"/>
+              <a:sym typeface="Twentieth Century"/>
+            </a:endParaRPr>
+          </a:p>
+          <a:p>
+            <a:pPr indent="0" lvl="0" marL="0" marR="0" rtl="0" algn="just">
+              <a:spcBef>
+                <a:spcPts val="0"/>
+              </a:spcBef>
+              <a:spcAft>
+                <a:spcPts val="0"/>
+              </a:spcAft>
+              <a:buNone/>
+            </a:pPr>
+            <a:r>
+              <a:rPr lang="es-ES" sz="1800">
+                <a:solidFill>
+                  <a:schemeClr val="dk1"/>
+                </a:solidFill>
+                <a:latin typeface="Twentieth Century"/>
+                <a:ea typeface="Twentieth Century"/>
+                <a:cs typeface="Twentieth Century"/>
+                <a:sym typeface="Twentieth Century"/>
+              </a:rPr>
+              <a:t>Proponemos una propuesta a la </a:t>
+            </a:r>
+            <a:r>
+              <a:rPr lang="es-ES" sz="1800">
+                <a:solidFill>
+                  <a:schemeClr val="dk1"/>
+                </a:solidFill>
+                <a:latin typeface="Twentieth Century"/>
+                <a:ea typeface="Twentieth Century"/>
+                <a:cs typeface="Twentieth Century"/>
+                <a:sym typeface="Twentieth Century"/>
+              </a:rPr>
+              <a:t>solución</a:t>
+            </a:r>
+            <a:r>
+              <a:rPr lang="es-ES" sz="1800">
+                <a:solidFill>
+                  <a:schemeClr val="dk1"/>
+                </a:solidFill>
+                <a:latin typeface="Twentieth Century"/>
+                <a:ea typeface="Twentieth Century"/>
+                <a:cs typeface="Twentieth Century"/>
+                <a:sym typeface="Twentieth Century"/>
+              </a:rPr>
+              <a:t> automatizando los procesos. Creando una APP para los usuarios en el cual puedan controlar ciertos </a:t>
+            </a:r>
+            <a:r>
+              <a:rPr lang="es-ES" sz="1800">
+                <a:solidFill>
+                  <a:schemeClr val="dk1"/>
+                </a:solidFill>
+                <a:latin typeface="Twentieth Century"/>
+                <a:ea typeface="Twentieth Century"/>
+                <a:cs typeface="Twentieth Century"/>
+                <a:sym typeface="Twentieth Century"/>
+              </a:rPr>
+              <a:t>parámetros</a:t>
+            </a:r>
+            <a:r>
+              <a:rPr lang="es-ES" sz="1800">
+                <a:solidFill>
+                  <a:schemeClr val="dk1"/>
+                </a:solidFill>
+                <a:latin typeface="Twentieth Century"/>
+                <a:ea typeface="Twentieth Century"/>
+                <a:cs typeface="Twentieth Century"/>
+                <a:sym typeface="Twentieth Century"/>
+              </a:rPr>
+              <a:t>, funcionalidades como prender y apagar luz .</a:t>
             </a:r>
             <a:endParaRPr sz="1800">
               <a:solidFill>
@@ -30187,7 +30277,7 @@
             <a:tbl>
               <a:tblPr bandRow="1" firstRow="1">
                 <a:noFill/>
-                <a:tableStyleId>{0BC817CA-B9EC-4D29-A878-38AF0FB3D9F2}</a:tableStyleId>
+                <a:tableStyleId>{160E8356-0565-47DE-B9E5-0CA7AA52519C}</a:tableStyleId>
               </a:tblPr>
               <a:tblGrid>
                 <a:gridCol w="3501375"/>
@@ -31038,7 +31128,7 @@
         <p:spPr>
           <a:xfrm>
             <a:off x="2683490" y="1605923"/>
-            <a:ext cx="7097394" cy="5185249"/>
+            <a:ext cx="7097393" cy="5185248"/>
           </a:xfrm>
           <a:prstGeom prst="rect">
             <a:avLst/>

--- a/Entrega Grupal/Presentacion EA1.pptx
+++ b/Entrega Grupal/Presentacion EA1.pptx
@@ -2,32 +2,34 @@
 <file path=ppt/presentation.xml><?xml version="1.0" encoding="utf-8"?>
 <p:presentation xmlns:a="http://schemas.openxmlformats.org/drawingml/2006/main" xmlns:r="http://schemas.openxmlformats.org/officeDocument/2006/relationships" xmlns:mc="http://schemas.openxmlformats.org/markup-compatibility/2006" xmlns:mv="urn:schemas-microsoft-com:mac:vml" xmlns:p="http://schemas.openxmlformats.org/presentationml/2006/main" xmlns:c="http://schemas.openxmlformats.org/drawingml/2006/chart" xmlns:dgm="http://schemas.openxmlformats.org/drawingml/2006/diagram" xmlns:o="urn:schemas-microsoft-com:office:office" xmlns:v="urn:schemas-microsoft-com:vml" xmlns:pvml="urn:schemas-microsoft-com:office:powerpoint" xmlns:com="http://schemas.openxmlformats.org/drawingml/2006/compatibility" xmlns:p14="http://schemas.microsoft.com/office/powerpoint/2010/main" xmlns:p15="http://schemas.microsoft.com/office/powerpoint/2012/main" xmlns:ahyp="http://schemas.microsoft.com/office/drawing/2018/hyperlinkcolor" autoCompressPictures="0" embedTrueTypeFonts="1" strictFirstAndLastChars="0" saveSubsetFonts="1">
   <p:sldMasterIdLst>
-    <p:sldMasterId id="2147483648" r:id="rId4"/>
+    <p:sldMasterId id="2147483648" r:id="rId3"/>
   </p:sldMasterIdLst>
   <p:notesMasterIdLst>
-    <p:notesMasterId r:id="rId5"/>
+    <p:notesMasterId r:id="rId4"/>
   </p:notesMasterIdLst>
   <p:sldIdLst>
-    <p:sldId id="256" r:id="rId6"/>
-    <p:sldId id="257" r:id="rId7"/>
-    <p:sldId id="258" r:id="rId8"/>
-    <p:sldId id="259" r:id="rId9"/>
-    <p:sldId id="260" r:id="rId10"/>
-    <p:sldId id="261" r:id="rId11"/>
-    <p:sldId id="262" r:id="rId12"/>
-    <p:sldId id="263" r:id="rId13"/>
-    <p:sldId id="264" r:id="rId14"/>
-    <p:sldId id="265" r:id="rId15"/>
-    <p:sldId id="266" r:id="rId16"/>
-    <p:sldId id="267" r:id="rId17"/>
+    <p:sldId id="256" r:id="rId5"/>
+    <p:sldId id="257" r:id="rId6"/>
+    <p:sldId id="258" r:id="rId7"/>
+    <p:sldId id="259" r:id="rId8"/>
+    <p:sldId id="260" r:id="rId9"/>
+    <p:sldId id="261" r:id="rId10"/>
+    <p:sldId id="262" r:id="rId11"/>
+    <p:sldId id="263" r:id="rId12"/>
+    <p:sldId id="264" r:id="rId13"/>
+    <p:sldId id="265" r:id="rId14"/>
+    <p:sldId id="266" r:id="rId15"/>
+    <p:sldId id="267" r:id="rId16"/>
+    <p:sldId id="268" r:id="rId17"/>
+    <p:sldId id="269" r:id="rId18"/>
   </p:sldIdLst>
   <p:sldSz cy="6858000" cx="12192000"/>
   <p:notesSz cx="6858000" cy="9144000"/>
   <p:embeddedFontLst>
     <p:embeddedFont>
       <p:font typeface="Noto Sans Symbols"/>
-      <p:regular r:id="rId18"/>
-      <p:bold r:id="rId19"/>
+      <p:regular r:id="rId19"/>
+      <p:bold r:id="rId20"/>
     </p:embeddedFont>
   </p:embeddedFontLst>
   <p:defaultTextStyle>
@@ -261,7 +263,7 @@
   </p:defaultTextStyle>
   <p:extLst>
     <p:ext uri="GoogleSlidesCustomDataVersion2">
-      <go:slidesCustomData xmlns:go="http://customooxmlschemas.google.com/" r:id="rId20" roundtripDataSignature="AMtx7mgfH/I2kx61W3RSRSvllnll393Y9A=="/>
+      <go:slidesCustomData xmlns:go="http://customooxmlschemas.google.com/" r:id="rId21" roundtripDataSignature="AMtx7mjoSUDUAoDjYPzllh0SIhT0CBakDQ=="/>
     </p:ext>
   </p:extLst>
 </p:presentation>
@@ -797,7 +799,7 @@
   <p:cSld>
     <p:spTree>
       <p:nvGrpSpPr>
-        <p:cNvPr id="321" name="Shape 321"/>
+        <p:cNvPr id="319" name="Shape 319"/>
         <p:cNvGrpSpPr/>
         <p:nvPr/>
       </p:nvGrpSpPr>
@@ -811,7 +813,7 @@
       </p:grpSpPr>
       <p:sp>
         <p:nvSpPr>
-          <p:cNvPr id="322" name="Google Shape;322;p9:notes"/>
+          <p:cNvPr id="320" name="Google Shape;320;p7:notes"/>
           <p:cNvSpPr txBox="1"/>
           <p:nvPr>
             <p:ph idx="1" type="body"/>
@@ -850,7 +852,7 @@
       </p:sp>
       <p:sp>
         <p:nvSpPr>
-          <p:cNvPr id="323" name="Google Shape;323;p9:notes"/>
+          <p:cNvPr id="321" name="Google Shape;321;p7:notes"/>
           <p:cNvSpPr/>
           <p:nvPr>
             <p:ph idx="2" type="sldImg"/>
@@ -896,7 +898,7 @@
   <p:cSld>
     <p:spTree>
       <p:nvGrpSpPr>
-        <p:cNvPr id="330" name="Shape 330"/>
+        <p:cNvPr id="328" name="Shape 328"/>
         <p:cNvGrpSpPr/>
         <p:nvPr/>
       </p:nvGrpSpPr>
@@ -910,7 +912,7 @@
       </p:grpSpPr>
       <p:sp>
         <p:nvSpPr>
-          <p:cNvPr id="331" name="Google Shape;331;g3486e2ea373_0_0:notes"/>
+          <p:cNvPr id="329" name="Google Shape;329;g3487b8c5fce_1_11:notes"/>
           <p:cNvSpPr/>
           <p:nvPr>
             <p:ph idx="2" type="sldImg"/>
@@ -945,7 +947,7 @@
       </p:sp>
       <p:sp>
         <p:nvSpPr>
-          <p:cNvPr id="332" name="Google Shape;332;g3486e2ea373_0_0:notes"/>
+          <p:cNvPr id="330" name="Google Shape;330;g3487b8c5fce_1_11:notes"/>
           <p:cNvSpPr txBox="1"/>
           <p:nvPr>
             <p:ph idx="1" type="body"/>
@@ -995,7 +997,7 @@
   <p:cSld>
     <p:spTree>
       <p:nvGrpSpPr>
-        <p:cNvPr id="341" name="Shape 341"/>
+        <p:cNvPr id="337" name="Shape 337"/>
         <p:cNvGrpSpPr/>
         <p:nvPr/>
       </p:nvGrpSpPr>
@@ -1009,7 +1011,7 @@
       </p:grpSpPr>
       <p:sp>
         <p:nvSpPr>
-          <p:cNvPr id="342" name="Google Shape;342;p10:notes"/>
+          <p:cNvPr id="338" name="Google Shape;338;p8:notes"/>
           <p:cNvSpPr txBox="1"/>
           <p:nvPr>
             <p:ph idx="1" type="body"/>
@@ -1048,7 +1050,205 @@
       </p:sp>
       <p:sp>
         <p:nvSpPr>
-          <p:cNvPr id="343" name="Google Shape;343;p10:notes"/>
+          <p:cNvPr id="339" name="Google Shape;339;p8:notes"/>
+          <p:cNvSpPr/>
+          <p:nvPr>
+            <p:ph idx="2" type="sldImg"/>
+          </p:nvPr>
+        </p:nvSpPr>
+        <p:spPr>
+          <a:xfrm>
+            <a:off x="1143225" y="685800"/>
+            <a:ext cx="4572225" cy="3429000"/>
+          </a:xfrm>
+          <a:custGeom>
+            <a:rect b="b" l="l" r="r" t="t"/>
+            <a:pathLst>
+              <a:path extrusionOk="0" h="120000" w="120000">
+                <a:moveTo>
+                  <a:pt x="0" y="0"/>
+                </a:moveTo>
+                <a:lnTo>
+                  <a:pt x="120000" y="0"/>
+                </a:lnTo>
+                <a:lnTo>
+                  <a:pt x="120000" y="120000"/>
+                </a:lnTo>
+                <a:lnTo>
+                  <a:pt x="0" y="120000"/>
+                </a:lnTo>
+                <a:close/>
+              </a:path>
+            </a:pathLst>
+          </a:custGeom>
+        </p:spPr>
+      </p:sp>
+    </p:spTree>
+  </p:cSld>
+  <p:clrMapOvr>
+    <a:masterClrMapping/>
+  </p:clrMapOvr>
+</p:notes>
+</file>
+
+<file path=ppt/notesSlides/notesSlide13.xml><?xml version="1.0" encoding="utf-8"?>
+<p:notes xmlns:a="http://schemas.openxmlformats.org/drawingml/2006/main" xmlns:r="http://schemas.openxmlformats.org/officeDocument/2006/relationships" xmlns:mc="http://schemas.openxmlformats.org/markup-compatibility/2006" xmlns:mv="urn:schemas-microsoft-com:mac:vml" xmlns:p="http://schemas.openxmlformats.org/presentationml/2006/main" xmlns:c="http://schemas.openxmlformats.org/drawingml/2006/chart" xmlns:dgm="http://schemas.openxmlformats.org/drawingml/2006/diagram" xmlns:o="urn:schemas-microsoft-com:office:office" xmlns:v="urn:schemas-microsoft-com:vml" xmlns:pvml="urn:schemas-microsoft-com:office:powerpoint" xmlns:com="http://schemas.openxmlformats.org/drawingml/2006/compatibility" xmlns:p14="http://schemas.microsoft.com/office/powerpoint/2010/main" xmlns:p15="http://schemas.microsoft.com/office/powerpoint/2012/main" xmlns:ahyp="http://schemas.microsoft.com/office/drawing/2018/hyperlinkcolor" showMasterPhAnim="0" showMasterSp="0">
+  <p:cSld>
+    <p:spTree>
+      <p:nvGrpSpPr>
+        <p:cNvPr id="347" name="Shape 347"/>
+        <p:cNvGrpSpPr/>
+        <p:nvPr/>
+      </p:nvGrpSpPr>
+      <p:grpSpPr>
+        <a:xfrm>
+          <a:off x="0" y="0"/>
+          <a:ext cx="0" cy="0"/>
+          <a:chOff x="0" y="0"/>
+          <a:chExt cx="0" cy="0"/>
+        </a:xfrm>
+      </p:grpSpPr>
+      <p:sp>
+        <p:nvSpPr>
+          <p:cNvPr id="348" name="Google Shape;348;g34047629776_0_0:notes"/>
+          <p:cNvSpPr txBox="1"/>
+          <p:nvPr>
+            <p:ph idx="1" type="body"/>
+          </p:nvPr>
+        </p:nvSpPr>
+        <p:spPr>
+          <a:xfrm>
+            <a:off x="685800" y="4343400"/>
+            <a:ext cx="5486400" cy="4114800"/>
+          </a:xfrm>
+          <a:prstGeom prst="rect">
+            <a:avLst/>
+          </a:prstGeom>
+        </p:spPr>
+        <p:txBody>
+          <a:bodyPr anchorCtr="0" anchor="t" bIns="91425" lIns="91425" spcFirstLastPara="1" rIns="91425" wrap="square" tIns="91425">
+            <a:noAutofit/>
+          </a:bodyPr>
+          <a:lstStyle/>
+          <a:p>
+            <a:pPr indent="0" lvl="0" marL="0" rtl="0" algn="l">
+              <a:spcBef>
+                <a:spcPts val="0"/>
+              </a:spcBef>
+              <a:spcAft>
+                <a:spcPts val="0"/>
+              </a:spcAft>
+              <a:buNone/>
+            </a:pPr>
+            <a:r>
+              <a:t/>
+            </a:r>
+            <a:endParaRPr/>
+          </a:p>
+        </p:txBody>
+      </p:sp>
+      <p:sp>
+        <p:nvSpPr>
+          <p:cNvPr id="349" name="Google Shape;349;g34047629776_0_0:notes"/>
+          <p:cNvSpPr/>
+          <p:nvPr>
+            <p:ph idx="2" type="sldImg"/>
+          </p:nvPr>
+        </p:nvSpPr>
+        <p:spPr>
+          <a:xfrm>
+            <a:off x="1143225" y="685800"/>
+            <a:ext cx="4572300" cy="3429000"/>
+          </a:xfrm>
+          <a:custGeom>
+            <a:rect b="b" l="l" r="r" t="t"/>
+            <a:pathLst>
+              <a:path extrusionOk="0" h="120000" w="120000">
+                <a:moveTo>
+                  <a:pt x="0" y="0"/>
+                </a:moveTo>
+                <a:lnTo>
+                  <a:pt x="120000" y="0"/>
+                </a:lnTo>
+                <a:lnTo>
+                  <a:pt x="120000" y="120000"/>
+                </a:lnTo>
+                <a:lnTo>
+                  <a:pt x="0" y="120000"/>
+                </a:lnTo>
+                <a:close/>
+              </a:path>
+            </a:pathLst>
+          </a:custGeom>
+        </p:spPr>
+      </p:sp>
+    </p:spTree>
+  </p:cSld>
+  <p:clrMapOvr>
+    <a:masterClrMapping/>
+  </p:clrMapOvr>
+</p:notes>
+</file>
+
+<file path=ppt/notesSlides/notesSlide14.xml><?xml version="1.0" encoding="utf-8"?>
+<p:notes xmlns:a="http://schemas.openxmlformats.org/drawingml/2006/main" xmlns:r="http://schemas.openxmlformats.org/officeDocument/2006/relationships" xmlns:mc="http://schemas.openxmlformats.org/markup-compatibility/2006" xmlns:mv="urn:schemas-microsoft-com:mac:vml" xmlns:p="http://schemas.openxmlformats.org/presentationml/2006/main" xmlns:c="http://schemas.openxmlformats.org/drawingml/2006/chart" xmlns:dgm="http://schemas.openxmlformats.org/drawingml/2006/diagram" xmlns:o="urn:schemas-microsoft-com:office:office" xmlns:v="urn:schemas-microsoft-com:vml" xmlns:pvml="urn:schemas-microsoft-com:office:powerpoint" xmlns:com="http://schemas.openxmlformats.org/drawingml/2006/compatibility" xmlns:p14="http://schemas.microsoft.com/office/powerpoint/2010/main" xmlns:p15="http://schemas.microsoft.com/office/powerpoint/2012/main" xmlns:ahyp="http://schemas.microsoft.com/office/drawing/2018/hyperlinkcolor" showMasterPhAnim="0" showMasterSp="0">
+  <p:cSld>
+    <p:spTree>
+      <p:nvGrpSpPr>
+        <p:cNvPr id="357" name="Shape 357"/>
+        <p:cNvGrpSpPr/>
+        <p:nvPr/>
+      </p:nvGrpSpPr>
+      <p:grpSpPr>
+        <a:xfrm>
+          <a:off x="0" y="0"/>
+          <a:ext cx="0" cy="0"/>
+          <a:chOff x="0" y="0"/>
+          <a:chExt cx="0" cy="0"/>
+        </a:xfrm>
+      </p:grpSpPr>
+      <p:sp>
+        <p:nvSpPr>
+          <p:cNvPr id="358" name="Google Shape;358;p9:notes"/>
+          <p:cNvSpPr txBox="1"/>
+          <p:nvPr>
+            <p:ph idx="1" type="body"/>
+          </p:nvPr>
+        </p:nvSpPr>
+        <p:spPr>
+          <a:xfrm>
+            <a:off x="685800" y="4343400"/>
+            <a:ext cx="5486400" cy="4114800"/>
+          </a:xfrm>
+          <a:prstGeom prst="rect">
+            <a:avLst/>
+          </a:prstGeom>
+        </p:spPr>
+        <p:txBody>
+          <a:bodyPr anchorCtr="0" anchor="t" bIns="91425" lIns="91425" spcFirstLastPara="1" rIns="91425" wrap="square" tIns="91425">
+            <a:noAutofit/>
+          </a:bodyPr>
+          <a:lstStyle/>
+          <a:p>
+            <a:pPr indent="0" lvl="0" marL="0" rtl="0" algn="l">
+              <a:spcBef>
+                <a:spcPts val="0"/>
+              </a:spcBef>
+              <a:spcAft>
+                <a:spcPts val="0"/>
+              </a:spcAft>
+              <a:buNone/>
+            </a:pPr>
+            <a:r>
+              <a:t/>
+            </a:r>
+            <a:endParaRPr/>
+          </a:p>
+        </p:txBody>
+      </p:sp>
+      <p:sp>
+        <p:nvSpPr>
+          <p:cNvPr id="359" name="Google Shape;359;p9:notes"/>
           <p:cNvSpPr/>
           <p:nvPr>
             <p:ph idx="2" type="sldImg"/>
@@ -1504,46 +1704,7 @@
       </p:grpSpPr>
       <p:sp>
         <p:nvSpPr>
-          <p:cNvPr id="284" name="Google Shape;284;p6:notes"/>
-          <p:cNvSpPr txBox="1"/>
-          <p:nvPr>
-            <p:ph idx="1" type="body"/>
-          </p:nvPr>
-        </p:nvSpPr>
-        <p:spPr>
-          <a:xfrm>
-            <a:off x="685800" y="4343400"/>
-            <a:ext cx="5486400" cy="4114800"/>
-          </a:xfrm>
-          <a:prstGeom prst="rect">
-            <a:avLst/>
-          </a:prstGeom>
-        </p:spPr>
-        <p:txBody>
-          <a:bodyPr anchorCtr="0" anchor="t" bIns="91425" lIns="91425" spcFirstLastPara="1" rIns="91425" wrap="square" tIns="91425">
-            <a:noAutofit/>
-          </a:bodyPr>
-          <a:lstStyle/>
-          <a:p>
-            <a:pPr indent="0" lvl="0" marL="0" rtl="0" algn="l">
-              <a:spcBef>
-                <a:spcPts val="0"/>
-              </a:spcBef>
-              <a:spcAft>
-                <a:spcPts val="0"/>
-              </a:spcAft>
-              <a:buNone/>
-            </a:pPr>
-            <a:r>
-              <a:t/>
-            </a:r>
-            <a:endParaRPr/>
-          </a:p>
-        </p:txBody>
-      </p:sp>
-      <p:sp>
-        <p:nvSpPr>
-          <p:cNvPr id="285" name="Google Shape;285;p6:notes"/>
+          <p:cNvPr id="284" name="Google Shape;284;g3487b8c5fce_0_2:notes"/>
           <p:cNvSpPr/>
           <p:nvPr>
             <p:ph idx="2" type="sldImg"/>
@@ -1552,7 +1713,7 @@
         <p:spPr>
           <a:xfrm>
             <a:off x="1143225" y="685800"/>
-            <a:ext cx="4572225" cy="3429000"/>
+            <a:ext cx="4572300" cy="3429000"/>
           </a:xfrm>
           <a:custGeom>
             <a:rect b="b" l="l" r="r" t="t"/>
@@ -1576,34 +1737,9 @@
           </a:custGeom>
         </p:spPr>
       </p:sp>
-    </p:spTree>
-  </p:cSld>
-  <p:clrMapOvr>
-    <a:masterClrMapping/>
-  </p:clrMapOvr>
-</p:notes>
-</file>
-
-<file path=ppt/notesSlides/notesSlide7.xml><?xml version="1.0" encoding="utf-8"?>
-<p:notes xmlns:a="http://schemas.openxmlformats.org/drawingml/2006/main" xmlns:r="http://schemas.openxmlformats.org/officeDocument/2006/relationships" xmlns:mc="http://schemas.openxmlformats.org/markup-compatibility/2006" xmlns:mv="urn:schemas-microsoft-com:mac:vml" xmlns:p="http://schemas.openxmlformats.org/presentationml/2006/main" xmlns:c="http://schemas.openxmlformats.org/drawingml/2006/chart" xmlns:dgm="http://schemas.openxmlformats.org/drawingml/2006/diagram" xmlns:o="urn:schemas-microsoft-com:office:office" xmlns:v="urn:schemas-microsoft-com:vml" xmlns:pvml="urn:schemas-microsoft-com:office:powerpoint" xmlns:com="http://schemas.openxmlformats.org/drawingml/2006/compatibility" xmlns:p14="http://schemas.microsoft.com/office/powerpoint/2010/main" xmlns:p15="http://schemas.microsoft.com/office/powerpoint/2012/main" xmlns:ahyp="http://schemas.microsoft.com/office/drawing/2018/hyperlinkcolor" showMasterPhAnim="0" showMasterSp="0">
-  <p:cSld>
-    <p:spTree>
-      <p:nvGrpSpPr>
-        <p:cNvPr id="293" name="Shape 293"/>
-        <p:cNvGrpSpPr/>
-        <p:nvPr/>
-      </p:nvGrpSpPr>
-      <p:grpSpPr>
-        <a:xfrm>
-          <a:off x="0" y="0"/>
-          <a:ext cx="0" cy="0"/>
-          <a:chOff x="0" y="0"/>
-          <a:chExt cx="0" cy="0"/>
-        </a:xfrm>
-      </p:grpSpPr>
       <p:sp>
         <p:nvSpPr>
-          <p:cNvPr id="294" name="Google Shape;294;p7:notes"/>
+          <p:cNvPr id="285" name="Google Shape;285;g3487b8c5fce_0_2:notes"/>
           <p:cNvSpPr txBox="1"/>
           <p:nvPr>
             <p:ph idx="1" type="body"/>
@@ -1640,9 +1776,73 @@
           </a:p>
         </p:txBody>
       </p:sp>
+    </p:spTree>
+  </p:cSld>
+  <p:clrMapOvr>
+    <a:masterClrMapping/>
+  </p:clrMapOvr>
+</p:notes>
+</file>
+
+<file path=ppt/notesSlides/notesSlide7.xml><?xml version="1.0" encoding="utf-8"?>
+<p:notes xmlns:a="http://schemas.openxmlformats.org/drawingml/2006/main" xmlns:r="http://schemas.openxmlformats.org/officeDocument/2006/relationships" xmlns:mc="http://schemas.openxmlformats.org/markup-compatibility/2006" xmlns:mv="urn:schemas-microsoft-com:mac:vml" xmlns:p="http://schemas.openxmlformats.org/presentationml/2006/main" xmlns:c="http://schemas.openxmlformats.org/drawingml/2006/chart" xmlns:dgm="http://schemas.openxmlformats.org/drawingml/2006/diagram" xmlns:o="urn:schemas-microsoft-com:office:office" xmlns:v="urn:schemas-microsoft-com:vml" xmlns:pvml="urn:schemas-microsoft-com:office:powerpoint" xmlns:com="http://schemas.openxmlformats.org/drawingml/2006/compatibility" xmlns:p14="http://schemas.microsoft.com/office/powerpoint/2010/main" xmlns:p15="http://schemas.microsoft.com/office/powerpoint/2012/main" xmlns:ahyp="http://schemas.microsoft.com/office/drawing/2018/hyperlinkcolor" showMasterPhAnim="0" showMasterSp="0">
+  <p:cSld>
+    <p:spTree>
+      <p:nvGrpSpPr>
+        <p:cNvPr id="289" name="Shape 289"/>
+        <p:cNvGrpSpPr/>
+        <p:nvPr/>
+      </p:nvGrpSpPr>
+      <p:grpSpPr>
+        <a:xfrm>
+          <a:off x="0" y="0"/>
+          <a:ext cx="0" cy="0"/>
+          <a:chOff x="0" y="0"/>
+          <a:chExt cx="0" cy="0"/>
+        </a:xfrm>
+      </p:grpSpPr>
       <p:sp>
         <p:nvSpPr>
-          <p:cNvPr id="295" name="Google Shape;295;p7:notes"/>
+          <p:cNvPr id="290" name="Google Shape;290;p10:notes"/>
+          <p:cNvSpPr txBox="1"/>
+          <p:nvPr>
+            <p:ph idx="1" type="body"/>
+          </p:nvPr>
+        </p:nvSpPr>
+        <p:spPr>
+          <a:xfrm>
+            <a:off x="685800" y="4343400"/>
+            <a:ext cx="5486400" cy="4114800"/>
+          </a:xfrm>
+          <a:prstGeom prst="rect">
+            <a:avLst/>
+          </a:prstGeom>
+        </p:spPr>
+        <p:txBody>
+          <a:bodyPr anchorCtr="0" anchor="t" bIns="91425" lIns="91425" spcFirstLastPara="1" rIns="91425" wrap="square" tIns="91425">
+            <a:noAutofit/>
+          </a:bodyPr>
+          <a:lstStyle/>
+          <a:p>
+            <a:pPr indent="0" lvl="0" marL="0" rtl="0" algn="l">
+              <a:spcBef>
+                <a:spcPts val="0"/>
+              </a:spcBef>
+              <a:spcAft>
+                <a:spcPts val="0"/>
+              </a:spcAft>
+              <a:buNone/>
+            </a:pPr>
+            <a:r>
+              <a:t/>
+            </a:r>
+            <a:endParaRPr/>
+          </a:p>
+        </p:txBody>
+      </p:sp>
+      <p:sp>
+        <p:nvSpPr>
+          <p:cNvPr id="291" name="Google Shape;291;p10:notes"/>
           <p:cNvSpPr/>
           <p:nvPr>
             <p:ph idx="2" type="sldImg"/>
@@ -1688,7 +1888,7 @@
   <p:cSld>
     <p:spTree>
       <p:nvGrpSpPr>
-        <p:cNvPr id="301" name="Shape 301"/>
+        <p:cNvPr id="298" name="Shape 298"/>
         <p:cNvGrpSpPr/>
         <p:nvPr/>
       </p:nvGrpSpPr>
@@ -1702,46 +1902,7 @@
       </p:grpSpPr>
       <p:sp>
         <p:nvSpPr>
-          <p:cNvPr id="302" name="Google Shape;302;p8:notes"/>
-          <p:cNvSpPr txBox="1"/>
-          <p:nvPr>
-            <p:ph idx="1" type="body"/>
-          </p:nvPr>
-        </p:nvSpPr>
-        <p:spPr>
-          <a:xfrm>
-            <a:off x="685800" y="4343400"/>
-            <a:ext cx="5486400" cy="4114800"/>
-          </a:xfrm>
-          <a:prstGeom prst="rect">
-            <a:avLst/>
-          </a:prstGeom>
-        </p:spPr>
-        <p:txBody>
-          <a:bodyPr anchorCtr="0" anchor="t" bIns="91425" lIns="91425" spcFirstLastPara="1" rIns="91425" wrap="square" tIns="91425">
-            <a:noAutofit/>
-          </a:bodyPr>
-          <a:lstStyle/>
-          <a:p>
-            <a:pPr indent="0" lvl="0" marL="0" rtl="0" algn="l">
-              <a:spcBef>
-                <a:spcPts val="0"/>
-              </a:spcBef>
-              <a:spcAft>
-                <a:spcPts val="0"/>
-              </a:spcAft>
-              <a:buNone/>
-            </a:pPr>
-            <a:r>
-              <a:t/>
-            </a:r>
-            <a:endParaRPr/>
-          </a:p>
-        </p:txBody>
-      </p:sp>
-      <p:sp>
-        <p:nvSpPr>
-          <p:cNvPr id="303" name="Google Shape;303;p8:notes"/>
+          <p:cNvPr id="299" name="Google Shape;299;g3486e2ea373_0_0:notes"/>
           <p:cNvSpPr/>
           <p:nvPr>
             <p:ph idx="2" type="sldImg"/>
@@ -1750,7 +1911,7 @@
         <p:spPr>
           <a:xfrm>
             <a:off x="1143225" y="685800"/>
-            <a:ext cx="4572225" cy="3429000"/>
+            <a:ext cx="4572300" cy="3429000"/>
           </a:xfrm>
           <a:custGeom>
             <a:rect b="b" l="l" r="r" t="t"/>
@@ -1774,34 +1935,9 @@
           </a:custGeom>
         </p:spPr>
       </p:sp>
-    </p:spTree>
-  </p:cSld>
-  <p:clrMapOvr>
-    <a:masterClrMapping/>
-  </p:clrMapOvr>
-</p:notes>
-</file>
-
-<file path=ppt/notesSlides/notesSlide9.xml><?xml version="1.0" encoding="utf-8"?>
-<p:notes xmlns:a="http://schemas.openxmlformats.org/drawingml/2006/main" xmlns:r="http://schemas.openxmlformats.org/officeDocument/2006/relationships" xmlns:mc="http://schemas.openxmlformats.org/markup-compatibility/2006" xmlns:mv="urn:schemas-microsoft-com:mac:vml" xmlns:p="http://schemas.openxmlformats.org/presentationml/2006/main" xmlns:c="http://schemas.openxmlformats.org/drawingml/2006/chart" xmlns:dgm="http://schemas.openxmlformats.org/drawingml/2006/diagram" xmlns:o="urn:schemas-microsoft-com:office:office" xmlns:v="urn:schemas-microsoft-com:vml" xmlns:pvml="urn:schemas-microsoft-com:office:powerpoint" xmlns:com="http://schemas.openxmlformats.org/drawingml/2006/compatibility" xmlns:p14="http://schemas.microsoft.com/office/powerpoint/2010/main" xmlns:p15="http://schemas.microsoft.com/office/powerpoint/2012/main" xmlns:ahyp="http://schemas.microsoft.com/office/drawing/2018/hyperlinkcolor" showMasterPhAnim="0" showMasterSp="0">
-  <p:cSld>
-    <p:spTree>
-      <p:nvGrpSpPr>
-        <p:cNvPr id="311" name="Shape 311"/>
-        <p:cNvGrpSpPr/>
-        <p:nvPr/>
-      </p:nvGrpSpPr>
-      <p:grpSpPr>
-        <a:xfrm>
-          <a:off x="0" y="0"/>
-          <a:ext cx="0" cy="0"/>
-          <a:chOff x="0" y="0"/>
-          <a:chExt cx="0" cy="0"/>
-        </a:xfrm>
-      </p:grpSpPr>
       <p:sp>
         <p:nvSpPr>
-          <p:cNvPr id="312" name="Google Shape;312;g34047629776_0_0:notes"/>
+          <p:cNvPr id="300" name="Google Shape;300;g3486e2ea373_0_0:notes"/>
           <p:cNvSpPr txBox="1"/>
           <p:nvPr>
             <p:ph idx="1" type="body"/>
@@ -1838,9 +1974,73 @@
           </a:p>
         </p:txBody>
       </p:sp>
+    </p:spTree>
+  </p:cSld>
+  <p:clrMapOvr>
+    <a:masterClrMapping/>
+  </p:clrMapOvr>
+</p:notes>
+</file>
+
+<file path=ppt/notesSlides/notesSlide9.xml><?xml version="1.0" encoding="utf-8"?>
+<p:notes xmlns:a="http://schemas.openxmlformats.org/drawingml/2006/main" xmlns:r="http://schemas.openxmlformats.org/officeDocument/2006/relationships" xmlns:mc="http://schemas.openxmlformats.org/markup-compatibility/2006" xmlns:mv="urn:schemas-microsoft-com:mac:vml" xmlns:p="http://schemas.openxmlformats.org/presentationml/2006/main" xmlns:c="http://schemas.openxmlformats.org/drawingml/2006/chart" xmlns:dgm="http://schemas.openxmlformats.org/drawingml/2006/diagram" xmlns:o="urn:schemas-microsoft-com:office:office" xmlns:v="urn:schemas-microsoft-com:vml" xmlns:pvml="urn:schemas-microsoft-com:office:powerpoint" xmlns:com="http://schemas.openxmlformats.org/drawingml/2006/compatibility" xmlns:p14="http://schemas.microsoft.com/office/powerpoint/2010/main" xmlns:p15="http://schemas.microsoft.com/office/powerpoint/2012/main" xmlns:ahyp="http://schemas.microsoft.com/office/drawing/2018/hyperlinkcolor" showMasterPhAnim="0" showMasterSp="0">
+  <p:cSld>
+    <p:spTree>
+      <p:nvGrpSpPr>
+        <p:cNvPr id="309" name="Shape 309"/>
+        <p:cNvGrpSpPr/>
+        <p:nvPr/>
+      </p:nvGrpSpPr>
+      <p:grpSpPr>
+        <a:xfrm>
+          <a:off x="0" y="0"/>
+          <a:ext cx="0" cy="0"/>
+          <a:chOff x="0" y="0"/>
+          <a:chExt cx="0" cy="0"/>
+        </a:xfrm>
+      </p:grpSpPr>
       <p:sp>
         <p:nvSpPr>
-          <p:cNvPr id="313" name="Google Shape;313;g34047629776_0_0:notes"/>
+          <p:cNvPr id="310" name="Google Shape;310;p6:notes"/>
+          <p:cNvSpPr txBox="1"/>
+          <p:nvPr>
+            <p:ph idx="1" type="body"/>
+          </p:nvPr>
+        </p:nvSpPr>
+        <p:spPr>
+          <a:xfrm>
+            <a:off x="685800" y="4343400"/>
+            <a:ext cx="5486400" cy="4114800"/>
+          </a:xfrm>
+          <a:prstGeom prst="rect">
+            <a:avLst/>
+          </a:prstGeom>
+        </p:spPr>
+        <p:txBody>
+          <a:bodyPr anchorCtr="0" anchor="t" bIns="91425" lIns="91425" spcFirstLastPara="1" rIns="91425" wrap="square" tIns="91425">
+            <a:noAutofit/>
+          </a:bodyPr>
+          <a:lstStyle/>
+          <a:p>
+            <a:pPr indent="0" lvl="0" marL="0" rtl="0" algn="l">
+              <a:spcBef>
+                <a:spcPts val="0"/>
+              </a:spcBef>
+              <a:spcAft>
+                <a:spcPts val="0"/>
+              </a:spcAft>
+              <a:buNone/>
+            </a:pPr>
+            <a:r>
+              <a:t/>
+            </a:r>
+            <a:endParaRPr/>
+          </a:p>
+        </p:txBody>
+      </p:sp>
+      <p:sp>
+        <p:nvSpPr>
+          <p:cNvPr id="311" name="Google Shape;311;p6:notes"/>
           <p:cNvSpPr/>
           <p:nvPr>
             <p:ph idx="2" type="sldImg"/>
@@ -1849,7 +2049,7 @@
         <p:spPr>
           <a:xfrm>
             <a:off x="1143225" y="685800"/>
-            <a:ext cx="4572300" cy="3429000"/>
+            <a:ext cx="4572225" cy="3429000"/>
           </a:xfrm>
           <a:custGeom>
             <a:rect b="b" l="l" r="r" t="t"/>
@@ -26057,7 +26257,7 @@
   <p:cSld>
     <p:spTree>
       <p:nvGrpSpPr>
-        <p:cNvPr id="324" name="Shape 324"/>
+        <p:cNvPr id="322" name="Shape 322"/>
         <p:cNvGrpSpPr/>
         <p:nvPr/>
       </p:nvGrpSpPr>
@@ -26071,7 +26271,7 @@
       </p:grpSpPr>
       <p:pic>
         <p:nvPicPr>
-          <p:cNvPr descr="EscuelaIT Duoc UC - Escuela de Informática y Telecomunicaciones Duoc UC - Duoc  UC | LinkedIn" id="325" name="Google Shape;325;p9"/>
+          <p:cNvPr descr="EscuelaIT Duoc UC - Escuela de Informática y Telecomunicaciones Duoc UC - Duoc  UC | LinkedIn" id="323" name="Google Shape;323;p7"/>
           <p:cNvPicPr preferRelativeResize="0"/>
           <p:nvPr/>
         </p:nvPicPr>
@@ -26098,7 +26298,7 @@
       </p:pic>
       <p:sp>
         <p:nvSpPr>
-          <p:cNvPr id="326" name="Google Shape;326;p9"/>
+          <p:cNvPr id="324" name="Google Shape;324;p7"/>
           <p:cNvSpPr txBox="1"/>
           <p:nvPr/>
         </p:nvSpPr>
@@ -26148,14 +26348,14 @@
       </p:sp>
       <p:sp>
         <p:nvSpPr>
-          <p:cNvPr id="327" name="Google Shape;327;p9"/>
+          <p:cNvPr id="325" name="Google Shape;325;p7"/>
           <p:cNvSpPr txBox="1"/>
           <p:nvPr/>
         </p:nvSpPr>
         <p:spPr>
           <a:xfrm>
-            <a:off x="79750" y="1189580"/>
-            <a:ext cx="12192000" cy="646500"/>
+            <a:off x="1" y="1155656"/>
+            <a:ext cx="12192000" cy="861900"/>
           </a:xfrm>
           <a:prstGeom prst="rect">
             <a:avLst/>
@@ -26190,7 +26390,22 @@
                 <a:cs typeface="Twentieth Century"/>
                 <a:sym typeface="Twentieth Century"/>
               </a:rPr>
-              <a:t>Modelo de datos</a:t>
+              <a:t>Cronograma para el desarrollo del proyecto</a:t>
+            </a:r>
+            <a:endParaRPr/>
+          </a:p>
+          <a:p>
+            <a:pPr indent="0" lvl="0" marL="457200" rtl="0" algn="l">
+              <a:spcBef>
+                <a:spcPts val="0"/>
+              </a:spcBef>
+              <a:spcAft>
+                <a:spcPts val="0"/>
+              </a:spcAft>
+              <a:buNone/>
+            </a:pPr>
+            <a:r>
+              <a:t/>
             </a:r>
             <a:endParaRPr/>
           </a:p>
@@ -26198,7 +26413,7 @@
       </p:sp>
       <p:cxnSp>
         <p:nvCxnSpPr>
-          <p:cNvPr id="328" name="Google Shape;328;p9"/>
+          <p:cNvPr id="326" name="Google Shape;326;p7"/>
           <p:cNvCxnSpPr/>
           <p:nvPr/>
         </p:nvCxnSpPr>
@@ -26224,7 +26439,7 @@
       </p:cxnSp>
       <p:pic>
         <p:nvPicPr>
-          <p:cNvPr id="329" name="Google Shape;329;p9"/>
+          <p:cNvPr id="327" name="Google Shape;327;p7"/>
           <p:cNvPicPr preferRelativeResize="0"/>
           <p:nvPr/>
         </p:nvPicPr>
@@ -26238,8 +26453,8 @@
         </p:blipFill>
         <p:spPr>
           <a:xfrm>
-            <a:off x="3735000" y="1909655"/>
-            <a:ext cx="4722008" cy="4717120"/>
+            <a:off x="152400" y="2169956"/>
+            <a:ext cx="11887198" cy="2968332"/>
           </a:xfrm>
           <a:prstGeom prst="rect">
             <a:avLst/>
@@ -26266,263 +26481,7 @@
   <p:cSld>
     <p:spTree>
       <p:nvGrpSpPr>
-        <p:cNvPr id="333" name="Shape 333"/>
-        <p:cNvGrpSpPr/>
-        <p:nvPr/>
-      </p:nvGrpSpPr>
-      <p:grpSpPr>
-        <a:xfrm>
-          <a:off x="0" y="0"/>
-          <a:ext cx="0" cy="0"/>
-          <a:chOff x="0" y="0"/>
-          <a:chExt cx="0" cy="0"/>
-        </a:xfrm>
-      </p:grpSpPr>
-      <p:sp>
-        <p:nvSpPr>
-          <p:cNvPr id="334" name="Google Shape;334;g3486e2ea373_0_0"/>
-          <p:cNvSpPr txBox="1"/>
-          <p:nvPr>
-            <p:ph type="ctrTitle"/>
-          </p:nvPr>
-        </p:nvSpPr>
-        <p:spPr>
-          <a:xfrm>
-            <a:off x="3170700" y="341350"/>
-            <a:ext cx="5850600" cy="1286100"/>
-          </a:xfrm>
-          <a:prstGeom prst="rect">
-            <a:avLst/>
-          </a:prstGeom>
-        </p:spPr>
-        <p:txBody>
-          <a:bodyPr anchorCtr="0" anchor="b" bIns="45700" lIns="91425" spcFirstLastPara="1" rIns="91425" wrap="square" tIns="45700">
-            <a:normAutofit/>
-          </a:bodyPr>
-          <a:lstStyle/>
-          <a:p>
-            <a:pPr indent="0" lvl="0" marL="0" rtl="0" algn="l">
-              <a:spcBef>
-                <a:spcPts val="0"/>
-              </a:spcBef>
-              <a:spcAft>
-                <a:spcPts val="0"/>
-              </a:spcAft>
-              <a:buNone/>
-            </a:pPr>
-            <a:r>
-              <a:rPr lang="es-ES"/>
-              <a:t>MOCKUP APP </a:t>
-            </a:r>
-            <a:r>
-              <a:rPr lang="es-ES"/>
-              <a:t>Móvil</a:t>
-            </a:r>
-            <a:endParaRPr/>
-          </a:p>
-        </p:txBody>
-      </p:sp>
-      <p:pic>
-        <p:nvPicPr>
-          <p:cNvPr id="335" name="Google Shape;335;g3486e2ea373_0_0"/>
-          <p:cNvPicPr preferRelativeResize="0"/>
-          <p:nvPr/>
-        </p:nvPicPr>
-        <p:blipFill>
-          <a:blip r:embed="rId3">
-            <a:alphaModFix/>
-          </a:blip>
-          <a:stretch>
-            <a:fillRect/>
-          </a:stretch>
-        </p:blipFill>
-        <p:spPr>
-          <a:xfrm>
-            <a:off x="4974013" y="1779819"/>
-            <a:ext cx="2243986" cy="4832681"/>
-          </a:xfrm>
-          <a:prstGeom prst="rect">
-            <a:avLst/>
-          </a:prstGeom>
-          <a:noFill/>
-          <a:ln>
-            <a:noFill/>
-          </a:ln>
-        </p:spPr>
-      </p:pic>
-      <p:pic>
-        <p:nvPicPr>
-          <p:cNvPr id="336" name="Google Shape;336;g3486e2ea373_0_0"/>
-          <p:cNvPicPr preferRelativeResize="0"/>
-          <p:nvPr/>
-        </p:nvPicPr>
-        <p:blipFill>
-          <a:blip r:embed="rId4">
-            <a:alphaModFix/>
-          </a:blip>
-          <a:stretch>
-            <a:fillRect/>
-          </a:stretch>
-        </p:blipFill>
-        <p:spPr>
-          <a:xfrm>
-            <a:off x="1965275" y="1779825"/>
-            <a:ext cx="2352186" cy="4832676"/>
-          </a:xfrm>
-          <a:prstGeom prst="rect">
-            <a:avLst/>
-          </a:prstGeom>
-          <a:noFill/>
-          <a:ln>
-            <a:noFill/>
-          </a:ln>
-        </p:spPr>
-      </p:pic>
-      <p:pic>
-        <p:nvPicPr>
-          <p:cNvPr id="337" name="Google Shape;337;g3486e2ea373_0_0"/>
-          <p:cNvPicPr preferRelativeResize="0"/>
-          <p:nvPr/>
-        </p:nvPicPr>
-        <p:blipFill>
-          <a:blip r:embed="rId5">
-            <a:alphaModFix/>
-          </a:blip>
-          <a:stretch>
-            <a:fillRect/>
-          </a:stretch>
-        </p:blipFill>
-        <p:spPr>
-          <a:xfrm>
-            <a:off x="7874575" y="1768025"/>
-            <a:ext cx="2243975" cy="4856287"/>
-          </a:xfrm>
-          <a:prstGeom prst="rect">
-            <a:avLst/>
-          </a:prstGeom>
-          <a:noFill/>
-          <a:ln>
-            <a:noFill/>
-          </a:ln>
-        </p:spPr>
-      </p:pic>
-      <p:pic>
-        <p:nvPicPr>
-          <p:cNvPr descr="EscuelaIT Duoc UC - Escuela de Informática y Telecomunicaciones Duoc UC - Duoc  UC | LinkedIn" id="338" name="Google Shape;338;g3486e2ea373_0_0"/>
-          <p:cNvPicPr preferRelativeResize="0"/>
-          <p:nvPr/>
-        </p:nvPicPr>
-        <p:blipFill rotWithShape="1">
-          <a:blip r:embed="rId6">
-            <a:alphaModFix/>
-          </a:blip>
-          <a:srcRect b="0" l="0" r="0" t="0"/>
-          <a:stretch/>
-        </p:blipFill>
-        <p:spPr>
-          <a:xfrm>
-            <a:off x="8772152" y="207550"/>
-            <a:ext cx="3141406" cy="785352"/>
-          </a:xfrm>
-          <a:prstGeom prst="rect">
-            <a:avLst/>
-          </a:prstGeom>
-          <a:noFill/>
-          <a:ln>
-            <a:noFill/>
-          </a:ln>
-        </p:spPr>
-      </p:pic>
-      <p:sp>
-        <p:nvSpPr>
-          <p:cNvPr id="339" name="Google Shape;339;g3486e2ea373_0_0"/>
-          <p:cNvSpPr txBox="1"/>
-          <p:nvPr/>
-        </p:nvSpPr>
-        <p:spPr>
-          <a:xfrm>
-            <a:off x="136188" y="368928"/>
-            <a:ext cx="12192000" cy="369300"/>
-          </a:xfrm>
-          <a:prstGeom prst="rect">
-            <a:avLst/>
-          </a:prstGeom>
-          <a:noFill/>
-          <a:ln>
-            <a:noFill/>
-          </a:ln>
-        </p:spPr>
-        <p:txBody>
-          <a:bodyPr anchorCtr="0" anchor="t" bIns="45700" lIns="91425" spcFirstLastPara="1" rIns="91425" wrap="square" tIns="45700">
-            <a:spAutoFit/>
-          </a:bodyPr>
-          <a:lstStyle/>
-          <a:p>
-            <a:pPr indent="0" lvl="0" marL="0" marR="0" rtl="0" algn="l">
-              <a:spcBef>
-                <a:spcPts val="0"/>
-              </a:spcBef>
-              <a:spcAft>
-                <a:spcPts val="0"/>
-              </a:spcAft>
-              <a:buNone/>
-            </a:pPr>
-            <a:r>
-              <a:rPr lang="es-ES" sz="1800">
-                <a:solidFill>
-                  <a:srgbClr val="092338"/>
-                </a:solidFill>
-                <a:latin typeface="Twentieth Century"/>
-                <a:ea typeface="Twentieth Century"/>
-                <a:cs typeface="Twentieth Century"/>
-                <a:sym typeface="Twentieth Century"/>
-              </a:rPr>
-              <a:t>Proyecto “Growing APP”</a:t>
-            </a:r>
-            <a:endParaRPr/>
-          </a:p>
-        </p:txBody>
-      </p:sp>
-      <p:cxnSp>
-        <p:nvCxnSpPr>
-          <p:cNvPr id="340" name="Google Shape;340;g3486e2ea373_0_0"/>
-          <p:cNvCxnSpPr/>
-          <p:nvPr/>
-        </p:nvCxnSpPr>
-        <p:spPr>
-          <a:xfrm>
-            <a:off x="0" y="758027"/>
-            <a:ext cx="4085700" cy="0"/>
-          </a:xfrm>
-          <a:prstGeom prst="straightConnector1">
-            <a:avLst/>
-          </a:prstGeom>
-          <a:noFill/>
-          <a:ln cap="flat" cmpd="sng" w="15875">
-            <a:solidFill>
-              <a:srgbClr val="F9FCF5"/>
-            </a:solidFill>
-            <a:prstDash val="solid"/>
-            <a:round/>
-            <a:headEnd len="sm" w="sm" type="none"/>
-            <a:tailEnd len="sm" w="sm" type="none"/>
-          </a:ln>
-        </p:spPr>
-      </p:cxnSp>
-    </p:spTree>
-  </p:cSld>
-  <p:clrMapOvr>
-    <a:masterClrMapping/>
-  </p:clrMapOvr>
-</p:sld>
-</file>
-
-<file path=ppt/slides/slide12.xml><?xml version="1.0" encoding="utf-8"?>
-<p:sld xmlns:a="http://schemas.openxmlformats.org/drawingml/2006/main" xmlns:r="http://schemas.openxmlformats.org/officeDocument/2006/relationships" xmlns:mc="http://schemas.openxmlformats.org/markup-compatibility/2006" xmlns:mv="urn:schemas-microsoft-com:mac:vml" xmlns:p="http://schemas.openxmlformats.org/presentationml/2006/main" xmlns:c="http://schemas.openxmlformats.org/drawingml/2006/chart" xmlns:dgm="http://schemas.openxmlformats.org/drawingml/2006/diagram" xmlns:o="urn:schemas-microsoft-com:office:office" xmlns:v="urn:schemas-microsoft-com:vml" xmlns:pvml="urn:schemas-microsoft-com:office:powerpoint" xmlns:com="http://schemas.openxmlformats.org/drawingml/2006/compatibility" xmlns:p14="http://schemas.microsoft.com/office/powerpoint/2010/main" xmlns:p15="http://schemas.microsoft.com/office/powerpoint/2012/main" xmlns:ahyp="http://schemas.microsoft.com/office/drawing/2018/hyperlinkcolor">
-  <p:cSld>
-    <p:spTree>
-      <p:nvGrpSpPr>
-        <p:cNvPr id="344" name="Shape 344"/>
+        <p:cNvPr id="331" name="Shape 331"/>
         <p:cNvGrpSpPr/>
         <p:nvPr/>
       </p:nvGrpSpPr>
@@ -26536,7 +26495,7 @@
       </p:grpSpPr>
       <p:pic>
         <p:nvPicPr>
-          <p:cNvPr descr="EscuelaIT Duoc UC - Escuela de Informática y Telecomunicaciones Duoc UC - Duoc  UC | LinkedIn" id="345" name="Google Shape;345;p10"/>
+          <p:cNvPr descr="EscuelaIT Duoc UC - Escuela de Informática y Telecomunicaciones Duoc UC - Duoc  UC | LinkedIn" id="332" name="Google Shape;332;g3487b8c5fce_1_11"/>
           <p:cNvPicPr preferRelativeResize="0"/>
           <p:nvPr/>
         </p:nvPicPr>
@@ -26563,7 +26522,228 @@
       </p:pic>
       <p:sp>
         <p:nvSpPr>
-          <p:cNvPr id="346" name="Google Shape;346;p10"/>
+          <p:cNvPr id="333" name="Google Shape;333;g3487b8c5fce_1_11"/>
+          <p:cNvSpPr txBox="1"/>
+          <p:nvPr/>
+        </p:nvSpPr>
+        <p:spPr>
+          <a:xfrm>
+            <a:off x="136188" y="368928"/>
+            <a:ext cx="12192000" cy="369300"/>
+          </a:xfrm>
+          <a:prstGeom prst="rect">
+            <a:avLst/>
+          </a:prstGeom>
+          <a:noFill/>
+          <a:ln>
+            <a:noFill/>
+          </a:ln>
+        </p:spPr>
+        <p:txBody>
+          <a:bodyPr anchorCtr="0" anchor="t" bIns="45700" lIns="91425" spcFirstLastPara="1" rIns="91425" wrap="square" tIns="45700">
+            <a:spAutoFit/>
+          </a:bodyPr>
+          <a:lstStyle/>
+          <a:p>
+            <a:pPr indent="0" lvl="0" marL="0" marR="0" rtl="0" algn="l">
+              <a:spcBef>
+                <a:spcPts val="0"/>
+              </a:spcBef>
+              <a:spcAft>
+                <a:spcPts val="0"/>
+              </a:spcAft>
+              <a:buNone/>
+            </a:pPr>
+            <a:r>
+              <a:rPr lang="es-ES" sz="1800">
+                <a:solidFill>
+                  <a:srgbClr val="092338"/>
+                </a:solidFill>
+                <a:latin typeface="Twentieth Century"/>
+                <a:ea typeface="Twentieth Century"/>
+                <a:cs typeface="Twentieth Century"/>
+                <a:sym typeface="Twentieth Century"/>
+              </a:rPr>
+              <a:t>Proyecto “Growing APP”</a:t>
+            </a:r>
+            <a:endParaRPr/>
+          </a:p>
+        </p:txBody>
+      </p:sp>
+      <p:sp>
+        <p:nvSpPr>
+          <p:cNvPr id="334" name="Google Shape;334;g3487b8c5fce_1_11"/>
+          <p:cNvSpPr txBox="1"/>
+          <p:nvPr/>
+        </p:nvSpPr>
+        <p:spPr>
+          <a:xfrm>
+            <a:off x="1" y="1155656"/>
+            <a:ext cx="12192000" cy="861900"/>
+          </a:xfrm>
+          <a:prstGeom prst="rect">
+            <a:avLst/>
+          </a:prstGeom>
+          <a:noFill/>
+          <a:ln>
+            <a:noFill/>
+          </a:ln>
+        </p:spPr>
+        <p:txBody>
+          <a:bodyPr anchorCtr="0" anchor="t" bIns="45700" lIns="91425" spcFirstLastPara="1" rIns="91425" wrap="square" tIns="45700">
+            <a:spAutoFit/>
+          </a:bodyPr>
+          <a:lstStyle/>
+          <a:p>
+            <a:pPr indent="0" lvl="0" marL="0" marR="0" rtl="0" algn="ctr">
+              <a:spcBef>
+                <a:spcPts val="0"/>
+              </a:spcBef>
+              <a:spcAft>
+                <a:spcPts val="0"/>
+              </a:spcAft>
+              <a:buNone/>
+            </a:pPr>
+            <a:r>
+              <a:rPr lang="es-ES" sz="3600">
+                <a:solidFill>
+                  <a:schemeClr val="lt1"/>
+                </a:solidFill>
+                <a:latin typeface="Twentieth Century"/>
+                <a:ea typeface="Twentieth Century"/>
+                <a:cs typeface="Twentieth Century"/>
+                <a:sym typeface="Twentieth Century"/>
+              </a:rPr>
+              <a:t>Cronograma para el desarrollo del proyecto</a:t>
+            </a:r>
+            <a:endParaRPr/>
+          </a:p>
+          <a:p>
+            <a:pPr indent="0" lvl="0" marL="457200" rtl="0" algn="l">
+              <a:spcBef>
+                <a:spcPts val="0"/>
+              </a:spcBef>
+              <a:spcAft>
+                <a:spcPts val="0"/>
+              </a:spcAft>
+              <a:buNone/>
+            </a:pPr>
+            <a:r>
+              <a:t/>
+            </a:r>
+            <a:endParaRPr/>
+          </a:p>
+        </p:txBody>
+      </p:sp>
+      <p:cxnSp>
+        <p:nvCxnSpPr>
+          <p:cNvPr id="335" name="Google Shape;335;g3487b8c5fce_1_11"/>
+          <p:cNvCxnSpPr/>
+          <p:nvPr/>
+        </p:nvCxnSpPr>
+        <p:spPr>
+          <a:xfrm>
+            <a:off x="0" y="758027"/>
+            <a:ext cx="4085700" cy="0"/>
+          </a:xfrm>
+          <a:prstGeom prst="straightConnector1">
+            <a:avLst/>
+          </a:prstGeom>
+          <a:noFill/>
+          <a:ln cap="flat" cmpd="sng" w="15875">
+            <a:solidFill>
+              <a:srgbClr val="F9FCF5"/>
+            </a:solidFill>
+            <a:prstDash val="solid"/>
+            <a:round/>
+            <a:headEnd len="sm" w="sm" type="none"/>
+            <a:tailEnd len="sm" w="sm" type="none"/>
+          </a:ln>
+        </p:spPr>
+      </p:cxnSp>
+      <p:pic>
+        <p:nvPicPr>
+          <p:cNvPr id="336" name="Google Shape;336;g3487b8c5fce_1_11"/>
+          <p:cNvPicPr preferRelativeResize="0"/>
+          <p:nvPr/>
+        </p:nvPicPr>
+        <p:blipFill>
+          <a:blip r:embed="rId4">
+            <a:alphaModFix/>
+          </a:blip>
+          <a:stretch>
+            <a:fillRect/>
+          </a:stretch>
+        </p:blipFill>
+        <p:spPr>
+          <a:xfrm>
+            <a:off x="152400" y="2169956"/>
+            <a:ext cx="11887200" cy="3818159"/>
+          </a:xfrm>
+          <a:prstGeom prst="rect">
+            <a:avLst/>
+          </a:prstGeom>
+          <a:noFill/>
+          <a:ln>
+            <a:noFill/>
+          </a:ln>
+        </p:spPr>
+      </p:pic>
+    </p:spTree>
+  </p:cSld>
+  <p:clrMapOvr>
+    <a:masterClrMapping/>
+  </p:clrMapOvr>
+</p:sld>
+</file>
+
+<file path=ppt/slides/slide12.xml><?xml version="1.0" encoding="utf-8"?>
+<p:sld xmlns:a="http://schemas.openxmlformats.org/drawingml/2006/main" xmlns:r="http://schemas.openxmlformats.org/officeDocument/2006/relationships" xmlns:mc="http://schemas.openxmlformats.org/markup-compatibility/2006" xmlns:mv="urn:schemas-microsoft-com:mac:vml" xmlns:p="http://schemas.openxmlformats.org/presentationml/2006/main" xmlns:c="http://schemas.openxmlformats.org/drawingml/2006/chart" xmlns:dgm="http://schemas.openxmlformats.org/drawingml/2006/diagram" xmlns:o="urn:schemas-microsoft-com:office:office" xmlns:v="urn:schemas-microsoft-com:vml" xmlns:pvml="urn:schemas-microsoft-com:office:powerpoint" xmlns:com="http://schemas.openxmlformats.org/drawingml/2006/compatibility" xmlns:p14="http://schemas.microsoft.com/office/powerpoint/2010/main" xmlns:p15="http://schemas.microsoft.com/office/powerpoint/2012/main" xmlns:ahyp="http://schemas.microsoft.com/office/drawing/2018/hyperlinkcolor">
+  <p:cSld>
+    <p:spTree>
+      <p:nvGrpSpPr>
+        <p:cNvPr id="340" name="Shape 340"/>
+        <p:cNvGrpSpPr/>
+        <p:nvPr/>
+      </p:nvGrpSpPr>
+      <p:grpSpPr>
+        <a:xfrm>
+          <a:off x="0" y="0"/>
+          <a:ext cx="0" cy="0"/>
+          <a:chOff x="0" y="0"/>
+          <a:chExt cx="0" cy="0"/>
+        </a:xfrm>
+      </p:grpSpPr>
+      <p:pic>
+        <p:nvPicPr>
+          <p:cNvPr descr="EscuelaIT Duoc UC - Escuela de Informática y Telecomunicaciones Duoc UC - Duoc  UC | LinkedIn" id="341" name="Google Shape;341;p8"/>
+          <p:cNvPicPr preferRelativeResize="0"/>
+          <p:nvPr/>
+        </p:nvPicPr>
+        <p:blipFill rotWithShape="1">
+          <a:blip r:embed="rId3">
+            <a:alphaModFix/>
+          </a:blip>
+          <a:srcRect b="0" l="0" r="0" t="0"/>
+          <a:stretch/>
+        </p:blipFill>
+        <p:spPr>
+          <a:xfrm>
+            <a:off x="8772152" y="207550"/>
+            <a:ext cx="3141406" cy="785352"/>
+          </a:xfrm>
+          <a:prstGeom prst="rect">
+            <a:avLst/>
+          </a:prstGeom>
+          <a:noFill/>
+          <a:ln>
+            <a:noFill/>
+          </a:ln>
+        </p:spPr>
+      </p:pic>
+      <p:sp>
+        <p:nvSpPr>
+          <p:cNvPr id="342" name="Google Shape;342;p8"/>
           <p:cNvSpPr txBox="1"/>
           <p:nvPr/>
         </p:nvSpPr>
@@ -26613,13 +26793,13 @@
       </p:sp>
       <p:sp>
         <p:nvSpPr>
-          <p:cNvPr id="347" name="Google Shape;347;p10"/>
+          <p:cNvPr id="343" name="Google Shape;343;p8"/>
           <p:cNvSpPr txBox="1"/>
           <p:nvPr/>
         </p:nvSpPr>
         <p:spPr>
           <a:xfrm>
-            <a:off x="0" y="1109490"/>
+            <a:off x="0" y="858810"/>
             <a:ext cx="12191999" cy="646331"/>
           </a:xfrm>
           <a:prstGeom prst="rect">
@@ -26655,7 +26835,7 @@
                 <a:cs typeface="Twentieth Century"/>
                 <a:sym typeface="Twentieth Century"/>
               </a:rPr>
-              <a:t>Tecnologías utilizadas</a:t>
+              <a:t>Arquitectura del software</a:t>
             </a:r>
             <a:endParaRPr/>
           </a:p>
@@ -26663,7 +26843,7 @@
       </p:sp>
       <p:cxnSp>
         <p:nvCxnSpPr>
-          <p:cNvPr id="348" name="Google Shape;348;p10"/>
+          <p:cNvPr id="344" name="Google Shape;344;p8"/>
           <p:cNvCxnSpPr/>
           <p:nvPr/>
         </p:nvCxnSpPr>
@@ -26689,14 +26869,145 @@
       </p:cxnSp>
       <p:sp>
         <p:nvSpPr>
-          <p:cNvPr id="349" name="Google Shape;349;p10"/>
+          <p:cNvPr descr="Imagen" id="345" name="Google Shape;345;p8"/>
+          <p:cNvSpPr/>
+          <p:nvPr/>
+        </p:nvSpPr>
+        <p:spPr>
+          <a:xfrm>
+            <a:off x="5943600" y="3276600"/>
+            <a:ext cx="2613804" cy="2613804"/>
+          </a:xfrm>
+          <a:prstGeom prst="rect">
+            <a:avLst/>
+          </a:prstGeom>
+          <a:noFill/>
+          <a:ln>
+            <a:noFill/>
+          </a:ln>
+        </p:spPr>
+        <p:txBody>
+          <a:bodyPr anchorCtr="0" anchor="t" bIns="45700" lIns="91425" spcFirstLastPara="1" rIns="91425" wrap="square" tIns="45700">
+            <a:noAutofit/>
+          </a:bodyPr>
+          <a:lstStyle/>
+          <a:p>
+            <a:pPr indent="0" lvl="0" marL="0" marR="0" rtl="0" algn="l">
+              <a:spcBef>
+                <a:spcPts val="0"/>
+              </a:spcBef>
+              <a:spcAft>
+                <a:spcPts val="0"/>
+              </a:spcAft>
+              <a:buNone/>
+            </a:pPr>
+            <a:r>
+              <a:t/>
+            </a:r>
+            <a:endParaRPr sz="1800">
+              <a:solidFill>
+                <a:schemeClr val="lt1"/>
+              </a:solidFill>
+              <a:latin typeface="Twentieth Century"/>
+              <a:ea typeface="Twentieth Century"/>
+              <a:cs typeface="Twentieth Century"/>
+              <a:sym typeface="Twentieth Century"/>
+            </a:endParaRPr>
+          </a:p>
+        </p:txBody>
+      </p:sp>
+      <p:pic>
+        <p:nvPicPr>
+          <p:cNvPr id="346" name="Google Shape;346;p8"/>
+          <p:cNvPicPr preferRelativeResize="0"/>
+          <p:nvPr/>
+        </p:nvPicPr>
+        <p:blipFill rotWithShape="1">
+          <a:blip r:embed="rId4">
+            <a:alphaModFix/>
+          </a:blip>
+          <a:srcRect b="0" l="0" r="0" t="0"/>
+          <a:stretch/>
+        </p:blipFill>
+        <p:spPr>
+          <a:xfrm>
+            <a:off x="2683490" y="1605923"/>
+            <a:ext cx="7097393" cy="5185248"/>
+          </a:xfrm>
+          <a:prstGeom prst="rect">
+            <a:avLst/>
+          </a:prstGeom>
+          <a:noFill/>
+          <a:ln>
+            <a:noFill/>
+          </a:ln>
+        </p:spPr>
+      </p:pic>
+    </p:spTree>
+  </p:cSld>
+  <p:clrMapOvr>
+    <a:masterClrMapping/>
+  </p:clrMapOvr>
+  <p:transition spd="slow">
+    <p:wipe dir="l"/>
+  </p:transition>
+</p:sld>
+</file>
+
+<file path=ppt/slides/slide13.xml><?xml version="1.0" encoding="utf-8"?>
+<p:sld xmlns:a="http://schemas.openxmlformats.org/drawingml/2006/main" xmlns:r="http://schemas.openxmlformats.org/officeDocument/2006/relationships" xmlns:mc="http://schemas.openxmlformats.org/markup-compatibility/2006" xmlns:mv="urn:schemas-microsoft-com:mac:vml" xmlns:p="http://schemas.openxmlformats.org/presentationml/2006/main" xmlns:c="http://schemas.openxmlformats.org/drawingml/2006/chart" xmlns:dgm="http://schemas.openxmlformats.org/drawingml/2006/diagram" xmlns:o="urn:schemas-microsoft-com:office:office" xmlns:v="urn:schemas-microsoft-com:vml" xmlns:pvml="urn:schemas-microsoft-com:office:powerpoint" xmlns:com="http://schemas.openxmlformats.org/drawingml/2006/compatibility" xmlns:p14="http://schemas.microsoft.com/office/powerpoint/2010/main" xmlns:p15="http://schemas.microsoft.com/office/powerpoint/2012/main" xmlns:ahyp="http://schemas.microsoft.com/office/drawing/2018/hyperlinkcolor">
+  <p:cSld>
+    <p:spTree>
+      <p:nvGrpSpPr>
+        <p:cNvPr id="350" name="Shape 350"/>
+        <p:cNvGrpSpPr/>
+        <p:nvPr/>
+      </p:nvGrpSpPr>
+      <p:grpSpPr>
+        <a:xfrm>
+          <a:off x="0" y="0"/>
+          <a:ext cx="0" cy="0"/>
+          <a:chOff x="0" y="0"/>
+          <a:chExt cx="0" cy="0"/>
+        </a:xfrm>
+      </p:grpSpPr>
+      <p:pic>
+        <p:nvPicPr>
+          <p:cNvPr descr="EscuelaIT Duoc UC - Escuela de Informática y Telecomunicaciones Duoc UC - Duoc  UC | LinkedIn" id="351" name="Google Shape;351;g34047629776_0_0"/>
+          <p:cNvPicPr preferRelativeResize="0"/>
+          <p:nvPr/>
+        </p:nvPicPr>
+        <p:blipFill rotWithShape="1">
+          <a:blip r:embed="rId3">
+            <a:alphaModFix/>
+          </a:blip>
+          <a:srcRect b="0" l="0" r="0" t="0"/>
+          <a:stretch/>
+        </p:blipFill>
+        <p:spPr>
+          <a:xfrm>
+            <a:off x="8772152" y="207550"/>
+            <a:ext cx="3141406" cy="785352"/>
+          </a:xfrm>
+          <a:prstGeom prst="rect">
+            <a:avLst/>
+          </a:prstGeom>
+          <a:noFill/>
+          <a:ln>
+            <a:noFill/>
+          </a:ln>
+        </p:spPr>
+      </p:pic>
+      <p:sp>
+        <p:nvSpPr>
+          <p:cNvPr id="352" name="Google Shape;352;g34047629776_0_0"/>
           <p:cNvSpPr txBox="1"/>
           <p:nvPr/>
         </p:nvSpPr>
         <p:spPr>
           <a:xfrm>
-            <a:off x="2470749" y="1872409"/>
-            <a:ext cx="8329522" cy="4575612"/>
+            <a:off x="136188" y="368928"/>
+            <a:ext cx="12192000" cy="369300"/>
           </a:xfrm>
           <a:prstGeom prst="rect">
             <a:avLst/>
@@ -26722,544 +27033,57 @@
               <a:buNone/>
             </a:pPr>
             <a:r>
-              <a:rPr b="1" i="0" lang="es-ES" sz="1200" u="none" strike="noStrike">
+              <a:rPr lang="es-ES" sz="1800">
                 <a:solidFill>
-                  <a:srgbClr val="000000"/>
+                  <a:srgbClr val="092338"/>
                 </a:solidFill>
-                <a:latin typeface="Arial"/>
-                <a:ea typeface="Arial"/>
-                <a:cs typeface="Arial"/>
-                <a:sym typeface="Arial"/>
+                <a:latin typeface="Twentieth Century"/>
+                <a:ea typeface="Twentieth Century"/>
+                <a:cs typeface="Twentieth Century"/>
+                <a:sym typeface="Twentieth Century"/>
               </a:rPr>
-              <a:t>1. Hardware y Sensores:</a:t>
-            </a:r>
-            <a:endParaRPr b="0" sz="1800">
-              <a:solidFill>
-                <a:schemeClr val="lt1"/>
-              </a:solidFill>
-              <a:latin typeface="Twentieth Century"/>
-              <a:ea typeface="Twentieth Century"/>
-              <a:cs typeface="Twentieth Century"/>
-              <a:sym typeface="Twentieth Century"/>
-            </a:endParaRPr>
-          </a:p>
-          <a:p>
-            <a:pPr indent="-76200" lvl="0" marL="0" marR="0" rtl="0" algn="l">
-              <a:spcBef>
-                <a:spcPts val="800"/>
-              </a:spcBef>
-              <a:spcAft>
-                <a:spcPts val="0"/>
-              </a:spcAft>
-              <a:buClr>
-                <a:srgbClr val="000000"/>
-              </a:buClr>
-              <a:buSzPts val="1200"/>
-              <a:buFont typeface="Arial"/>
-              <a:buChar char="•"/>
-            </a:pPr>
-            <a:r>
-              <a:rPr b="1" i="0" lang="es-ES" sz="1200" u="none" strike="noStrike">
-                <a:solidFill>
-                  <a:srgbClr val="000000"/>
-                </a:solidFill>
-                <a:latin typeface="Arial"/>
-                <a:ea typeface="Arial"/>
-                <a:cs typeface="Arial"/>
-                <a:sym typeface="Arial"/>
-              </a:rPr>
-              <a:t>Placa base (como Arduino, ESP32 o ESP8266):</a:t>
-            </a:r>
-            <a:r>
-              <a:rPr b="0" i="0" lang="es-ES" sz="1200" u="none" strike="noStrike">
-                <a:solidFill>
-                  <a:srgbClr val="000000"/>
-                </a:solidFill>
-                <a:latin typeface="Arial"/>
-                <a:ea typeface="Arial"/>
-                <a:cs typeface="Arial"/>
-                <a:sym typeface="Arial"/>
-              </a:rPr>
-              <a:t> </a:t>
+              <a:t>Proyecto “Growing APP”</a:t>
             </a:r>
             <a:endParaRPr/>
           </a:p>
+        </p:txBody>
+      </p:sp>
+      <p:sp>
+        <p:nvSpPr>
+          <p:cNvPr id="353" name="Google Shape;353;g34047629776_0_0"/>
+          <p:cNvSpPr txBox="1"/>
+          <p:nvPr/>
+        </p:nvSpPr>
+        <p:spPr>
+          <a:xfrm>
+            <a:off x="0" y="738235"/>
+            <a:ext cx="12192000" cy="646500"/>
+          </a:xfrm>
+          <a:prstGeom prst="rect">
+            <a:avLst/>
+          </a:prstGeom>
+          <a:noFill/>
+          <a:ln>
+            <a:noFill/>
+          </a:ln>
+        </p:spPr>
+        <p:txBody>
+          <a:bodyPr anchorCtr="0" anchor="t" bIns="45700" lIns="91425" spcFirstLastPara="1" rIns="91425" wrap="square" tIns="45700">
+            <a:spAutoFit/>
+          </a:bodyPr>
+          <a:lstStyle/>
           <a:p>
-            <a:pPr indent="-76200" lvl="0" marL="0" marR="0" rtl="0" algn="l">
-              <a:spcBef>
-                <a:spcPts val="800"/>
-              </a:spcBef>
-              <a:spcAft>
-                <a:spcPts val="0"/>
-              </a:spcAft>
-              <a:buClr>
-                <a:srgbClr val="000000"/>
-              </a:buClr>
-              <a:buSzPts val="1200"/>
-              <a:buFont typeface="Arial"/>
-              <a:buChar char="•"/>
+            <a:pPr indent="0" lvl="0" marL="0" marR="0" rtl="0" algn="ctr">
+              <a:spcBef>
+                <a:spcPts val="0"/>
+              </a:spcBef>
+              <a:spcAft>
+                <a:spcPts val="0"/>
+              </a:spcAft>
+              <a:buNone/>
             </a:pPr>
             <a:r>
-              <a:rPr b="1" i="0" lang="es-ES" sz="1200" u="none" strike="noStrike">
-                <a:solidFill>
-                  <a:srgbClr val="000000"/>
-                </a:solidFill>
-                <a:latin typeface="Arial"/>
-                <a:ea typeface="Arial"/>
-                <a:cs typeface="Arial"/>
-                <a:sym typeface="Arial"/>
-              </a:rPr>
-              <a:t>Sensores:</a:t>
-            </a:r>
-            <a:endParaRPr b="0" i="0" sz="1000" u="none" strike="noStrike">
-              <a:solidFill>
-                <a:srgbClr val="000000"/>
-              </a:solidFill>
-              <a:latin typeface="Noto Sans Symbols"/>
-              <a:ea typeface="Noto Sans Symbols"/>
-              <a:cs typeface="Noto Sans Symbols"/>
-              <a:sym typeface="Noto Sans Symbols"/>
-            </a:endParaRPr>
-          </a:p>
-          <a:p>
-            <a:pPr indent="-285750" lvl="1" marL="742950" marR="0" rtl="0" algn="l">
-              <a:spcBef>
-                <a:spcPts val="800"/>
-              </a:spcBef>
-              <a:spcAft>
-                <a:spcPts val="0"/>
-              </a:spcAft>
-              <a:buClr>
-                <a:srgbClr val="000000"/>
-              </a:buClr>
-              <a:buSzPts val="1200"/>
-              <a:buFont typeface="Arial"/>
-              <a:buChar char="•"/>
-            </a:pPr>
-            <a:r>
-              <a:rPr b="1" i="0" lang="es-ES" sz="1200" u="none" cap="none" strike="noStrike">
-                <a:solidFill>
-                  <a:srgbClr val="000000"/>
-                </a:solidFill>
-                <a:latin typeface="Arial"/>
-                <a:ea typeface="Arial"/>
-                <a:cs typeface="Arial"/>
-                <a:sym typeface="Arial"/>
-              </a:rPr>
-              <a:t>Temperatura y humedad:</a:t>
-            </a:r>
-            <a:r>
-              <a:rPr b="0" i="0" lang="es-ES" sz="1200" u="none" cap="none" strike="noStrike">
-                <a:solidFill>
-                  <a:srgbClr val="000000"/>
-                </a:solidFill>
-                <a:latin typeface="Arial"/>
-                <a:ea typeface="Arial"/>
-                <a:cs typeface="Arial"/>
-                <a:sym typeface="Arial"/>
-              </a:rPr>
-              <a:t> DHT22 o BME280.</a:t>
-            </a:r>
-            <a:endParaRPr b="0" i="0" sz="1000" u="none" cap="none" strike="noStrike">
-              <a:solidFill>
-                <a:srgbClr val="000000"/>
-              </a:solidFill>
-              <a:latin typeface="Courier New"/>
-              <a:ea typeface="Courier New"/>
-              <a:cs typeface="Courier New"/>
-              <a:sym typeface="Courier New"/>
-            </a:endParaRPr>
-          </a:p>
-          <a:p>
-            <a:pPr indent="-285750" lvl="1" marL="742950" marR="0" rtl="0" algn="l">
-              <a:spcBef>
-                <a:spcPts val="800"/>
-              </a:spcBef>
-              <a:spcAft>
-                <a:spcPts val="0"/>
-              </a:spcAft>
-              <a:buClr>
-                <a:srgbClr val="000000"/>
-              </a:buClr>
-              <a:buSzPts val="1200"/>
-              <a:buFont typeface="Arial"/>
-              <a:buChar char="•"/>
-            </a:pPr>
-            <a:r>
-              <a:rPr b="1" i="0" lang="es-ES" sz="1200" u="none" cap="none" strike="noStrike">
-                <a:solidFill>
-                  <a:srgbClr val="000000"/>
-                </a:solidFill>
-                <a:latin typeface="Arial"/>
-                <a:ea typeface="Arial"/>
-                <a:cs typeface="Arial"/>
-                <a:sym typeface="Arial"/>
-              </a:rPr>
-              <a:t>Luz:</a:t>
-            </a:r>
-            <a:r>
-              <a:rPr b="0" i="0" lang="es-ES" sz="1200" u="none" cap="none" strike="noStrike">
-                <a:solidFill>
-                  <a:srgbClr val="000000"/>
-                </a:solidFill>
-                <a:latin typeface="Arial"/>
-                <a:ea typeface="Arial"/>
-                <a:cs typeface="Arial"/>
-                <a:sym typeface="Arial"/>
-              </a:rPr>
-              <a:t> Sensor de luz LDR o BH1750.</a:t>
-            </a:r>
-            <a:endParaRPr b="0" i="0" sz="1000" u="none" cap="none" strike="noStrike">
-              <a:solidFill>
-                <a:srgbClr val="000000"/>
-              </a:solidFill>
-              <a:latin typeface="Courier New"/>
-              <a:ea typeface="Courier New"/>
-              <a:cs typeface="Courier New"/>
-              <a:sym typeface="Courier New"/>
-            </a:endParaRPr>
-          </a:p>
-          <a:p>
-            <a:pPr indent="-285750" lvl="1" marL="742950" marR="0" rtl="0" algn="l">
-              <a:spcBef>
-                <a:spcPts val="800"/>
-              </a:spcBef>
-              <a:spcAft>
-                <a:spcPts val="0"/>
-              </a:spcAft>
-              <a:buClr>
-                <a:srgbClr val="000000"/>
-              </a:buClr>
-              <a:buSzPts val="1200"/>
-              <a:buFont typeface="Arial"/>
-              <a:buChar char="•"/>
-            </a:pPr>
-            <a:r>
-              <a:rPr b="1" i="0" lang="es-ES" sz="1200" u="none" cap="none" strike="noStrike">
-                <a:solidFill>
-                  <a:srgbClr val="000000"/>
-                </a:solidFill>
-                <a:latin typeface="Arial"/>
-                <a:ea typeface="Arial"/>
-                <a:cs typeface="Arial"/>
-                <a:sym typeface="Arial"/>
-              </a:rPr>
-              <a:t>Aire:</a:t>
-            </a:r>
-            <a:r>
-              <a:rPr b="0" i="0" lang="es-ES" sz="1200" u="none" cap="none" strike="noStrike">
-                <a:solidFill>
-                  <a:srgbClr val="000000"/>
-                </a:solidFill>
-                <a:latin typeface="Arial"/>
-                <a:ea typeface="Arial"/>
-                <a:cs typeface="Arial"/>
-                <a:sym typeface="Arial"/>
-              </a:rPr>
-              <a:t> Sensor de calidad del aire (como MQ-135 o CCS811) o sensores de CO2</a:t>
-            </a:r>
-            <a:endParaRPr b="0" i="0" sz="1200" u="none" cap="none" strike="noStrike">
-              <a:solidFill>
-                <a:srgbClr val="000000"/>
-              </a:solidFill>
-              <a:latin typeface="Arial"/>
-              <a:ea typeface="Arial"/>
-              <a:cs typeface="Arial"/>
-              <a:sym typeface="Arial"/>
-            </a:endParaRPr>
-          </a:p>
-          <a:p>
-            <a:pPr indent="-285750" lvl="1" marL="742950" marR="0" rtl="0" algn="l">
-              <a:spcBef>
-                <a:spcPts val="800"/>
-              </a:spcBef>
-              <a:spcAft>
-                <a:spcPts val="0"/>
-              </a:spcAft>
-              <a:buClr>
-                <a:srgbClr val="000000"/>
-              </a:buClr>
-              <a:buSzPts val="1200"/>
-              <a:buFont typeface="Arial"/>
-              <a:buChar char="•"/>
-            </a:pPr>
-            <a:r>
-              <a:rPr b="1" i="0" lang="es-ES" sz="1200" u="none" cap="none" strike="noStrike">
-                <a:solidFill>
-                  <a:srgbClr val="000000"/>
-                </a:solidFill>
-                <a:latin typeface="Arial"/>
-                <a:ea typeface="Arial"/>
-                <a:cs typeface="Arial"/>
-                <a:sym typeface="Arial"/>
-              </a:rPr>
-              <a:t>Fuente de alimentación:</a:t>
-            </a:r>
-            <a:endParaRPr/>
-          </a:p>
-          <a:p>
-            <a:pPr indent="0" lvl="0" marL="0" marR="0" rtl="0" algn="l">
-              <a:spcBef>
-                <a:spcPts val="800"/>
-              </a:spcBef>
-              <a:spcAft>
-                <a:spcPts val="0"/>
-              </a:spcAft>
-              <a:buNone/>
-            </a:pPr>
-            <a:r>
-              <a:rPr b="1" i="0" lang="es-ES" sz="1200" u="none" strike="noStrike">
-                <a:solidFill>
-                  <a:srgbClr val="000000"/>
-                </a:solidFill>
-                <a:latin typeface="Arial"/>
-                <a:ea typeface="Arial"/>
-                <a:cs typeface="Arial"/>
-                <a:sym typeface="Arial"/>
-              </a:rPr>
-              <a:t>2. Comunicación:</a:t>
-            </a:r>
-            <a:endParaRPr b="0" sz="1800">
-              <a:solidFill>
-                <a:schemeClr val="lt1"/>
-              </a:solidFill>
-              <a:latin typeface="Twentieth Century"/>
-              <a:ea typeface="Twentieth Century"/>
-              <a:cs typeface="Twentieth Century"/>
-              <a:sym typeface="Twentieth Century"/>
-            </a:endParaRPr>
-          </a:p>
-          <a:p>
-            <a:pPr indent="0" lvl="0" marL="0" marR="0" rtl="0" algn="l">
-              <a:spcBef>
-                <a:spcPts val="800"/>
-              </a:spcBef>
-              <a:spcAft>
-                <a:spcPts val="0"/>
-              </a:spcAft>
-              <a:buNone/>
-            </a:pPr>
-            <a:r>
-              <a:rPr b="1" i="0" lang="es-ES" sz="1200" u="none" strike="noStrike">
-                <a:solidFill>
-                  <a:srgbClr val="000000"/>
-                </a:solidFill>
-                <a:latin typeface="Arial"/>
-                <a:ea typeface="Arial"/>
-                <a:cs typeface="Arial"/>
-                <a:sym typeface="Arial"/>
-              </a:rPr>
-              <a:t>	Wi-Fi/Bluetooth</a:t>
-            </a:r>
-            <a:endParaRPr b="0" i="0" sz="1200" u="none" strike="noStrike">
-              <a:solidFill>
-                <a:srgbClr val="000000"/>
-              </a:solidFill>
-              <a:latin typeface="Arial"/>
-              <a:ea typeface="Arial"/>
-              <a:cs typeface="Arial"/>
-              <a:sym typeface="Arial"/>
-            </a:endParaRPr>
-          </a:p>
-          <a:p>
-            <a:pPr indent="0" lvl="0" marL="0" marR="0" rtl="0" algn="l">
-              <a:spcBef>
-                <a:spcPts val="800"/>
-              </a:spcBef>
-              <a:spcAft>
-                <a:spcPts val="0"/>
-              </a:spcAft>
-              <a:buNone/>
-            </a:pPr>
-            <a:r>
-              <a:rPr b="1" i="0" lang="es-ES" sz="1200" u="none" strike="noStrike">
-                <a:solidFill>
-                  <a:srgbClr val="000000"/>
-                </a:solidFill>
-                <a:latin typeface="Arial"/>
-                <a:ea typeface="Arial"/>
-                <a:cs typeface="Arial"/>
-                <a:sym typeface="Arial"/>
-              </a:rPr>
-              <a:t>3. Base de datos:</a:t>
-            </a:r>
-            <a:r>
-              <a:rPr b="0" i="0" lang="es-ES" sz="1200" u="none" strike="noStrike">
-                <a:solidFill>
-                  <a:srgbClr val="000000"/>
-                </a:solidFill>
-                <a:latin typeface="Arial"/>
-                <a:ea typeface="Arial"/>
-                <a:cs typeface="Arial"/>
-                <a:sym typeface="Arial"/>
-              </a:rPr>
-              <a:t> </a:t>
-            </a:r>
-            <a:endParaRPr/>
-          </a:p>
-          <a:p>
-            <a:pPr indent="0" lvl="0" marL="0" marR="0" rtl="0" algn="l">
-              <a:spcBef>
-                <a:spcPts val="800"/>
-              </a:spcBef>
-              <a:spcAft>
-                <a:spcPts val="0"/>
-              </a:spcAft>
-              <a:buNone/>
-            </a:pPr>
-            <a:r>
-              <a:rPr b="1" i="0" lang="es-ES" sz="1200" u="none" strike="noStrike">
-                <a:solidFill>
-                  <a:srgbClr val="000000"/>
-                </a:solidFill>
-                <a:latin typeface="Arial"/>
-                <a:ea typeface="Arial"/>
-                <a:cs typeface="Arial"/>
-                <a:sym typeface="Arial"/>
-              </a:rPr>
-              <a:t>Base de datos SQL (MySQL, PostgreSQL):</a:t>
-            </a:r>
-            <a:endParaRPr/>
-          </a:p>
-          <a:p>
-            <a:pPr indent="0" lvl="0" marL="0" marR="0" rtl="0" algn="l">
-              <a:spcBef>
-                <a:spcPts val="800"/>
-              </a:spcBef>
-              <a:spcAft>
-                <a:spcPts val="0"/>
-              </a:spcAft>
-              <a:buNone/>
-            </a:pPr>
-            <a:r>
-              <a:rPr b="1" i="0" lang="es-ES" sz="1200" u="none" strike="noStrike">
-                <a:solidFill>
-                  <a:srgbClr val="000000"/>
-                </a:solidFill>
-                <a:latin typeface="Arial"/>
-                <a:ea typeface="Arial"/>
-                <a:cs typeface="Arial"/>
-                <a:sym typeface="Arial"/>
-              </a:rPr>
-              <a:t>Base de datos en la nube (Firebase</a:t>
-            </a:r>
-            <a:r>
-              <a:rPr b="1" lang="es-ES" sz="1200">
-                <a:solidFill>
-                  <a:srgbClr val="000000"/>
-                </a:solidFill>
-                <a:latin typeface="Arial"/>
-                <a:ea typeface="Arial"/>
-                <a:cs typeface="Arial"/>
-                <a:sym typeface="Arial"/>
-              </a:rPr>
-              <a:t>)</a:t>
-            </a:r>
-            <a:endParaRPr/>
-          </a:p>
-          <a:p>
-            <a:pPr indent="-76200" lvl="0" marL="0" marR="0" rtl="0" algn="l">
-              <a:spcBef>
-                <a:spcPts val="800"/>
-              </a:spcBef>
-              <a:spcAft>
-                <a:spcPts val="0"/>
-              </a:spcAft>
-              <a:buClr>
-                <a:srgbClr val="000000"/>
-              </a:buClr>
-              <a:buSzPts val="1200"/>
-              <a:buFont typeface="Arial"/>
-              <a:buChar char="•"/>
-            </a:pPr>
-            <a:r>
-              <a:rPr b="1" i="0" lang="es-ES" sz="1200" u="none" strike="noStrike">
-                <a:solidFill>
-                  <a:srgbClr val="000000"/>
-                </a:solidFill>
-                <a:latin typeface="Arial"/>
-                <a:ea typeface="Arial"/>
-                <a:cs typeface="Arial"/>
-                <a:sym typeface="Arial"/>
-              </a:rPr>
-              <a:t>3. Desarrollo de la App:</a:t>
-            </a:r>
-            <a:endParaRPr b="0" sz="1800">
-              <a:solidFill>
-                <a:schemeClr val="lt1"/>
-              </a:solidFill>
-              <a:latin typeface="Twentieth Century"/>
-              <a:ea typeface="Twentieth Century"/>
-              <a:cs typeface="Twentieth Century"/>
-              <a:sym typeface="Twentieth Century"/>
-            </a:endParaRPr>
-          </a:p>
-          <a:p>
-            <a:pPr indent="-76200" lvl="0" marL="0" marR="0" rtl="0" algn="l">
-              <a:spcBef>
-                <a:spcPts val="800"/>
-              </a:spcBef>
-              <a:spcAft>
-                <a:spcPts val="0"/>
-              </a:spcAft>
-              <a:buClr>
-                <a:srgbClr val="000000"/>
-              </a:buClr>
-              <a:buSzPts val="1200"/>
-              <a:buFont typeface="Arial"/>
-              <a:buChar char="•"/>
-            </a:pPr>
-            <a:r>
-              <a:rPr b="1" i="0" lang="es-ES" sz="1200" u="none" strike="noStrike">
-                <a:solidFill>
-                  <a:srgbClr val="000000"/>
-                </a:solidFill>
-                <a:latin typeface="Arial"/>
-                <a:ea typeface="Arial"/>
-                <a:cs typeface="Arial"/>
-                <a:sym typeface="Arial"/>
-              </a:rPr>
-              <a:t>React Native</a:t>
-            </a:r>
-            <a:endParaRPr b="0" i="0" sz="1200" u="none" strike="noStrike">
-              <a:solidFill>
-                <a:srgbClr val="000000"/>
-              </a:solidFill>
-              <a:latin typeface="Arial"/>
-              <a:ea typeface="Arial"/>
-              <a:cs typeface="Arial"/>
-              <a:sym typeface="Arial"/>
-            </a:endParaRPr>
-          </a:p>
-          <a:p>
-            <a:pPr indent="-76200" lvl="0" marL="0" marR="0" rtl="0" algn="l">
-              <a:spcBef>
-                <a:spcPts val="800"/>
-              </a:spcBef>
-              <a:spcAft>
-                <a:spcPts val="0"/>
-              </a:spcAft>
-              <a:buClr>
-                <a:srgbClr val="000000"/>
-              </a:buClr>
-              <a:buSzPts val="1200"/>
-              <a:buFont typeface="Arial"/>
-              <a:buChar char="•"/>
-            </a:pPr>
-            <a:r>
-              <a:rPr b="1" i="0" lang="es-ES" sz="1200" u="none" strike="noStrike">
-                <a:solidFill>
-                  <a:srgbClr val="000000"/>
-                </a:solidFill>
-                <a:latin typeface="Arial"/>
-                <a:ea typeface="Arial"/>
-                <a:cs typeface="Arial"/>
-                <a:sym typeface="Arial"/>
-              </a:rPr>
-              <a:t>Flutter</a:t>
-            </a:r>
-            <a:br>
-              <a:rPr lang="es-ES" sz="1800">
+              <a:rPr lang="es-ES" sz="3600">
                 <a:solidFill>
                   <a:schemeClr val="lt1"/>
                 </a:solidFill>
@@ -27268,7 +27092,75 @@
                 <a:cs typeface="Twentieth Century"/>
                 <a:sym typeface="Twentieth Century"/>
               </a:rPr>
-            </a:br>
+              <a:t>Diagrama de despliegue</a:t>
+            </a:r>
+            <a:endParaRPr/>
+          </a:p>
+        </p:txBody>
+      </p:sp>
+      <p:cxnSp>
+        <p:nvCxnSpPr>
+          <p:cNvPr id="354" name="Google Shape;354;g34047629776_0_0"/>
+          <p:cNvCxnSpPr/>
+          <p:nvPr/>
+        </p:nvCxnSpPr>
+        <p:spPr>
+          <a:xfrm>
+            <a:off x="0" y="758027"/>
+            <a:ext cx="4085700" cy="0"/>
+          </a:xfrm>
+          <a:prstGeom prst="straightConnector1">
+            <a:avLst/>
+          </a:prstGeom>
+          <a:noFill/>
+          <a:ln cap="flat" cmpd="sng" w="15875">
+            <a:solidFill>
+              <a:srgbClr val="F9FCF5"/>
+            </a:solidFill>
+            <a:prstDash val="solid"/>
+            <a:round/>
+            <a:headEnd len="sm" w="sm" type="none"/>
+            <a:tailEnd len="sm" w="sm" type="none"/>
+          </a:ln>
+        </p:spPr>
+      </p:cxnSp>
+      <p:sp>
+        <p:nvSpPr>
+          <p:cNvPr descr="Imagen" id="355" name="Google Shape;355;g34047629776_0_0"/>
+          <p:cNvSpPr/>
+          <p:nvPr/>
+        </p:nvSpPr>
+        <p:spPr>
+          <a:xfrm>
+            <a:off x="5943600" y="3276600"/>
+            <a:ext cx="2613900" cy="2613900"/>
+          </a:xfrm>
+          <a:prstGeom prst="rect">
+            <a:avLst/>
+          </a:prstGeom>
+          <a:noFill/>
+          <a:ln>
+            <a:noFill/>
+          </a:ln>
+        </p:spPr>
+        <p:txBody>
+          <a:bodyPr anchorCtr="0" anchor="t" bIns="45700" lIns="91425" spcFirstLastPara="1" rIns="91425" wrap="square" tIns="45700">
+            <a:noAutofit/>
+          </a:bodyPr>
+          <a:lstStyle/>
+          <a:p>
+            <a:pPr indent="0" lvl="0" marL="0" marR="0" rtl="0" algn="l">
+              <a:spcBef>
+                <a:spcPts val="0"/>
+              </a:spcBef>
+              <a:spcAft>
+                <a:spcPts val="0"/>
+              </a:spcAft>
+              <a:buNone/>
+            </a:pPr>
+            <a:r>
+              <a:t/>
+            </a:r>
             <a:endParaRPr sz="1800">
               <a:solidFill>
                 <a:schemeClr val="lt1"/>
@@ -27281,6 +27173,240 @@
           </a:p>
         </p:txBody>
       </p:sp>
+      <p:pic>
+        <p:nvPicPr>
+          <p:cNvPr id="356" name="Google Shape;356;g34047629776_0_0"/>
+          <p:cNvPicPr preferRelativeResize="0"/>
+          <p:nvPr/>
+        </p:nvPicPr>
+        <p:blipFill>
+          <a:blip r:embed="rId4">
+            <a:alphaModFix/>
+          </a:blip>
+          <a:stretch>
+            <a:fillRect/>
+          </a:stretch>
+        </p:blipFill>
+        <p:spPr>
+          <a:xfrm>
+            <a:off x="1674082" y="1384725"/>
+            <a:ext cx="8171119" cy="5289649"/>
+          </a:xfrm>
+          <a:prstGeom prst="rect">
+            <a:avLst/>
+          </a:prstGeom>
+          <a:noFill/>
+          <a:ln>
+            <a:noFill/>
+          </a:ln>
+        </p:spPr>
+      </p:pic>
+    </p:spTree>
+  </p:cSld>
+  <p:clrMapOvr>
+    <a:masterClrMapping/>
+  </p:clrMapOvr>
+</p:sld>
+</file>
+
+<file path=ppt/slides/slide14.xml><?xml version="1.0" encoding="utf-8"?>
+<p:sld xmlns:a="http://schemas.openxmlformats.org/drawingml/2006/main" xmlns:r="http://schemas.openxmlformats.org/officeDocument/2006/relationships" xmlns:mc="http://schemas.openxmlformats.org/markup-compatibility/2006" xmlns:mv="urn:schemas-microsoft-com:mac:vml" xmlns:p="http://schemas.openxmlformats.org/presentationml/2006/main" xmlns:c="http://schemas.openxmlformats.org/drawingml/2006/chart" xmlns:dgm="http://schemas.openxmlformats.org/drawingml/2006/diagram" xmlns:o="urn:schemas-microsoft-com:office:office" xmlns:v="urn:schemas-microsoft-com:vml" xmlns:pvml="urn:schemas-microsoft-com:office:powerpoint" xmlns:com="http://schemas.openxmlformats.org/drawingml/2006/compatibility" xmlns:p14="http://schemas.microsoft.com/office/powerpoint/2010/main" xmlns:p15="http://schemas.microsoft.com/office/powerpoint/2012/main" xmlns:ahyp="http://schemas.microsoft.com/office/drawing/2018/hyperlinkcolor">
+  <p:cSld>
+    <p:spTree>
+      <p:nvGrpSpPr>
+        <p:cNvPr id="360" name="Shape 360"/>
+        <p:cNvGrpSpPr/>
+        <p:nvPr/>
+      </p:nvGrpSpPr>
+      <p:grpSpPr>
+        <a:xfrm>
+          <a:off x="0" y="0"/>
+          <a:ext cx="0" cy="0"/>
+          <a:chOff x="0" y="0"/>
+          <a:chExt cx="0" cy="0"/>
+        </a:xfrm>
+      </p:grpSpPr>
+      <p:pic>
+        <p:nvPicPr>
+          <p:cNvPr descr="EscuelaIT Duoc UC - Escuela de Informática y Telecomunicaciones Duoc UC - Duoc  UC | LinkedIn" id="361" name="Google Shape;361;p9"/>
+          <p:cNvPicPr preferRelativeResize="0"/>
+          <p:nvPr/>
+        </p:nvPicPr>
+        <p:blipFill rotWithShape="1">
+          <a:blip r:embed="rId3">
+            <a:alphaModFix/>
+          </a:blip>
+          <a:srcRect b="0" l="0" r="0" t="0"/>
+          <a:stretch/>
+        </p:blipFill>
+        <p:spPr>
+          <a:xfrm>
+            <a:off x="8772152" y="207550"/>
+            <a:ext cx="3141406" cy="785352"/>
+          </a:xfrm>
+          <a:prstGeom prst="rect">
+            <a:avLst/>
+          </a:prstGeom>
+          <a:noFill/>
+          <a:ln>
+            <a:noFill/>
+          </a:ln>
+        </p:spPr>
+      </p:pic>
+      <p:sp>
+        <p:nvSpPr>
+          <p:cNvPr id="362" name="Google Shape;362;p9"/>
+          <p:cNvSpPr txBox="1"/>
+          <p:nvPr/>
+        </p:nvSpPr>
+        <p:spPr>
+          <a:xfrm>
+            <a:off x="136188" y="368928"/>
+            <a:ext cx="12192000" cy="369300"/>
+          </a:xfrm>
+          <a:prstGeom prst="rect">
+            <a:avLst/>
+          </a:prstGeom>
+          <a:noFill/>
+          <a:ln>
+            <a:noFill/>
+          </a:ln>
+        </p:spPr>
+        <p:txBody>
+          <a:bodyPr anchorCtr="0" anchor="t" bIns="45700" lIns="91425" spcFirstLastPara="1" rIns="91425" wrap="square" tIns="45700">
+            <a:spAutoFit/>
+          </a:bodyPr>
+          <a:lstStyle/>
+          <a:p>
+            <a:pPr indent="0" lvl="0" marL="0" marR="0" rtl="0" algn="l">
+              <a:spcBef>
+                <a:spcPts val="0"/>
+              </a:spcBef>
+              <a:spcAft>
+                <a:spcPts val="0"/>
+              </a:spcAft>
+              <a:buNone/>
+            </a:pPr>
+            <a:r>
+              <a:rPr lang="es-ES" sz="1800">
+                <a:solidFill>
+                  <a:srgbClr val="092338"/>
+                </a:solidFill>
+                <a:latin typeface="Twentieth Century"/>
+                <a:ea typeface="Twentieth Century"/>
+                <a:cs typeface="Twentieth Century"/>
+                <a:sym typeface="Twentieth Century"/>
+              </a:rPr>
+              <a:t>Proyecto “Growing APP”</a:t>
+            </a:r>
+            <a:endParaRPr/>
+          </a:p>
+        </p:txBody>
+      </p:sp>
+      <p:sp>
+        <p:nvSpPr>
+          <p:cNvPr id="363" name="Google Shape;363;p9"/>
+          <p:cNvSpPr txBox="1"/>
+          <p:nvPr/>
+        </p:nvSpPr>
+        <p:spPr>
+          <a:xfrm>
+            <a:off x="79750" y="1189580"/>
+            <a:ext cx="12192000" cy="646500"/>
+          </a:xfrm>
+          <a:prstGeom prst="rect">
+            <a:avLst/>
+          </a:prstGeom>
+          <a:noFill/>
+          <a:ln>
+            <a:noFill/>
+          </a:ln>
+        </p:spPr>
+        <p:txBody>
+          <a:bodyPr anchorCtr="0" anchor="t" bIns="45700" lIns="91425" spcFirstLastPara="1" rIns="91425" wrap="square" tIns="45700">
+            <a:spAutoFit/>
+          </a:bodyPr>
+          <a:lstStyle/>
+          <a:p>
+            <a:pPr indent="0" lvl="0" marL="0" marR="0" rtl="0" algn="ctr">
+              <a:spcBef>
+                <a:spcPts val="0"/>
+              </a:spcBef>
+              <a:spcAft>
+                <a:spcPts val="0"/>
+              </a:spcAft>
+              <a:buNone/>
+            </a:pPr>
+            <a:r>
+              <a:rPr lang="es-ES" sz="3600">
+                <a:solidFill>
+                  <a:schemeClr val="lt1"/>
+                </a:solidFill>
+                <a:latin typeface="Twentieth Century"/>
+                <a:ea typeface="Twentieth Century"/>
+                <a:cs typeface="Twentieth Century"/>
+                <a:sym typeface="Twentieth Century"/>
+              </a:rPr>
+              <a:t>Modelo de datos</a:t>
+            </a:r>
+            <a:endParaRPr/>
+          </a:p>
+        </p:txBody>
+      </p:sp>
+      <p:cxnSp>
+        <p:nvCxnSpPr>
+          <p:cNvPr id="364" name="Google Shape;364;p9"/>
+          <p:cNvCxnSpPr/>
+          <p:nvPr/>
+        </p:nvCxnSpPr>
+        <p:spPr>
+          <a:xfrm>
+            <a:off x="0" y="758027"/>
+            <a:ext cx="4085617" cy="0"/>
+          </a:xfrm>
+          <a:prstGeom prst="straightConnector1">
+            <a:avLst/>
+          </a:prstGeom>
+          <a:noFill/>
+          <a:ln cap="flat" cmpd="sng" w="15875">
+            <a:solidFill>
+              <a:srgbClr val="F9FCF5"/>
+            </a:solidFill>
+            <a:prstDash val="solid"/>
+            <a:round/>
+            <a:headEnd len="sm" w="sm" type="none"/>
+            <a:tailEnd len="sm" w="sm" type="none"/>
+          </a:ln>
+        </p:spPr>
+      </p:cxnSp>
+      <p:pic>
+        <p:nvPicPr>
+          <p:cNvPr id="365" name="Google Shape;365;p9"/>
+          <p:cNvPicPr preferRelativeResize="0"/>
+          <p:nvPr/>
+        </p:nvPicPr>
+        <p:blipFill>
+          <a:blip r:embed="rId4">
+            <a:alphaModFix/>
+          </a:blip>
+          <a:stretch>
+            <a:fillRect/>
+          </a:stretch>
+        </p:blipFill>
+        <p:spPr>
+          <a:xfrm>
+            <a:off x="3735000" y="1909655"/>
+            <a:ext cx="4722008" cy="4717120"/>
+          </a:xfrm>
+          <a:prstGeom prst="rect">
+            <a:avLst/>
+          </a:prstGeom>
+          <a:noFill/>
+          <a:ln>
+            <a:noFill/>
+          </a:ln>
+        </p:spPr>
+      </p:pic>
     </p:spTree>
   </p:cSld>
   <p:clrMapOvr>
@@ -28462,7 +28588,7 @@
                 <a:cs typeface="Twentieth Century"/>
                 <a:sym typeface="Twentieth Century"/>
               </a:rPr>
-              <a:t>Proponemos una propuesta a la </a:t>
+              <a:t>Proponemos una </a:t>
             </a:r>
             <a:r>
               <a:rPr lang="es-ES" sz="1800">
@@ -29158,7 +29284,7 @@
                 <a:cs typeface="Twentieth Century"/>
                 <a:sym typeface="Twentieth Century"/>
               </a:rPr>
-              <a:t>Almacenar información en la nube y tomarla para analizar sobre las acciones para el cultivo.</a:t>
+              <a:t>Almacenar información en la nube y tomarla para analizar sobre las acciones para el cultivo .</a:t>
             </a:r>
             <a:endParaRPr/>
           </a:p>
@@ -29530,7 +29656,7 @@
         <p:spPr>
           <a:xfrm>
             <a:off x="1928479" y="2078986"/>
-            <a:ext cx="8334900" cy="3417000"/>
+            <a:ext cx="8334900" cy="2478000"/>
           </a:xfrm>
           <a:prstGeom prst="rect">
             <a:avLst/>
@@ -29546,57 +29672,144 @@
           </a:bodyPr>
           <a:lstStyle/>
           <a:p>
-            <a:pPr indent="0" lvl="0" marL="0" marR="0" rtl="0" algn="l">
-              <a:spcBef>
-                <a:spcPts val="0"/>
-              </a:spcBef>
-              <a:spcAft>
-                <a:spcPts val="0"/>
-              </a:spcAft>
+            <a:pPr indent="0" lvl="0" marL="0" rtl="0" algn="l">
+              <a:spcBef>
+                <a:spcPts val="0"/>
+              </a:spcBef>
+              <a:spcAft>
+                <a:spcPts val="0"/>
+              </a:spcAft>
+              <a:buClr>
+                <a:schemeClr val="dk1"/>
+              </a:buClr>
+              <a:buSzPts val="1100"/>
+              <a:buFont typeface="Arial"/>
               <a:buNone/>
             </a:pPr>
             <a:r>
-              <a:rPr b="1" lang="es-ES" sz="1800">
+              <a:rPr b="1" lang="es-ES" sz="1500">
                 <a:solidFill>
                   <a:schemeClr val="lt1"/>
                 </a:solidFill>
-                <a:latin typeface="Twentieth Century"/>
-                <a:ea typeface="Twentieth Century"/>
-                <a:cs typeface="Twentieth Century"/>
-                <a:sym typeface="Twentieth Century"/>
               </a:rPr>
-              <a:t>Recursos Disponibles</a:t>
+              <a:t>Monitoreo en Tiempo Real:</a:t>
             </a:r>
-            <a:endParaRPr/>
-          </a:p>
-          <a:p>
-            <a:pPr indent="-114300" lvl="0" marL="0" marR="0" rtl="0" algn="l">
-              <a:spcBef>
-                <a:spcPts val="0"/>
-              </a:spcBef>
-              <a:spcAft>
-                <a:spcPts val="0"/>
-              </a:spcAft>
-              <a:buClr>
-                <a:schemeClr val="lt1"/>
-              </a:buClr>
-              <a:buSzPts val="1800"/>
-              <a:buFont typeface="Arial"/>
-              <a:buChar char="•"/>
-            </a:pPr>
             <a:r>
-              <a:rPr b="1" lang="es-ES" sz="1800">
+              <a:rPr lang="es-ES" sz="1500">
                 <a:solidFill>
                   <a:schemeClr val="lt1"/>
                 </a:solidFill>
-                <a:latin typeface="Twentieth Century"/>
-                <a:ea typeface="Twentieth Century"/>
-                <a:cs typeface="Twentieth Century"/>
-                <a:sym typeface="Twentieth Century"/>
               </a:rPr>
-              <a:t>Equipo de trabajo:</a:t>
+              <a:t> La app permitirá monitorear variables ambientales clave como temperatura, humedad, niveles de CO2, luz y humedad del suelo de manera constante.</a:t>
             </a:r>
-            <a:endParaRPr sz="1800">
+            <a:br>
+              <a:rPr lang="es-ES" sz="1500">
+                <a:solidFill>
+                  <a:schemeClr val="lt1"/>
+                </a:solidFill>
+              </a:rPr>
+            </a:br>
+            <a:endParaRPr sz="1500">
+              <a:solidFill>
+                <a:schemeClr val="lt1"/>
+              </a:solidFill>
+            </a:endParaRPr>
+          </a:p>
+          <a:p>
+            <a:pPr indent="0" lvl="0" marL="0" rtl="0" algn="l">
+              <a:spcBef>
+                <a:spcPts val="0"/>
+              </a:spcBef>
+              <a:spcAft>
+                <a:spcPts val="0"/>
+              </a:spcAft>
+              <a:buClr>
+                <a:schemeClr val="dk1"/>
+              </a:buClr>
+              <a:buSzPts val="1100"/>
+              <a:buFont typeface="Arial"/>
+              <a:buNone/>
+            </a:pPr>
+            <a:r>
+              <a:rPr b="1" lang="es-ES" sz="1500">
+                <a:solidFill>
+                  <a:schemeClr val="lt1"/>
+                </a:solidFill>
+              </a:rPr>
+              <a:t>Control Automático y Remoto:</a:t>
+            </a:r>
+            <a:r>
+              <a:rPr lang="es-ES" sz="1500">
+                <a:solidFill>
+                  <a:schemeClr val="lt1"/>
+                </a:solidFill>
+              </a:rPr>
+              <a:t> A través de la app, los usuarios podrán ajustar y automatizar sistemas de riego, iluminación y ventilación, según las necesidades de las plantas.</a:t>
+            </a:r>
+            <a:br>
+              <a:rPr lang="es-ES" sz="1500">
+                <a:solidFill>
+                  <a:schemeClr val="lt1"/>
+                </a:solidFill>
+              </a:rPr>
+            </a:br>
+            <a:endParaRPr sz="1500">
+              <a:solidFill>
+                <a:schemeClr val="lt1"/>
+              </a:solidFill>
+            </a:endParaRPr>
+          </a:p>
+          <a:p>
+            <a:pPr indent="0" lvl="0" marL="0" rtl="0" algn="l">
+              <a:spcBef>
+                <a:spcPts val="0"/>
+              </a:spcBef>
+              <a:spcAft>
+                <a:spcPts val="0"/>
+              </a:spcAft>
+              <a:buClr>
+                <a:schemeClr val="dk1"/>
+              </a:buClr>
+              <a:buSzPts val="1100"/>
+              <a:buFont typeface="Arial"/>
+              <a:buNone/>
+            </a:pPr>
+            <a:r>
+              <a:rPr b="1" lang="es-ES" sz="1500">
+                <a:solidFill>
+                  <a:schemeClr val="lt1"/>
+                </a:solidFill>
+              </a:rPr>
+              <a:t>Alertas y Notificaciones:</a:t>
+            </a:r>
+            <a:r>
+              <a:rPr lang="es-ES" sz="1500">
+                <a:solidFill>
+                  <a:schemeClr val="lt1"/>
+                </a:solidFill>
+              </a:rPr>
+              <a:t> La app enviará alertas al usuario si las condiciones del ambiente</a:t>
+            </a:r>
+            <a:endParaRPr sz="1500">
+              <a:solidFill>
+                <a:schemeClr val="lt1"/>
+              </a:solidFill>
+            </a:endParaRPr>
+          </a:p>
+          <a:p>
+            <a:pPr indent="0" lvl="0" marL="0" marR="0" rtl="0" algn="l">
+              <a:spcBef>
+                <a:spcPts val="0"/>
+              </a:spcBef>
+              <a:spcAft>
+                <a:spcPts val="0"/>
+              </a:spcAft>
+              <a:buNone/>
+            </a:pPr>
+            <a:r>
+              <a:t/>
+            </a:r>
+            <a:endParaRPr b="1" sz="1800">
               <a:solidFill>
                 <a:schemeClr val="lt1"/>
               </a:solidFill>
@@ -29607,48 +29820,22 @@
             </a:endParaRPr>
           </a:p>
           <a:p>
-            <a:pPr indent="-285750" lvl="1" marL="742950" marR="0" rtl="0" algn="l">
-              <a:spcBef>
-                <a:spcPts val="0"/>
-              </a:spcBef>
-              <a:spcAft>
-                <a:spcPts val="0"/>
-              </a:spcAft>
-              <a:buClr>
-                <a:schemeClr val="lt1"/>
-              </a:buClr>
-              <a:buSzPts val="1800"/>
-              <a:buFont typeface="Arial"/>
-              <a:buChar char="•"/>
+            <a:pPr indent="0" lvl="0" marL="457200" marR="0" rtl="0" algn="l">
+              <a:spcBef>
+                <a:spcPts val="0"/>
+              </a:spcBef>
+              <a:spcAft>
+                <a:spcPts val="0"/>
+              </a:spcAft>
+              <a:buNone/>
             </a:pPr>
             <a:r>
-              <a:rPr lang="es-ES" sz="1800">
-                <a:solidFill>
-                  <a:schemeClr val="lt1"/>
-                </a:solidFill>
-                <a:latin typeface="Twentieth Century"/>
-                <a:ea typeface="Twentieth Century"/>
-                <a:cs typeface="Twentieth Century"/>
-                <a:sym typeface="Twentieth Century"/>
-              </a:rPr>
-              <a:t>2</a:t>
-            </a:r>
-            <a:r>
-              <a:rPr b="0" i="0" lang="es-ES" sz="1800" u="none" cap="none" strike="noStrike">
-                <a:solidFill>
-                  <a:schemeClr val="lt1"/>
-                </a:solidFill>
-                <a:latin typeface="Twentieth Century"/>
-                <a:ea typeface="Twentieth Century"/>
-                <a:cs typeface="Twentieth Century"/>
-                <a:sym typeface="Twentieth Century"/>
-              </a:rPr>
-              <a:t> integrantes con perfiles técnicos: desarrollo, inteligencia artificial y electrónica.</a:t>
+              <a:t/>
             </a:r>
             <a:endParaRPr/>
           </a:p>
           <a:p>
-            <a:pPr indent="-285750" lvl="1" marL="742950" marR="0" rtl="0" algn="l">
+            <a:pPr indent="-114300" lvl="0" marL="0" marR="0" rtl="0" algn="l">
               <a:spcBef>
                 <a:spcPts val="0"/>
               </a:spcBef>
@@ -29672,257 +29859,7 @@
                 <a:cs typeface="Twentieth Century"/>
                 <a:sym typeface="Twentieth Century"/>
               </a:rPr>
-              <a:t>Disponibilidad: 10 semanas de trabajo divididas en 5 sprints de 2 semanas.</a:t>
-            </a:r>
-            <a:endParaRPr/>
-          </a:p>
-          <a:p>
-            <a:pPr indent="-114300" lvl="0" marL="0" marR="0" rtl="0" algn="l">
-              <a:spcBef>
-                <a:spcPts val="0"/>
-              </a:spcBef>
-              <a:spcAft>
-                <a:spcPts val="0"/>
-              </a:spcAft>
-              <a:buClr>
-                <a:schemeClr val="lt1"/>
-              </a:buClr>
-              <a:buSzPts val="1800"/>
-              <a:buFont typeface="Arial"/>
-              <a:buChar char="•"/>
-            </a:pPr>
-            <a:r>
-              <a:rPr b="1" lang="es-ES" sz="1800">
-                <a:solidFill>
-                  <a:schemeClr val="lt1"/>
-                </a:solidFill>
-                <a:latin typeface="Twentieth Century"/>
-                <a:ea typeface="Twentieth Century"/>
-                <a:cs typeface="Twentieth Century"/>
-                <a:sym typeface="Twentieth Century"/>
-              </a:rPr>
-              <a:t>Tecnología:</a:t>
-            </a:r>
-            <a:endParaRPr sz="1800">
-              <a:solidFill>
-                <a:schemeClr val="lt1"/>
-              </a:solidFill>
-              <a:latin typeface="Twentieth Century"/>
-              <a:ea typeface="Twentieth Century"/>
-              <a:cs typeface="Twentieth Century"/>
-              <a:sym typeface="Twentieth Century"/>
-            </a:endParaRPr>
-          </a:p>
-          <a:p>
-            <a:pPr indent="-285750" lvl="1" marL="742950" marR="0" rtl="0" algn="l">
-              <a:spcBef>
-                <a:spcPts val="0"/>
-              </a:spcBef>
-              <a:spcAft>
-                <a:spcPts val="0"/>
-              </a:spcAft>
-              <a:buClr>
-                <a:schemeClr val="lt1"/>
-              </a:buClr>
-              <a:buSzPts val="1800"/>
-              <a:buFont typeface="Arial"/>
-              <a:buChar char="•"/>
-            </a:pPr>
-            <a:r>
-              <a:rPr b="0" i="0" lang="es-ES" sz="1800" u="none" cap="none" strike="noStrike">
-                <a:solidFill>
-                  <a:schemeClr val="lt1"/>
-                </a:solidFill>
-                <a:latin typeface="Twentieth Century"/>
-                <a:ea typeface="Twentieth Century"/>
-                <a:cs typeface="Twentieth Century"/>
-                <a:sym typeface="Twentieth Century"/>
-              </a:rPr>
-              <a:t>Microcontroladores para sensores (ej. ESP32, Arduino).</a:t>
-            </a:r>
-            <a:endParaRPr/>
-          </a:p>
-          <a:p>
-            <a:pPr indent="-285750" lvl="1" marL="742950" marR="0" rtl="0" algn="l">
-              <a:spcBef>
-                <a:spcPts val="0"/>
-              </a:spcBef>
-              <a:spcAft>
-                <a:spcPts val="0"/>
-              </a:spcAft>
-              <a:buClr>
-                <a:schemeClr val="lt1"/>
-              </a:buClr>
-              <a:buSzPts val="1800"/>
-              <a:buFont typeface="Arial"/>
-              <a:buChar char="•"/>
-            </a:pPr>
-            <a:r>
-              <a:rPr b="0" i="0" lang="es-ES" sz="1800" u="none" cap="none" strike="noStrike">
-                <a:solidFill>
-                  <a:schemeClr val="lt1"/>
-                </a:solidFill>
-                <a:latin typeface="Twentieth Century"/>
-                <a:ea typeface="Twentieth Century"/>
-                <a:cs typeface="Twentieth Century"/>
-                <a:sym typeface="Twentieth Century"/>
-              </a:rPr>
-              <a:t>Sensores de humedad, temperatura y luz.</a:t>
-            </a:r>
-            <a:endParaRPr/>
-          </a:p>
-          <a:p>
-            <a:pPr indent="-285750" lvl="1" marL="742950" marR="0" rtl="0" algn="l">
-              <a:spcBef>
-                <a:spcPts val="0"/>
-              </a:spcBef>
-              <a:spcAft>
-                <a:spcPts val="0"/>
-              </a:spcAft>
-              <a:buClr>
-                <a:schemeClr val="lt1"/>
-              </a:buClr>
-              <a:buSzPts val="1800"/>
-              <a:buFont typeface="Arial"/>
-              <a:buChar char="•"/>
-            </a:pPr>
-            <a:r>
-              <a:rPr b="0" i="0" lang="es-ES" sz="1800" u="none" cap="none" strike="noStrike">
-                <a:solidFill>
-                  <a:schemeClr val="lt1"/>
-                </a:solidFill>
-                <a:latin typeface="Twentieth Century"/>
-                <a:ea typeface="Twentieth Century"/>
-                <a:cs typeface="Twentieth Century"/>
-                <a:sym typeface="Twentieth Century"/>
-              </a:rPr>
-              <a:t>Actuadores o herramientas (para </a:t>
-            </a:r>
-            <a:r>
-              <a:rPr lang="es-ES" sz="1800">
-                <a:solidFill>
-                  <a:schemeClr val="lt1"/>
-                </a:solidFill>
-                <a:latin typeface="Twentieth Century"/>
-                <a:ea typeface="Twentieth Century"/>
-                <a:cs typeface="Twentieth Century"/>
-                <a:sym typeface="Twentieth Century"/>
-              </a:rPr>
-              <a:t>riego</a:t>
-            </a:r>
-            <a:r>
-              <a:rPr b="0" i="0" lang="es-ES" sz="1800" u="none" cap="none" strike="noStrike">
-                <a:solidFill>
-                  <a:schemeClr val="lt1"/>
-                </a:solidFill>
-                <a:latin typeface="Twentieth Century"/>
-                <a:ea typeface="Twentieth Century"/>
-                <a:cs typeface="Twentieth Century"/>
-                <a:sym typeface="Twentieth Century"/>
-              </a:rPr>
-              <a:t>, luz y ventilación).</a:t>
-            </a:r>
-            <a:endParaRPr/>
-          </a:p>
-          <a:p>
-            <a:pPr indent="-285750" lvl="1" marL="742950" marR="0" rtl="0" algn="l">
-              <a:spcBef>
-                <a:spcPts val="0"/>
-              </a:spcBef>
-              <a:spcAft>
-                <a:spcPts val="0"/>
-              </a:spcAft>
-              <a:buClr>
-                <a:schemeClr val="lt1"/>
-              </a:buClr>
-              <a:buSzPts val="1800"/>
-              <a:buFont typeface="Arial"/>
-              <a:buChar char="•"/>
-            </a:pPr>
-            <a:r>
-              <a:rPr b="0" i="0" lang="es-ES" sz="1800" u="none" cap="none" strike="noStrike">
-                <a:solidFill>
-                  <a:schemeClr val="lt1"/>
-                </a:solidFill>
-                <a:latin typeface="Twentieth Century"/>
-                <a:ea typeface="Twentieth Century"/>
-                <a:cs typeface="Twentieth Century"/>
-                <a:sym typeface="Twentieth Century"/>
-              </a:rPr>
-              <a:t>Aplicación web/móvil.</a:t>
-            </a:r>
-            <a:endParaRPr/>
-          </a:p>
-          <a:p>
-            <a:pPr indent="-285750" lvl="1" marL="742950" marR="0" rtl="0" algn="l">
-              <a:spcBef>
-                <a:spcPts val="0"/>
-              </a:spcBef>
-              <a:spcAft>
-                <a:spcPts val="0"/>
-              </a:spcAft>
-              <a:buClr>
-                <a:schemeClr val="lt1"/>
-              </a:buClr>
-              <a:buSzPts val="1800"/>
-              <a:buFont typeface="Arial"/>
-              <a:buChar char="•"/>
-            </a:pPr>
-            <a:r>
-              <a:rPr b="0" i="0" lang="es-ES" sz="1800" u="none" cap="none" strike="noStrike">
-                <a:solidFill>
-                  <a:schemeClr val="lt1"/>
-                </a:solidFill>
-                <a:latin typeface="Twentieth Century"/>
-                <a:ea typeface="Twentieth Century"/>
-                <a:cs typeface="Twentieth Century"/>
-                <a:sym typeface="Twentieth Century"/>
-              </a:rPr>
-              <a:t>Base de datos en la nube (ej. Firebase, PostgreSQL).</a:t>
-            </a:r>
-            <a:endParaRPr/>
-          </a:p>
-          <a:p>
-            <a:pPr indent="-285750" lvl="1" marL="742950" marR="0" rtl="0" algn="l">
-              <a:spcBef>
-                <a:spcPts val="0"/>
-              </a:spcBef>
-              <a:spcAft>
-                <a:spcPts val="0"/>
-              </a:spcAft>
-              <a:buClr>
-                <a:schemeClr val="lt1"/>
-              </a:buClr>
-              <a:buSzPts val="1800"/>
-              <a:buFont typeface="Arial"/>
-              <a:buChar char="•"/>
-            </a:pPr>
-            <a:r>
-              <a:rPr b="0" i="0" lang="es-ES" sz="1800" u="none" cap="none" strike="noStrike">
-                <a:solidFill>
-                  <a:schemeClr val="lt1"/>
-                </a:solidFill>
-                <a:latin typeface="Twentieth Century"/>
-                <a:ea typeface="Twentieth Century"/>
-                <a:cs typeface="Twentieth Century"/>
-                <a:sym typeface="Twentieth Century"/>
-              </a:rPr>
-              <a:t>Inteligencia artificial Agrícola (reglas lógicas o red neuronal básica).</a:t>
-            </a:r>
-            <a:endParaRPr/>
-          </a:p>
-          <a:p>
-            <a:pPr indent="0" lvl="0" marL="0" marR="0" rtl="0" algn="l">
-              <a:spcBef>
-                <a:spcPts val="0"/>
-              </a:spcBef>
-              <a:spcAft>
-                <a:spcPts val="0"/>
-              </a:spcAft>
-              <a:buNone/>
-            </a:pPr>
-            <a:r>
-              <a:t/>
+              <a:t>.</a:t>
             </a:r>
             <a:endParaRPr sz="1800">
               <a:solidFill>
@@ -29944,8 +29881,8 @@
         </p:nvSpPr>
         <p:spPr>
           <a:xfrm>
-            <a:off x="6882227" y="5495306"/>
-            <a:ext cx="6163572" cy="1200329"/>
+            <a:off x="1977952" y="4179506"/>
+            <a:ext cx="6163500" cy="1200600"/>
           </a:xfrm>
           <a:prstGeom prst="rect">
             <a:avLst/>
@@ -30101,9 +30038,346 @@
           <a:chExt cx="0" cy="0"/>
         </a:xfrm>
       </p:grpSpPr>
+      <p:sp>
+        <p:nvSpPr>
+          <p:cNvPr id="287" name="Google Shape;287;g3487b8c5fce_0_2"/>
+          <p:cNvSpPr txBox="1"/>
+          <p:nvPr>
+            <p:ph type="ctrTitle"/>
+          </p:nvPr>
+        </p:nvSpPr>
+        <p:spPr>
+          <a:xfrm>
+            <a:off x="1886374" y="2018138"/>
+            <a:ext cx="8791500" cy="2387700"/>
+          </a:xfrm>
+          <a:prstGeom prst="rect">
+            <a:avLst/>
+          </a:prstGeom>
+        </p:spPr>
+        <p:txBody>
+          <a:bodyPr anchorCtr="0" anchor="b" bIns="45700" lIns="91425" spcFirstLastPara="1" rIns="91425" wrap="square" tIns="45700">
+            <a:normAutofit/>
+          </a:bodyPr>
+          <a:lstStyle/>
+          <a:p>
+            <a:pPr indent="-114300" lvl="0" marL="0" rtl="0" algn="l">
+              <a:lnSpc>
+                <a:spcPct val="100000"/>
+              </a:lnSpc>
+              <a:spcBef>
+                <a:spcPts val="0"/>
+              </a:spcBef>
+              <a:spcAft>
+                <a:spcPts val="0"/>
+              </a:spcAft>
+              <a:buClr>
+                <a:schemeClr val="lt1"/>
+              </a:buClr>
+              <a:buSzPts val="1800"/>
+              <a:buFont typeface="Arial"/>
+              <a:buChar char="•"/>
+            </a:pPr>
+            <a:r>
+              <a:rPr b="1" lang="es-ES" sz="1800"/>
+              <a:t>Tecnología:</a:t>
+            </a:r>
+            <a:endParaRPr sz="1800"/>
+          </a:p>
+          <a:p>
+            <a:pPr indent="-285750" lvl="1" marL="742950" rtl="0" algn="l">
+              <a:spcBef>
+                <a:spcPts val="0"/>
+              </a:spcBef>
+              <a:spcAft>
+                <a:spcPts val="0"/>
+              </a:spcAft>
+              <a:buClr>
+                <a:schemeClr val="lt1"/>
+              </a:buClr>
+              <a:buSzPts val="1800"/>
+              <a:buChar char="•"/>
+            </a:pPr>
+            <a:r>
+              <a:rPr lang="es-ES">
+                <a:solidFill>
+                  <a:schemeClr val="lt1"/>
+                </a:solidFill>
+                <a:latin typeface="Twentieth Century"/>
+                <a:ea typeface="Twentieth Century"/>
+                <a:cs typeface="Twentieth Century"/>
+                <a:sym typeface="Twentieth Century"/>
+              </a:rPr>
+              <a:t>Microcontroladores para sensores (ej. ESP32, Arduino).</a:t>
+            </a:r>
+            <a:endParaRPr sz="1400">
+              <a:solidFill>
+                <a:schemeClr val="dk1"/>
+              </a:solidFill>
+            </a:endParaRPr>
+          </a:p>
+          <a:p>
+            <a:pPr indent="-285750" lvl="1" marL="742950" rtl="0" algn="l">
+              <a:spcBef>
+                <a:spcPts val="0"/>
+              </a:spcBef>
+              <a:spcAft>
+                <a:spcPts val="0"/>
+              </a:spcAft>
+              <a:buClr>
+                <a:schemeClr val="lt1"/>
+              </a:buClr>
+              <a:buSzPts val="1800"/>
+              <a:buChar char="•"/>
+            </a:pPr>
+            <a:r>
+              <a:rPr lang="es-ES">
+                <a:solidFill>
+                  <a:schemeClr val="lt1"/>
+                </a:solidFill>
+                <a:latin typeface="Twentieth Century"/>
+                <a:ea typeface="Twentieth Century"/>
+                <a:cs typeface="Twentieth Century"/>
+                <a:sym typeface="Twentieth Century"/>
+              </a:rPr>
+              <a:t>Sensores de humedad, t</a:t>
+            </a:r>
+            <a:r>
+              <a:rPr lang="es-ES" sz="1400">
+                <a:solidFill>
+                  <a:schemeClr val="lt1"/>
+                </a:solidFill>
+              </a:rPr>
+              <a:t>e</a:t>
+            </a:r>
+            <a:r>
+              <a:rPr lang="es-ES">
+                <a:solidFill>
+                  <a:schemeClr val="lt1"/>
+                </a:solidFill>
+                <a:latin typeface="Twentieth Century"/>
+                <a:ea typeface="Twentieth Century"/>
+                <a:cs typeface="Twentieth Century"/>
+                <a:sym typeface="Twentieth Century"/>
+              </a:rPr>
+              <a:t>mperatura y luz.</a:t>
+            </a:r>
+            <a:endParaRPr sz="1400">
+              <a:solidFill>
+                <a:schemeClr val="dk1"/>
+              </a:solidFill>
+            </a:endParaRPr>
+          </a:p>
+          <a:p>
+            <a:pPr indent="-285750" lvl="1" marL="742950" rtl="0" algn="l">
+              <a:spcBef>
+                <a:spcPts val="0"/>
+              </a:spcBef>
+              <a:spcAft>
+                <a:spcPts val="0"/>
+              </a:spcAft>
+              <a:buClr>
+                <a:schemeClr val="lt1"/>
+              </a:buClr>
+              <a:buSzPts val="1800"/>
+              <a:buChar char="•"/>
+            </a:pPr>
+            <a:r>
+              <a:rPr lang="es-ES">
+                <a:solidFill>
+                  <a:schemeClr val="lt1"/>
+                </a:solidFill>
+                <a:latin typeface="Twentieth Century"/>
+                <a:ea typeface="Twentieth Century"/>
+                <a:cs typeface="Twentieth Century"/>
+                <a:sym typeface="Twentieth Century"/>
+              </a:rPr>
+              <a:t>Actuadores o herramientas (para riego, luz y ventilación).</a:t>
+            </a:r>
+            <a:endParaRPr sz="1400">
+              <a:solidFill>
+                <a:schemeClr val="dk1"/>
+              </a:solidFill>
+            </a:endParaRPr>
+          </a:p>
+          <a:p>
+            <a:pPr indent="-285750" lvl="1" marL="742950" rtl="0" algn="l">
+              <a:spcBef>
+                <a:spcPts val="0"/>
+              </a:spcBef>
+              <a:spcAft>
+                <a:spcPts val="0"/>
+              </a:spcAft>
+              <a:buClr>
+                <a:schemeClr val="lt1"/>
+              </a:buClr>
+              <a:buSzPts val="1800"/>
+              <a:buChar char="•"/>
+            </a:pPr>
+            <a:r>
+              <a:rPr lang="es-ES">
+                <a:solidFill>
+                  <a:schemeClr val="lt1"/>
+                </a:solidFill>
+                <a:latin typeface="Twentieth Century"/>
+                <a:ea typeface="Twentieth Century"/>
+                <a:cs typeface="Twentieth Century"/>
+                <a:sym typeface="Twentieth Century"/>
+              </a:rPr>
+              <a:t>Aplicación web/móvil(flutter, pythyon).</a:t>
+            </a:r>
+            <a:endParaRPr sz="1400">
+              <a:solidFill>
+                <a:schemeClr val="dk1"/>
+              </a:solidFill>
+            </a:endParaRPr>
+          </a:p>
+          <a:p>
+            <a:pPr indent="-285750" lvl="1" marL="742950" rtl="0" algn="l">
+              <a:spcBef>
+                <a:spcPts val="0"/>
+              </a:spcBef>
+              <a:spcAft>
+                <a:spcPts val="0"/>
+              </a:spcAft>
+              <a:buClr>
+                <a:schemeClr val="lt1"/>
+              </a:buClr>
+              <a:buSzPts val="1800"/>
+              <a:buChar char="•"/>
+            </a:pPr>
+            <a:r>
+              <a:rPr lang="es-ES">
+                <a:solidFill>
+                  <a:schemeClr val="lt1"/>
+                </a:solidFill>
+                <a:latin typeface="Twentieth Century"/>
+                <a:ea typeface="Twentieth Century"/>
+                <a:cs typeface="Twentieth Century"/>
+                <a:sym typeface="Twentieth Century"/>
+              </a:rPr>
+              <a:t>Base de datos en la nube (ej. Firebase, PostgreSQL, BigQuery).</a:t>
+            </a:r>
+            <a:endParaRPr sz="1400">
+              <a:solidFill>
+                <a:schemeClr val="dk1"/>
+              </a:solidFill>
+            </a:endParaRPr>
+          </a:p>
+          <a:p>
+            <a:pPr indent="-285750" lvl="1" marL="742950" rtl="0" algn="l">
+              <a:spcBef>
+                <a:spcPts val="0"/>
+              </a:spcBef>
+              <a:spcAft>
+                <a:spcPts val="0"/>
+              </a:spcAft>
+              <a:buClr>
+                <a:schemeClr val="lt1"/>
+              </a:buClr>
+              <a:buSzPts val="1800"/>
+              <a:buChar char="•"/>
+            </a:pPr>
+            <a:r>
+              <a:rPr lang="es-ES">
+                <a:solidFill>
+                  <a:schemeClr val="lt1"/>
+                </a:solidFill>
+                <a:latin typeface="Twentieth Century"/>
+                <a:ea typeface="Twentieth Century"/>
+                <a:cs typeface="Twentieth Century"/>
+                <a:sym typeface="Twentieth Century"/>
+              </a:rPr>
+              <a:t>Inteligencia artificial Agrícola </a:t>
+            </a:r>
+            <a:endParaRPr/>
+          </a:p>
+        </p:txBody>
+      </p:sp>
+      <p:sp>
+        <p:nvSpPr>
+          <p:cNvPr id="288" name="Google Shape;288;g3487b8c5fce_0_2"/>
+          <p:cNvSpPr txBox="1"/>
+          <p:nvPr>
+            <p:ph idx="1" type="subTitle"/>
+          </p:nvPr>
+        </p:nvSpPr>
+        <p:spPr>
+          <a:xfrm>
+            <a:off x="1836549" y="631588"/>
+            <a:ext cx="8791500" cy="1655700"/>
+          </a:xfrm>
+          <a:prstGeom prst="rect">
+            <a:avLst/>
+          </a:prstGeom>
+        </p:spPr>
+        <p:txBody>
+          <a:bodyPr anchorCtr="0" anchor="t" bIns="45700" lIns="91425" spcFirstLastPara="1" rIns="91425" wrap="square" tIns="45700">
+            <a:normAutofit/>
+          </a:bodyPr>
+          <a:lstStyle/>
+          <a:p>
+            <a:pPr indent="0" lvl="0" marL="0" rtl="0" algn="l">
+              <a:spcBef>
+                <a:spcPts val="1000"/>
+              </a:spcBef>
+              <a:spcAft>
+                <a:spcPts val="0"/>
+              </a:spcAft>
+              <a:buNone/>
+            </a:pPr>
+            <a:r>
+              <a:rPr b="1" lang="es-ES" sz="3000">
+                <a:solidFill>
+                  <a:schemeClr val="lt1"/>
+                </a:solidFill>
+              </a:rPr>
+              <a:t>Tecnologías</a:t>
+            </a:r>
+            <a:r>
+              <a:rPr b="1" lang="es-ES" sz="3000">
+                <a:solidFill>
+                  <a:schemeClr val="lt1"/>
+                </a:solidFill>
+              </a:rPr>
+              <a:t> y herramientas empleadas </a:t>
+            </a:r>
+            <a:endParaRPr b="1" sz="3000">
+              <a:solidFill>
+                <a:schemeClr val="lt1"/>
+              </a:solidFill>
+            </a:endParaRPr>
+          </a:p>
+        </p:txBody>
+      </p:sp>
+    </p:spTree>
+  </p:cSld>
+  <p:clrMapOvr>
+    <a:masterClrMapping/>
+  </p:clrMapOvr>
+</p:sld>
+</file>
+
+<file path=ppt/slides/slide7.xml><?xml version="1.0" encoding="utf-8"?>
+<p:sld xmlns:a="http://schemas.openxmlformats.org/drawingml/2006/main" xmlns:r="http://schemas.openxmlformats.org/officeDocument/2006/relationships" xmlns:mc="http://schemas.openxmlformats.org/markup-compatibility/2006" xmlns:mv="urn:schemas-microsoft-com:mac:vml" xmlns:p="http://schemas.openxmlformats.org/presentationml/2006/main" xmlns:c="http://schemas.openxmlformats.org/drawingml/2006/chart" xmlns:dgm="http://schemas.openxmlformats.org/drawingml/2006/diagram" xmlns:o="urn:schemas-microsoft-com:office:office" xmlns:v="urn:schemas-microsoft-com:vml" xmlns:pvml="urn:schemas-microsoft-com:office:powerpoint" xmlns:com="http://schemas.openxmlformats.org/drawingml/2006/compatibility" xmlns:p14="http://schemas.microsoft.com/office/powerpoint/2010/main" xmlns:p15="http://schemas.microsoft.com/office/powerpoint/2012/main" xmlns:ahyp="http://schemas.microsoft.com/office/drawing/2018/hyperlinkcolor">
+  <p:cSld>
+    <p:spTree>
+      <p:nvGrpSpPr>
+        <p:cNvPr id="292" name="Shape 292"/>
+        <p:cNvGrpSpPr/>
+        <p:nvPr/>
+      </p:nvGrpSpPr>
+      <p:grpSpPr>
+        <a:xfrm>
+          <a:off x="0" y="0"/>
+          <a:ext cx="0" cy="0"/>
+          <a:chOff x="0" y="0"/>
+          <a:chExt cx="0" cy="0"/>
+        </a:xfrm>
+      </p:grpSpPr>
       <p:pic>
         <p:nvPicPr>
-          <p:cNvPr descr="EscuelaIT Duoc UC - Escuela de Informática y Telecomunicaciones Duoc UC - Duoc  UC | LinkedIn" id="287" name="Google Shape;287;p6"/>
+          <p:cNvPr descr="EscuelaIT Duoc UC - Escuela de Informática y Telecomunicaciones Duoc UC - Duoc  UC | LinkedIn" id="293" name="Google Shape;293;p10"/>
           <p:cNvPicPr preferRelativeResize="0"/>
           <p:nvPr/>
         </p:nvPicPr>
@@ -30130,7 +30404,7 @@
       </p:pic>
       <p:sp>
         <p:nvSpPr>
-          <p:cNvPr id="288" name="Google Shape;288;p6"/>
+          <p:cNvPr id="294" name="Google Shape;294;p10"/>
           <p:cNvSpPr txBox="1"/>
           <p:nvPr/>
         </p:nvSpPr>
@@ -30180,13 +30454,13 @@
       </p:sp>
       <p:sp>
         <p:nvSpPr>
-          <p:cNvPr id="289" name="Google Shape;289;p6"/>
+          <p:cNvPr id="295" name="Google Shape;295;p10"/>
           <p:cNvSpPr txBox="1"/>
           <p:nvPr/>
         </p:nvSpPr>
         <p:spPr>
           <a:xfrm>
-            <a:off x="0" y="1432655"/>
+            <a:off x="0" y="1109490"/>
             <a:ext cx="12191999" cy="646331"/>
           </a:xfrm>
           <a:prstGeom prst="rect">
@@ -30222,23 +30496,15 @@
                 <a:cs typeface="Twentieth Century"/>
                 <a:sym typeface="Twentieth Century"/>
               </a:rPr>
-              <a:t>Metodología SCRUM</a:t>
+              <a:t>Tecnologías utilizadas</a:t>
             </a:r>
-            <a:endParaRPr sz="1800">
-              <a:solidFill>
-                <a:schemeClr val="lt1"/>
-              </a:solidFill>
-              <a:latin typeface="Twentieth Century"/>
-              <a:ea typeface="Twentieth Century"/>
-              <a:cs typeface="Twentieth Century"/>
-              <a:sym typeface="Twentieth Century"/>
-            </a:endParaRPr>
+            <a:endParaRPr/>
           </a:p>
         </p:txBody>
       </p:sp>
       <p:cxnSp>
         <p:nvCxnSpPr>
-          <p:cNvPr id="290" name="Google Shape;290;p6"/>
+          <p:cNvPr id="296" name="Google Shape;296;p10"/>
           <p:cNvCxnSpPr/>
           <p:nvPr/>
         </p:nvCxnSpPr>
@@ -30262,329 +30528,16 @@
           </a:ln>
         </p:spPr>
       </p:cxnSp>
-      <p:graphicFrame>
-        <p:nvGraphicFramePr>
-          <p:cNvPr id="291" name="Google Shape;291;p6"/>
-          <p:cNvGraphicFramePr/>
-          <p:nvPr/>
-        </p:nvGraphicFramePr>
-        <p:xfrm>
-          <a:off x="4727275" y="2450029"/>
-          <a:ext cx="3000000" cy="3000000"/>
-        </p:xfrm>
-        <a:graphic>
-          <a:graphicData uri="http://schemas.openxmlformats.org/drawingml/2006/table">
-            <a:tbl>
-              <a:tblPr bandRow="1" firstRow="1">
-                <a:noFill/>
-                <a:tableStyleId>{160E8356-0565-47DE-B9E5-0CA7AA52519C}</a:tableStyleId>
-              </a:tblPr>
-              <a:tblGrid>
-                <a:gridCol w="3501375"/>
-                <a:gridCol w="3501375"/>
-              </a:tblGrid>
-              <a:tr h="309275">
-                <a:tc>
-                  <a:txBody>
-                    <a:bodyPr/>
-                    <a:lstStyle/>
-                    <a:p>
-                      <a:pPr indent="0" lvl="0" marL="0" marR="0" rtl="0" algn="l">
-                        <a:spcBef>
-                          <a:spcPts val="0"/>
-                        </a:spcBef>
-                        <a:spcAft>
-                          <a:spcPts val="0"/>
-                        </a:spcAft>
-                        <a:buNone/>
-                      </a:pPr>
-                      <a:r>
-                        <a:rPr lang="es-ES" sz="1800" u="none" cap="none" strike="noStrike"/>
-                        <a:t>Semana</a:t>
-                      </a:r>
-                      <a:endParaRPr/>
-                    </a:p>
-                  </a:txBody>
-                  <a:tcPr marT="45725" marB="45725" marR="91450" marL="91450" anchor="ctr"/>
-                </a:tc>
-                <a:tc>
-                  <a:txBody>
-                    <a:bodyPr/>
-                    <a:lstStyle/>
-                    <a:p>
-                      <a:pPr indent="0" lvl="0" marL="0" marR="0" rtl="0" algn="l">
-                        <a:spcBef>
-                          <a:spcPts val="0"/>
-                        </a:spcBef>
-                        <a:spcAft>
-                          <a:spcPts val="0"/>
-                        </a:spcAft>
-                        <a:buNone/>
-                      </a:pPr>
-                      <a:r>
-                        <a:rPr lang="es-ES" sz="1800"/>
-                        <a:t>Actividad Principal</a:t>
-                      </a:r>
-                      <a:endParaRPr/>
-                    </a:p>
-                  </a:txBody>
-                  <a:tcPr marT="45725" marB="45725" marR="91450" marL="91450" anchor="ctr"/>
-                </a:tc>
-              </a:tr>
-              <a:tr h="494400">
-                <a:tc>
-                  <a:txBody>
-                    <a:bodyPr/>
-                    <a:lstStyle/>
-                    <a:p>
-                      <a:pPr indent="0" lvl="0" marL="0" marR="0" rtl="0" algn="l">
-                        <a:spcBef>
-                          <a:spcPts val="0"/>
-                        </a:spcBef>
-                        <a:spcAft>
-                          <a:spcPts val="0"/>
-                        </a:spcAft>
-                        <a:buNone/>
-                      </a:pPr>
-                      <a:r>
-                        <a:rPr lang="es-ES" sz="1800"/>
-                        <a:t>1–2</a:t>
-                      </a:r>
-                      <a:endParaRPr/>
-                    </a:p>
-                  </a:txBody>
-                  <a:tcPr marT="45725" marB="45725" marR="91450" marL="91450" anchor="ctr"/>
-                </a:tc>
-                <a:tc>
-                  <a:txBody>
-                    <a:bodyPr/>
-                    <a:lstStyle/>
-                    <a:p>
-                      <a:pPr indent="0" lvl="0" marL="0" marR="0" rtl="0" algn="l">
-                        <a:spcBef>
-                          <a:spcPts val="0"/>
-                        </a:spcBef>
-                        <a:spcAft>
-                          <a:spcPts val="0"/>
-                        </a:spcAft>
-                        <a:buNone/>
-                      </a:pPr>
-                      <a:r>
-                        <a:rPr lang="es-ES" sz="1800"/>
-                        <a:t>Instalación de sensores y pruebas iniciales de comunicación</a:t>
-                      </a:r>
-                      <a:endParaRPr/>
-                    </a:p>
-                  </a:txBody>
-                  <a:tcPr marT="45725" marB="45725" marR="91450" marL="91450" anchor="ctr"/>
-                </a:tc>
-              </a:tr>
-              <a:tr h="494400">
-                <a:tc>
-                  <a:txBody>
-                    <a:bodyPr/>
-                    <a:lstStyle/>
-                    <a:p>
-                      <a:pPr indent="0" lvl="0" marL="0" marR="0" rtl="0" algn="l">
-                        <a:spcBef>
-                          <a:spcPts val="0"/>
-                        </a:spcBef>
-                        <a:spcAft>
-                          <a:spcPts val="0"/>
-                        </a:spcAft>
-                        <a:buNone/>
-                      </a:pPr>
-                      <a:r>
-                        <a:rPr lang="es-ES" sz="1800"/>
-                        <a:t>3–4</a:t>
-                      </a:r>
-                      <a:endParaRPr/>
-                    </a:p>
-                  </a:txBody>
-                  <a:tcPr marT="45725" marB="45725" marR="91450" marL="91450" anchor="ctr"/>
-                </a:tc>
-                <a:tc>
-                  <a:txBody>
-                    <a:bodyPr/>
-                    <a:lstStyle/>
-                    <a:p>
-                      <a:pPr indent="0" lvl="0" marL="0" marR="0" rtl="0" algn="l">
-                        <a:spcBef>
-                          <a:spcPts val="0"/>
-                        </a:spcBef>
-                        <a:spcAft>
-                          <a:spcPts val="0"/>
-                        </a:spcAft>
-                        <a:buNone/>
-                      </a:pPr>
-                      <a:r>
-                        <a:rPr lang="es-ES" sz="1800"/>
-                        <a:t>Implementación del backend y base de datos en la nube</a:t>
-                      </a:r>
-                      <a:endParaRPr/>
-                    </a:p>
-                  </a:txBody>
-                  <a:tcPr marT="45725" marB="45725" marR="91450" marL="91450" anchor="ctr"/>
-                </a:tc>
-              </a:tr>
-              <a:tr h="494400">
-                <a:tc>
-                  <a:txBody>
-                    <a:bodyPr/>
-                    <a:lstStyle/>
-                    <a:p>
-                      <a:pPr indent="0" lvl="0" marL="0" marR="0" rtl="0" algn="l">
-                        <a:spcBef>
-                          <a:spcPts val="0"/>
-                        </a:spcBef>
-                        <a:spcAft>
-                          <a:spcPts val="0"/>
-                        </a:spcAft>
-                        <a:buNone/>
-                      </a:pPr>
-                      <a:r>
-                        <a:rPr lang="es-ES" sz="1800"/>
-                        <a:t>5–6</a:t>
-                      </a:r>
-                      <a:endParaRPr/>
-                    </a:p>
-                  </a:txBody>
-                  <a:tcPr marT="45725" marB="45725" marR="91450" marL="91450" anchor="ctr"/>
-                </a:tc>
-                <a:tc>
-                  <a:txBody>
-                    <a:bodyPr/>
-                    <a:lstStyle/>
-                    <a:p>
-                      <a:pPr indent="0" lvl="0" marL="0" marR="0" rtl="0" algn="l">
-                        <a:spcBef>
-                          <a:spcPts val="0"/>
-                        </a:spcBef>
-                        <a:spcAft>
-                          <a:spcPts val="0"/>
-                        </a:spcAft>
-                        <a:buNone/>
-                      </a:pPr>
-                      <a:r>
-                        <a:rPr lang="es-ES" sz="1800"/>
-                        <a:t>Desarrollo de aplicación para visualización y control</a:t>
-                      </a:r>
-                      <a:endParaRPr/>
-                    </a:p>
-                  </a:txBody>
-                  <a:tcPr marT="45725" marB="45725" marR="91450" marL="91450" anchor="ctr"/>
-                </a:tc>
-              </a:tr>
-              <a:tr h="494400">
-                <a:tc>
-                  <a:txBody>
-                    <a:bodyPr/>
-                    <a:lstStyle/>
-                    <a:p>
-                      <a:pPr indent="0" lvl="0" marL="0" marR="0" rtl="0" algn="l">
-                        <a:spcBef>
-                          <a:spcPts val="0"/>
-                        </a:spcBef>
-                        <a:spcAft>
-                          <a:spcPts val="0"/>
-                        </a:spcAft>
-                        <a:buNone/>
-                      </a:pPr>
-                      <a:r>
-                        <a:rPr lang="es-ES" sz="1800"/>
-                        <a:t>7–8</a:t>
-                      </a:r>
-                      <a:endParaRPr/>
-                    </a:p>
-                  </a:txBody>
-                  <a:tcPr marT="45725" marB="45725" marR="91450" marL="91450" anchor="ctr"/>
-                </a:tc>
-                <a:tc>
-                  <a:txBody>
-                    <a:bodyPr/>
-                    <a:lstStyle/>
-                    <a:p>
-                      <a:pPr indent="0" lvl="0" marL="0" marR="0" rtl="0" algn="l">
-                        <a:spcBef>
-                          <a:spcPts val="0"/>
-                        </a:spcBef>
-                        <a:spcAft>
-                          <a:spcPts val="0"/>
-                        </a:spcAft>
-                        <a:buNone/>
-                      </a:pPr>
-                      <a:r>
-                        <a:rPr lang="es-ES" sz="1800"/>
-                        <a:t>Entrenamiento e integración del modelo de IA</a:t>
-                      </a:r>
-                      <a:endParaRPr/>
-                    </a:p>
-                  </a:txBody>
-                  <a:tcPr marT="45725" marB="45725" marR="91450" marL="91450" anchor="ctr"/>
-                </a:tc>
-              </a:tr>
-              <a:tr h="494400">
-                <a:tc>
-                  <a:txBody>
-                    <a:bodyPr/>
-                    <a:lstStyle/>
-                    <a:p>
-                      <a:pPr indent="0" lvl="0" marL="0" marR="0" rtl="0" algn="l">
-                        <a:spcBef>
-                          <a:spcPts val="0"/>
-                        </a:spcBef>
-                        <a:spcAft>
-                          <a:spcPts val="0"/>
-                        </a:spcAft>
-                        <a:buNone/>
-                      </a:pPr>
-                      <a:r>
-                        <a:rPr lang="es-ES" sz="1800"/>
-                        <a:t>9–10</a:t>
-                      </a:r>
-                      <a:endParaRPr/>
-                    </a:p>
-                  </a:txBody>
-                  <a:tcPr marT="45725" marB="45725" marR="91450" marL="91450" anchor="ctr"/>
-                </a:tc>
-                <a:tc>
-                  <a:txBody>
-                    <a:bodyPr/>
-                    <a:lstStyle/>
-                    <a:p>
-                      <a:pPr indent="0" lvl="0" marL="0" marR="0" rtl="0" algn="l">
-                        <a:spcBef>
-                          <a:spcPts val="0"/>
-                        </a:spcBef>
-                        <a:spcAft>
-                          <a:spcPts val="0"/>
-                        </a:spcAft>
-                        <a:buNone/>
-                      </a:pPr>
-                      <a:r>
-                        <a:rPr lang="es-ES" sz="1800"/>
-                        <a:t>Integración de automatización y pruebas finales</a:t>
-                      </a:r>
-                      <a:endParaRPr/>
-                    </a:p>
-                  </a:txBody>
-                  <a:tcPr marT="45725" marB="45725" marR="91450" marL="91450" anchor="ctr"/>
-                </a:tc>
-              </a:tr>
-            </a:tbl>
-          </a:graphicData>
-        </a:graphic>
-      </p:graphicFrame>
       <p:sp>
         <p:nvSpPr>
-          <p:cNvPr id="292" name="Google Shape;292;p6"/>
+          <p:cNvPr id="297" name="Google Shape;297;p10"/>
           <p:cNvSpPr txBox="1"/>
           <p:nvPr/>
         </p:nvSpPr>
         <p:spPr>
           <a:xfrm>
-            <a:off x="638356" y="2889675"/>
-            <a:ext cx="3959524" cy="2031325"/>
+            <a:off x="2470749" y="1872409"/>
+            <a:ext cx="8329500" cy="4576500"/>
           </a:xfrm>
           <a:prstGeom prst="rect">
             <a:avLst/>
@@ -30610,23 +30563,113 @@
               <a:buNone/>
             </a:pPr>
             <a:r>
-              <a:rPr b="1" i="1" lang="es-ES" sz="1800">
+              <a:rPr b="1" i="0" lang="es-ES" sz="1200" u="none" strike="noStrike">
                 <a:solidFill>
-                  <a:srgbClr val="0C0C0C"/>
+                  <a:schemeClr val="lt1"/>
                 </a:solidFill>
-                <a:latin typeface="Twentieth Century"/>
-                <a:ea typeface="Twentieth Century"/>
-                <a:cs typeface="Twentieth Century"/>
-                <a:sym typeface="Twentieth Century"/>
+                <a:latin typeface="Arial"/>
+                <a:ea typeface="Arial"/>
+                <a:cs typeface="Arial"/>
+                <a:sym typeface="Arial"/>
               </a:rPr>
-              <a:t>Se implementará una gestión basada en la metodología SCRUM, la cual será administrada en la plataforma JIRA.</a:t>
+              <a:t>1. Hardware y Sensores:</a:t>
             </a:r>
-            <a:endParaRPr/>
+            <a:endParaRPr b="0" sz="1800">
+              <a:solidFill>
+                <a:schemeClr val="lt1"/>
+              </a:solidFill>
+              <a:latin typeface="Twentieth Century"/>
+              <a:ea typeface="Twentieth Century"/>
+              <a:cs typeface="Twentieth Century"/>
+              <a:sym typeface="Twentieth Century"/>
+            </a:endParaRPr>
+          </a:p>
+          <a:p>
+            <a:pPr indent="-76200" lvl="0" marL="0" marR="0" rtl="0" algn="l">
+              <a:spcBef>
+                <a:spcPts val="800"/>
+              </a:spcBef>
+              <a:spcAft>
+                <a:spcPts val="0"/>
+              </a:spcAft>
+              <a:buClr>
+                <a:schemeClr val="lt1"/>
+              </a:buClr>
+              <a:buSzPts val="1200"/>
+              <a:buFont typeface="Arial"/>
+              <a:buChar char="•"/>
+            </a:pPr>
+            <a:r>
+              <a:rPr b="1" i="0" lang="es-ES" sz="1200" u="none" strike="noStrike">
+                <a:solidFill>
+                  <a:schemeClr val="lt1"/>
+                </a:solidFill>
+                <a:latin typeface="Arial"/>
+                <a:ea typeface="Arial"/>
+                <a:cs typeface="Arial"/>
+                <a:sym typeface="Arial"/>
+              </a:rPr>
+              <a:t>Placa base (como Arduino, ESP32 o ESP8266):</a:t>
+            </a:r>
+            <a:r>
+              <a:rPr b="0" i="0" lang="es-ES" sz="1200" u="none" strike="noStrike">
+                <a:solidFill>
+                  <a:schemeClr val="lt1"/>
+                </a:solidFill>
+                <a:latin typeface="Arial"/>
+                <a:ea typeface="Arial"/>
+                <a:cs typeface="Arial"/>
+                <a:sym typeface="Arial"/>
+              </a:rPr>
+              <a:t> </a:t>
+            </a:r>
+            <a:endParaRPr>
+              <a:solidFill>
+                <a:schemeClr val="lt1"/>
+              </a:solidFill>
+            </a:endParaRPr>
+          </a:p>
+          <a:p>
+            <a:pPr indent="-76200" lvl="0" marL="0" marR="0" rtl="0" algn="l">
+              <a:spcBef>
+                <a:spcPts val="800"/>
+              </a:spcBef>
+              <a:spcAft>
+                <a:spcPts val="0"/>
+              </a:spcAft>
+              <a:buClr>
+                <a:schemeClr val="lt1"/>
+              </a:buClr>
+              <a:buSzPts val="1200"/>
+              <a:buFont typeface="Arial"/>
+              <a:buChar char="•"/>
+            </a:pPr>
+            <a:r>
+              <a:rPr b="1" i="0" lang="es-ES" sz="1200" u="none" strike="noStrike">
+                <a:solidFill>
+                  <a:schemeClr val="lt1"/>
+                </a:solidFill>
+                <a:latin typeface="Arial"/>
+                <a:ea typeface="Arial"/>
+                <a:cs typeface="Arial"/>
+                <a:sym typeface="Arial"/>
+              </a:rPr>
+              <a:t>Sensores:</a:t>
+            </a:r>
+            <a:endParaRPr b="0" i="0" sz="1000" u="none" strike="noStrike">
+              <a:solidFill>
+                <a:schemeClr val="lt1"/>
+              </a:solidFill>
+              <a:latin typeface="Noto Sans Symbols"/>
+              <a:ea typeface="Noto Sans Symbols"/>
+              <a:cs typeface="Noto Sans Symbols"/>
+              <a:sym typeface="Noto Sans Symbols"/>
+            </a:endParaRPr>
           </a:p>
           <a:p>
             <a:pPr indent="0" lvl="0" marL="0" marR="0" rtl="0" algn="l">
               <a:spcBef>
-                <a:spcPts val="0"/>
+                <a:spcPts val="800"/>
               </a:spcBef>
               <a:spcAft>
                 <a:spcPts val="0"/>
@@ -30634,11 +30677,180 @@
               <a:buNone/>
             </a:pPr>
             <a:r>
-              <a:t/>
+              <a:rPr b="1" i="0" lang="es-ES" sz="1200" u="none" cap="none" strike="noStrike">
+                <a:solidFill>
+                  <a:schemeClr val="lt1"/>
+                </a:solidFill>
+                <a:latin typeface="Arial"/>
+                <a:ea typeface="Arial"/>
+                <a:cs typeface="Arial"/>
+                <a:sym typeface="Arial"/>
+              </a:rPr>
+              <a:t>Temperatura y humedad:</a:t>
             </a:r>
-            <a:endParaRPr b="1" i="1" sz="1800">
+            <a:r>
+              <a:rPr b="0" i="0" lang="es-ES" sz="1200" u="none" cap="none" strike="noStrike">
+                <a:solidFill>
+                  <a:schemeClr val="lt1"/>
+                </a:solidFill>
+                <a:latin typeface="Arial"/>
+                <a:ea typeface="Arial"/>
+                <a:cs typeface="Arial"/>
+                <a:sym typeface="Arial"/>
+              </a:rPr>
+              <a:t> DHT22 o BME280.</a:t>
+            </a:r>
+            <a:endParaRPr b="0" i="0" sz="1000" u="none" cap="none" strike="noStrike">
               <a:solidFill>
-                <a:srgbClr val="0C0C0C"/>
+                <a:schemeClr val="lt1"/>
+              </a:solidFill>
+              <a:latin typeface="Courier New"/>
+              <a:ea typeface="Courier New"/>
+              <a:cs typeface="Courier New"/>
+              <a:sym typeface="Courier New"/>
+            </a:endParaRPr>
+          </a:p>
+          <a:p>
+            <a:pPr indent="0" lvl="0" marL="0" marR="0" rtl="0" algn="l">
+              <a:spcBef>
+                <a:spcPts val="800"/>
+              </a:spcBef>
+              <a:spcAft>
+                <a:spcPts val="0"/>
+              </a:spcAft>
+              <a:buNone/>
+            </a:pPr>
+            <a:r>
+              <a:rPr b="1" i="0" lang="es-ES" sz="1200" u="none" cap="none" strike="noStrike">
+                <a:solidFill>
+                  <a:schemeClr val="lt1"/>
+                </a:solidFill>
+                <a:latin typeface="Arial"/>
+                <a:ea typeface="Arial"/>
+                <a:cs typeface="Arial"/>
+                <a:sym typeface="Arial"/>
+              </a:rPr>
+              <a:t>Luz:</a:t>
+            </a:r>
+            <a:r>
+              <a:rPr b="0" i="0" lang="es-ES" sz="1200" u="none" cap="none" strike="noStrike">
+                <a:solidFill>
+                  <a:schemeClr val="lt1"/>
+                </a:solidFill>
+                <a:latin typeface="Arial"/>
+                <a:ea typeface="Arial"/>
+                <a:cs typeface="Arial"/>
+                <a:sym typeface="Arial"/>
+              </a:rPr>
+              <a:t> Sensor de luz LDR o BH1750.</a:t>
+            </a:r>
+            <a:endParaRPr b="0" i="0" sz="1000" u="none" cap="none" strike="noStrike">
+              <a:solidFill>
+                <a:schemeClr val="lt1"/>
+              </a:solidFill>
+              <a:latin typeface="Courier New"/>
+              <a:ea typeface="Courier New"/>
+              <a:cs typeface="Courier New"/>
+              <a:sym typeface="Courier New"/>
+            </a:endParaRPr>
+          </a:p>
+          <a:p>
+            <a:pPr indent="0" lvl="0" marL="0" marR="0" rtl="0" algn="l">
+              <a:spcBef>
+                <a:spcPts val="800"/>
+              </a:spcBef>
+              <a:spcAft>
+                <a:spcPts val="0"/>
+              </a:spcAft>
+              <a:buNone/>
+            </a:pPr>
+            <a:r>
+              <a:rPr b="1" i="0" lang="es-ES" sz="1200" u="none" cap="none" strike="noStrike">
+                <a:solidFill>
+                  <a:schemeClr val="lt1"/>
+                </a:solidFill>
+                <a:latin typeface="Arial"/>
+                <a:ea typeface="Arial"/>
+                <a:cs typeface="Arial"/>
+                <a:sym typeface="Arial"/>
+              </a:rPr>
+              <a:t>Aire:</a:t>
+            </a:r>
+            <a:r>
+              <a:rPr b="0" i="0" lang="es-ES" sz="1200" u="none" cap="none" strike="noStrike">
+                <a:solidFill>
+                  <a:schemeClr val="lt1"/>
+                </a:solidFill>
+                <a:latin typeface="Arial"/>
+                <a:ea typeface="Arial"/>
+                <a:cs typeface="Arial"/>
+                <a:sym typeface="Arial"/>
+              </a:rPr>
+              <a:t> Sensor de calidad del aire (como MQ-135 o CCS811) o sensores de CO2</a:t>
+            </a:r>
+            <a:endParaRPr b="0" i="0" sz="1200" u="none" cap="none" strike="noStrike">
+              <a:solidFill>
+                <a:schemeClr val="lt1"/>
+              </a:solidFill>
+              <a:latin typeface="Arial"/>
+              <a:ea typeface="Arial"/>
+              <a:cs typeface="Arial"/>
+              <a:sym typeface="Arial"/>
+            </a:endParaRPr>
+          </a:p>
+          <a:p>
+            <a:pPr indent="0" lvl="0" marL="0" marR="0" rtl="0" algn="l">
+              <a:spcBef>
+                <a:spcPts val="800"/>
+              </a:spcBef>
+              <a:spcAft>
+                <a:spcPts val="0"/>
+              </a:spcAft>
+              <a:buNone/>
+            </a:pPr>
+            <a:r>
+              <a:rPr b="1" i="0" lang="es-ES" sz="1200" u="none" cap="none" strike="noStrike">
+                <a:solidFill>
+                  <a:schemeClr val="lt1"/>
+                </a:solidFill>
+                <a:latin typeface="Arial"/>
+                <a:ea typeface="Arial"/>
+                <a:cs typeface="Arial"/>
+                <a:sym typeface="Arial"/>
+              </a:rPr>
+              <a:t>Fuente de alimentación:</a:t>
+            </a:r>
+            <a:endParaRPr>
+              <a:solidFill>
+                <a:schemeClr val="lt1"/>
+              </a:solidFill>
+            </a:endParaRPr>
+          </a:p>
+          <a:p>
+            <a:pPr indent="0" lvl="0" marL="0" marR="0" rtl="0" algn="l">
+              <a:spcBef>
+                <a:spcPts val="800"/>
+              </a:spcBef>
+              <a:spcAft>
+                <a:spcPts val="0"/>
+              </a:spcAft>
+              <a:buNone/>
+            </a:pPr>
+            <a:r>
+              <a:rPr b="1" i="0" lang="es-ES" sz="1200" u="none" strike="noStrike">
+                <a:solidFill>
+                  <a:schemeClr val="lt1"/>
+                </a:solidFill>
+                <a:latin typeface="Arial"/>
+                <a:ea typeface="Arial"/>
+                <a:cs typeface="Arial"/>
+                <a:sym typeface="Arial"/>
+              </a:rPr>
+              <a:t>2. Comunicación:</a:t>
+            </a:r>
+            <a:endParaRPr b="0" sz="1800">
+              <a:solidFill>
+                <a:schemeClr val="lt1"/>
               </a:solidFill>
               <a:latin typeface="Twentieth Century"/>
               <a:ea typeface="Twentieth Century"/>
@@ -30649,7 +30861,7 @@
           <a:p>
             <a:pPr indent="0" lvl="0" marL="0" marR="0" rtl="0" algn="l">
               <a:spcBef>
-                <a:spcPts val="0"/>
+                <a:spcPts val="800"/>
               </a:spcBef>
               <a:spcAft>
                 <a:spcPts val="0"/>
@@ -30657,18 +30869,276 @@
               <a:buNone/>
             </a:pPr>
             <a:r>
-              <a:rPr b="1" i="1" lang="es-ES" sz="1800">
+              <a:rPr b="1" i="0" lang="es-ES" sz="1200" u="none" strike="noStrike">
                 <a:solidFill>
-                  <a:srgbClr val="0C0C0C"/>
+                  <a:schemeClr val="lt1"/>
+                </a:solidFill>
+                <a:latin typeface="Arial"/>
+                <a:ea typeface="Arial"/>
+                <a:cs typeface="Arial"/>
+                <a:sym typeface="Arial"/>
+              </a:rPr>
+              <a:t>Wi-Fi/Bluetooth</a:t>
+            </a:r>
+            <a:endParaRPr b="0" i="0" sz="1200" u="none" strike="noStrike">
+              <a:solidFill>
+                <a:schemeClr val="lt1"/>
+              </a:solidFill>
+              <a:latin typeface="Arial"/>
+              <a:ea typeface="Arial"/>
+              <a:cs typeface="Arial"/>
+              <a:sym typeface="Arial"/>
+            </a:endParaRPr>
+          </a:p>
+          <a:p>
+            <a:pPr indent="0" lvl="0" marL="0" marR="0" rtl="0" algn="l">
+              <a:spcBef>
+                <a:spcPts val="800"/>
+              </a:spcBef>
+              <a:spcAft>
+                <a:spcPts val="0"/>
+              </a:spcAft>
+              <a:buNone/>
+            </a:pPr>
+            <a:r>
+              <a:rPr b="1" i="0" lang="es-ES" sz="1200" u="none" strike="noStrike">
+                <a:solidFill>
+                  <a:schemeClr val="lt1"/>
+                </a:solidFill>
+                <a:latin typeface="Arial"/>
+                <a:ea typeface="Arial"/>
+                <a:cs typeface="Arial"/>
+                <a:sym typeface="Arial"/>
+              </a:rPr>
+              <a:t>3. Base de datos:</a:t>
+            </a:r>
+            <a:r>
+              <a:rPr b="0" i="0" lang="es-ES" sz="1200" u="none" strike="noStrike">
+                <a:solidFill>
+                  <a:schemeClr val="lt1"/>
+                </a:solidFill>
+                <a:latin typeface="Arial"/>
+                <a:ea typeface="Arial"/>
+                <a:cs typeface="Arial"/>
+                <a:sym typeface="Arial"/>
+              </a:rPr>
+              <a:t> </a:t>
+            </a:r>
+            <a:endParaRPr>
+              <a:solidFill>
+                <a:schemeClr val="lt1"/>
+              </a:solidFill>
+            </a:endParaRPr>
+          </a:p>
+          <a:p>
+            <a:pPr indent="0" lvl="0" marL="0" marR="0" rtl="0" algn="l">
+              <a:spcBef>
+                <a:spcPts val="800"/>
+              </a:spcBef>
+              <a:spcAft>
+                <a:spcPts val="0"/>
+              </a:spcAft>
+              <a:buNone/>
+            </a:pPr>
+            <a:r>
+              <a:rPr b="1" i="0" lang="es-ES" sz="1200" u="none" strike="noStrike">
+                <a:solidFill>
+                  <a:schemeClr val="lt1"/>
+                </a:solidFill>
+                <a:latin typeface="Arial"/>
+                <a:ea typeface="Arial"/>
+                <a:cs typeface="Arial"/>
+                <a:sym typeface="Arial"/>
+              </a:rPr>
+              <a:t>Base de datos SQL (</a:t>
+            </a:r>
+            <a:r>
+              <a:rPr b="1" lang="es-ES" sz="1200">
+                <a:solidFill>
+                  <a:schemeClr val="lt1"/>
+                </a:solidFill>
+              </a:rPr>
+              <a:t>BigQuery</a:t>
+            </a:r>
+            <a:r>
+              <a:rPr b="1" i="0" lang="es-ES" sz="1200" u="none" strike="noStrike">
+                <a:solidFill>
+                  <a:schemeClr val="lt1"/>
+                </a:solidFill>
+                <a:latin typeface="Arial"/>
+                <a:ea typeface="Arial"/>
+                <a:cs typeface="Arial"/>
+                <a:sym typeface="Arial"/>
+              </a:rPr>
+              <a:t>):</a:t>
+            </a:r>
+            <a:endParaRPr>
+              <a:solidFill>
+                <a:schemeClr val="lt1"/>
+              </a:solidFill>
+            </a:endParaRPr>
+          </a:p>
+          <a:p>
+            <a:pPr indent="0" lvl="0" marL="0" marR="0" rtl="0" algn="l">
+              <a:spcBef>
+                <a:spcPts val="800"/>
+              </a:spcBef>
+              <a:spcAft>
+                <a:spcPts val="0"/>
+              </a:spcAft>
+              <a:buNone/>
+            </a:pPr>
+            <a:r>
+              <a:rPr b="1" i="0" lang="es-ES" sz="1200" u="none" strike="noStrike">
+                <a:solidFill>
+                  <a:schemeClr val="lt1"/>
+                </a:solidFill>
+                <a:latin typeface="Arial"/>
+                <a:ea typeface="Arial"/>
+                <a:cs typeface="Arial"/>
+                <a:sym typeface="Arial"/>
+              </a:rPr>
+              <a:t>Base de datos en la nube (Firebase</a:t>
+            </a:r>
+            <a:r>
+              <a:rPr b="1" lang="es-ES" sz="1200">
+                <a:solidFill>
+                  <a:schemeClr val="lt1"/>
+                </a:solidFill>
+                <a:latin typeface="Arial"/>
+                <a:ea typeface="Arial"/>
+                <a:cs typeface="Arial"/>
+                <a:sym typeface="Arial"/>
+              </a:rPr>
+              <a:t>)</a:t>
+            </a:r>
+            <a:endParaRPr>
+              <a:solidFill>
+                <a:schemeClr val="lt1"/>
+              </a:solidFill>
+            </a:endParaRPr>
+          </a:p>
+          <a:p>
+            <a:pPr indent="-76200" lvl="0" marL="0" marR="0" rtl="0" algn="l">
+              <a:spcBef>
+                <a:spcPts val="800"/>
+              </a:spcBef>
+              <a:spcAft>
+                <a:spcPts val="0"/>
+              </a:spcAft>
+              <a:buClr>
+                <a:schemeClr val="lt1"/>
+              </a:buClr>
+              <a:buSzPts val="1200"/>
+              <a:buFont typeface="Arial"/>
+              <a:buChar char="•"/>
+            </a:pPr>
+            <a:r>
+              <a:rPr b="1" i="0" lang="es-ES" sz="1200" u="none" strike="noStrike">
+                <a:solidFill>
+                  <a:schemeClr val="lt1"/>
+                </a:solidFill>
+                <a:latin typeface="Arial"/>
+                <a:ea typeface="Arial"/>
+                <a:cs typeface="Arial"/>
+                <a:sym typeface="Arial"/>
+              </a:rPr>
+              <a:t>3. Desarrollo de la App:</a:t>
+            </a:r>
+            <a:endParaRPr b="0" sz="1800">
+              <a:solidFill>
+                <a:schemeClr val="lt1"/>
+              </a:solidFill>
+              <a:latin typeface="Twentieth Century"/>
+              <a:ea typeface="Twentieth Century"/>
+              <a:cs typeface="Twentieth Century"/>
+              <a:sym typeface="Twentieth Century"/>
+            </a:endParaRPr>
+          </a:p>
+          <a:p>
+            <a:pPr indent="-76200" lvl="0" marL="0" marR="0" rtl="0" algn="l">
+              <a:spcBef>
+                <a:spcPts val="800"/>
+              </a:spcBef>
+              <a:spcAft>
+                <a:spcPts val="0"/>
+              </a:spcAft>
+              <a:buClr>
+                <a:schemeClr val="lt1"/>
+              </a:buClr>
+              <a:buSzPts val="1200"/>
+              <a:buFont typeface="Arial"/>
+              <a:buChar char="•"/>
+            </a:pPr>
+            <a:r>
+              <a:rPr b="1" i="0" lang="es-ES" sz="1200" u="none" strike="noStrike">
+                <a:solidFill>
+                  <a:schemeClr val="lt1"/>
+                </a:solidFill>
+                <a:latin typeface="Arial"/>
+                <a:ea typeface="Arial"/>
+                <a:cs typeface="Arial"/>
+                <a:sym typeface="Arial"/>
+              </a:rPr>
+              <a:t>React Native</a:t>
+            </a:r>
+            <a:endParaRPr b="0" i="0" sz="1200" u="none" strike="noStrike">
+              <a:solidFill>
+                <a:schemeClr val="lt1"/>
+              </a:solidFill>
+              <a:latin typeface="Arial"/>
+              <a:ea typeface="Arial"/>
+              <a:cs typeface="Arial"/>
+              <a:sym typeface="Arial"/>
+            </a:endParaRPr>
+          </a:p>
+          <a:p>
+            <a:pPr indent="-76200" lvl="0" marL="0" marR="0" rtl="0" algn="l">
+              <a:spcBef>
+                <a:spcPts val="800"/>
+              </a:spcBef>
+              <a:spcAft>
+                <a:spcPts val="0"/>
+              </a:spcAft>
+              <a:buClr>
+                <a:schemeClr val="lt1"/>
+              </a:buClr>
+              <a:buSzPts val="1200"/>
+              <a:buFont typeface="Arial"/>
+              <a:buChar char="•"/>
+            </a:pPr>
+            <a:r>
+              <a:rPr b="1" i="0" lang="es-ES" sz="1200" u="none" strike="noStrike">
+                <a:solidFill>
+                  <a:schemeClr val="lt1"/>
+                </a:solidFill>
+                <a:latin typeface="Arial"/>
+                <a:ea typeface="Arial"/>
+                <a:cs typeface="Arial"/>
+                <a:sym typeface="Arial"/>
+              </a:rPr>
+              <a:t>Flutter</a:t>
+            </a:r>
+            <a:br>
+              <a:rPr lang="es-ES" sz="1800">
+                <a:solidFill>
+                  <a:schemeClr val="lt1"/>
                 </a:solidFill>
                 <a:latin typeface="Twentieth Century"/>
                 <a:ea typeface="Twentieth Century"/>
                 <a:cs typeface="Twentieth Century"/>
                 <a:sym typeface="Twentieth Century"/>
               </a:rPr>
-              <a:t>En el tiempo de 10 Semanas, se tendrán un total de 5 sprints divididos según entregables y objetivos definidos.</a:t>
-            </a:r>
-            <a:endParaRPr/>
+            </a:br>
+            <a:endParaRPr sz="1800">
+              <a:solidFill>
+                <a:schemeClr val="lt1"/>
+              </a:solidFill>
+              <a:latin typeface="Twentieth Century"/>
+              <a:ea typeface="Twentieth Century"/>
+              <a:cs typeface="Twentieth Century"/>
+              <a:sym typeface="Twentieth Century"/>
+            </a:endParaRPr>
           </a:p>
         </p:txBody>
       </p:sp>
@@ -30683,12 +31153,268 @@
 </p:sld>
 </file>
 
-<file path=ppt/slides/slide7.xml><?xml version="1.0" encoding="utf-8"?>
+<file path=ppt/slides/slide8.xml><?xml version="1.0" encoding="utf-8"?>
 <p:sld xmlns:a="http://schemas.openxmlformats.org/drawingml/2006/main" xmlns:r="http://schemas.openxmlformats.org/officeDocument/2006/relationships" xmlns:mc="http://schemas.openxmlformats.org/markup-compatibility/2006" xmlns:mv="urn:schemas-microsoft-com:mac:vml" xmlns:p="http://schemas.openxmlformats.org/presentationml/2006/main" xmlns:c="http://schemas.openxmlformats.org/drawingml/2006/chart" xmlns:dgm="http://schemas.openxmlformats.org/drawingml/2006/diagram" xmlns:o="urn:schemas-microsoft-com:office:office" xmlns:v="urn:schemas-microsoft-com:vml" xmlns:pvml="urn:schemas-microsoft-com:office:powerpoint" xmlns:com="http://schemas.openxmlformats.org/drawingml/2006/compatibility" xmlns:p14="http://schemas.microsoft.com/office/powerpoint/2010/main" xmlns:p15="http://schemas.microsoft.com/office/powerpoint/2012/main" xmlns:ahyp="http://schemas.microsoft.com/office/drawing/2018/hyperlinkcolor">
   <p:cSld>
     <p:spTree>
       <p:nvGrpSpPr>
-        <p:cNvPr id="296" name="Shape 296"/>
+        <p:cNvPr id="301" name="Shape 301"/>
+        <p:cNvGrpSpPr/>
+        <p:nvPr/>
+      </p:nvGrpSpPr>
+      <p:grpSpPr>
+        <a:xfrm>
+          <a:off x="0" y="0"/>
+          <a:ext cx="0" cy="0"/>
+          <a:chOff x="0" y="0"/>
+          <a:chExt cx="0" cy="0"/>
+        </a:xfrm>
+      </p:grpSpPr>
+      <p:sp>
+        <p:nvSpPr>
+          <p:cNvPr id="302" name="Google Shape;302;g3486e2ea373_0_0"/>
+          <p:cNvSpPr txBox="1"/>
+          <p:nvPr>
+            <p:ph type="ctrTitle"/>
+          </p:nvPr>
+        </p:nvSpPr>
+        <p:spPr>
+          <a:xfrm>
+            <a:off x="3170700" y="341350"/>
+            <a:ext cx="5850600" cy="1286100"/>
+          </a:xfrm>
+          <a:prstGeom prst="rect">
+            <a:avLst/>
+          </a:prstGeom>
+        </p:spPr>
+        <p:txBody>
+          <a:bodyPr anchorCtr="0" anchor="b" bIns="45700" lIns="91425" spcFirstLastPara="1" rIns="91425" wrap="square" tIns="45700">
+            <a:normAutofit/>
+          </a:bodyPr>
+          <a:lstStyle/>
+          <a:p>
+            <a:pPr indent="0" lvl="0" marL="0" rtl="0" algn="l">
+              <a:spcBef>
+                <a:spcPts val="0"/>
+              </a:spcBef>
+              <a:spcAft>
+                <a:spcPts val="0"/>
+              </a:spcAft>
+              <a:buNone/>
+            </a:pPr>
+            <a:r>
+              <a:rPr lang="es-ES"/>
+              <a:t>MOCKUP APP </a:t>
+            </a:r>
+            <a:r>
+              <a:rPr lang="es-ES"/>
+              <a:t>Móvil</a:t>
+            </a:r>
+            <a:endParaRPr/>
+          </a:p>
+        </p:txBody>
+      </p:sp>
+      <p:pic>
+        <p:nvPicPr>
+          <p:cNvPr id="303" name="Google Shape;303;g3486e2ea373_0_0"/>
+          <p:cNvPicPr preferRelativeResize="0"/>
+          <p:nvPr/>
+        </p:nvPicPr>
+        <p:blipFill>
+          <a:blip r:embed="rId3">
+            <a:alphaModFix/>
+          </a:blip>
+          <a:stretch>
+            <a:fillRect/>
+          </a:stretch>
+        </p:blipFill>
+        <p:spPr>
+          <a:xfrm>
+            <a:off x="4974013" y="1779819"/>
+            <a:ext cx="2243986" cy="4832681"/>
+          </a:xfrm>
+          <a:prstGeom prst="rect">
+            <a:avLst/>
+          </a:prstGeom>
+          <a:noFill/>
+          <a:ln>
+            <a:noFill/>
+          </a:ln>
+        </p:spPr>
+      </p:pic>
+      <p:pic>
+        <p:nvPicPr>
+          <p:cNvPr id="304" name="Google Shape;304;g3486e2ea373_0_0"/>
+          <p:cNvPicPr preferRelativeResize="0"/>
+          <p:nvPr/>
+        </p:nvPicPr>
+        <p:blipFill>
+          <a:blip r:embed="rId4">
+            <a:alphaModFix/>
+          </a:blip>
+          <a:stretch>
+            <a:fillRect/>
+          </a:stretch>
+        </p:blipFill>
+        <p:spPr>
+          <a:xfrm>
+            <a:off x="1965275" y="1779825"/>
+            <a:ext cx="2352186" cy="4832676"/>
+          </a:xfrm>
+          <a:prstGeom prst="rect">
+            <a:avLst/>
+          </a:prstGeom>
+          <a:noFill/>
+          <a:ln>
+            <a:noFill/>
+          </a:ln>
+        </p:spPr>
+      </p:pic>
+      <p:pic>
+        <p:nvPicPr>
+          <p:cNvPr id="305" name="Google Shape;305;g3486e2ea373_0_0"/>
+          <p:cNvPicPr preferRelativeResize="0"/>
+          <p:nvPr/>
+        </p:nvPicPr>
+        <p:blipFill>
+          <a:blip r:embed="rId5">
+            <a:alphaModFix/>
+          </a:blip>
+          <a:stretch>
+            <a:fillRect/>
+          </a:stretch>
+        </p:blipFill>
+        <p:spPr>
+          <a:xfrm>
+            <a:off x="7874575" y="1768025"/>
+            <a:ext cx="2243975" cy="4856287"/>
+          </a:xfrm>
+          <a:prstGeom prst="rect">
+            <a:avLst/>
+          </a:prstGeom>
+          <a:noFill/>
+          <a:ln>
+            <a:noFill/>
+          </a:ln>
+        </p:spPr>
+      </p:pic>
+      <p:pic>
+        <p:nvPicPr>
+          <p:cNvPr descr="EscuelaIT Duoc UC - Escuela de Informática y Telecomunicaciones Duoc UC - Duoc  UC | LinkedIn" id="306" name="Google Shape;306;g3486e2ea373_0_0"/>
+          <p:cNvPicPr preferRelativeResize="0"/>
+          <p:nvPr/>
+        </p:nvPicPr>
+        <p:blipFill rotWithShape="1">
+          <a:blip r:embed="rId6">
+            <a:alphaModFix/>
+          </a:blip>
+          <a:srcRect b="0" l="0" r="0" t="0"/>
+          <a:stretch/>
+        </p:blipFill>
+        <p:spPr>
+          <a:xfrm>
+            <a:off x="8772152" y="207550"/>
+            <a:ext cx="3141406" cy="785352"/>
+          </a:xfrm>
+          <a:prstGeom prst="rect">
+            <a:avLst/>
+          </a:prstGeom>
+          <a:noFill/>
+          <a:ln>
+            <a:noFill/>
+          </a:ln>
+        </p:spPr>
+      </p:pic>
+      <p:sp>
+        <p:nvSpPr>
+          <p:cNvPr id="307" name="Google Shape;307;g3486e2ea373_0_0"/>
+          <p:cNvSpPr txBox="1"/>
+          <p:nvPr/>
+        </p:nvSpPr>
+        <p:spPr>
+          <a:xfrm>
+            <a:off x="136188" y="368928"/>
+            <a:ext cx="12192000" cy="369300"/>
+          </a:xfrm>
+          <a:prstGeom prst="rect">
+            <a:avLst/>
+          </a:prstGeom>
+          <a:noFill/>
+          <a:ln>
+            <a:noFill/>
+          </a:ln>
+        </p:spPr>
+        <p:txBody>
+          <a:bodyPr anchorCtr="0" anchor="t" bIns="45700" lIns="91425" spcFirstLastPara="1" rIns="91425" wrap="square" tIns="45700">
+            <a:spAutoFit/>
+          </a:bodyPr>
+          <a:lstStyle/>
+          <a:p>
+            <a:pPr indent="0" lvl="0" marL="0" marR="0" rtl="0" algn="l">
+              <a:spcBef>
+                <a:spcPts val="0"/>
+              </a:spcBef>
+              <a:spcAft>
+                <a:spcPts val="0"/>
+              </a:spcAft>
+              <a:buNone/>
+            </a:pPr>
+            <a:r>
+              <a:rPr lang="es-ES" sz="1800">
+                <a:solidFill>
+                  <a:srgbClr val="092338"/>
+                </a:solidFill>
+                <a:latin typeface="Twentieth Century"/>
+                <a:ea typeface="Twentieth Century"/>
+                <a:cs typeface="Twentieth Century"/>
+                <a:sym typeface="Twentieth Century"/>
+              </a:rPr>
+              <a:t>Proyecto “Growing APP”</a:t>
+            </a:r>
+            <a:endParaRPr/>
+          </a:p>
+        </p:txBody>
+      </p:sp>
+      <p:cxnSp>
+        <p:nvCxnSpPr>
+          <p:cNvPr id="308" name="Google Shape;308;g3486e2ea373_0_0"/>
+          <p:cNvCxnSpPr/>
+          <p:nvPr/>
+        </p:nvCxnSpPr>
+        <p:spPr>
+          <a:xfrm>
+            <a:off x="0" y="758027"/>
+            <a:ext cx="4085700" cy="0"/>
+          </a:xfrm>
+          <a:prstGeom prst="straightConnector1">
+            <a:avLst/>
+          </a:prstGeom>
+          <a:noFill/>
+          <a:ln cap="flat" cmpd="sng" w="15875">
+            <a:solidFill>
+              <a:srgbClr val="F9FCF5"/>
+            </a:solidFill>
+            <a:prstDash val="solid"/>
+            <a:round/>
+            <a:headEnd len="sm" w="sm" type="none"/>
+            <a:tailEnd len="sm" w="sm" type="none"/>
+          </a:ln>
+        </p:spPr>
+      </p:cxnSp>
+    </p:spTree>
+  </p:cSld>
+  <p:clrMapOvr>
+    <a:masterClrMapping/>
+  </p:clrMapOvr>
+</p:sld>
+</file>
+
+<file path=ppt/slides/slide9.xml><?xml version="1.0" encoding="utf-8"?>
+<p:sld xmlns:a="http://schemas.openxmlformats.org/drawingml/2006/main" xmlns:r="http://schemas.openxmlformats.org/officeDocument/2006/relationships" xmlns:mc="http://schemas.openxmlformats.org/markup-compatibility/2006" xmlns:mv="urn:schemas-microsoft-com:mac:vml" xmlns:p="http://schemas.openxmlformats.org/presentationml/2006/main" xmlns:c="http://schemas.openxmlformats.org/drawingml/2006/chart" xmlns:dgm="http://schemas.openxmlformats.org/drawingml/2006/diagram" xmlns:o="urn:schemas-microsoft-com:office:office" xmlns:v="urn:schemas-microsoft-com:vml" xmlns:pvml="urn:schemas-microsoft-com:office:powerpoint" xmlns:com="http://schemas.openxmlformats.org/drawingml/2006/compatibility" xmlns:p14="http://schemas.microsoft.com/office/powerpoint/2010/main" xmlns:p15="http://schemas.microsoft.com/office/powerpoint/2012/main" xmlns:ahyp="http://schemas.microsoft.com/office/drawing/2018/hyperlinkcolor">
+  <p:cSld>
+    <p:spTree>
+      <p:nvGrpSpPr>
+        <p:cNvPr id="312" name="Shape 312"/>
         <p:cNvGrpSpPr/>
         <p:nvPr/>
       </p:nvGrpSpPr>
@@ -30702,7 +31428,7 @@
       </p:grpSpPr>
       <p:pic>
         <p:nvPicPr>
-          <p:cNvPr descr="EscuelaIT Duoc UC - Escuela de Informática y Telecomunicaciones Duoc UC - Duoc  UC | LinkedIn" id="297" name="Google Shape;297;p7"/>
+          <p:cNvPr descr="EscuelaIT Duoc UC - Escuela de Informática y Telecomunicaciones Duoc UC - Duoc  UC | LinkedIn" id="313" name="Google Shape;313;p6"/>
           <p:cNvPicPr preferRelativeResize="0"/>
           <p:nvPr/>
         </p:nvPicPr>
@@ -30729,7 +31455,7 @@
       </p:pic>
       <p:sp>
         <p:nvSpPr>
-          <p:cNvPr id="298" name="Google Shape;298;p7"/>
+          <p:cNvPr id="314" name="Google Shape;314;p6"/>
           <p:cNvSpPr txBox="1"/>
           <p:nvPr/>
         </p:nvSpPr>
@@ -30779,14 +31505,14 @@
       </p:sp>
       <p:sp>
         <p:nvSpPr>
-          <p:cNvPr id="299" name="Google Shape;299;p7"/>
+          <p:cNvPr id="315" name="Google Shape;315;p6"/>
           <p:cNvSpPr txBox="1"/>
           <p:nvPr/>
         </p:nvSpPr>
         <p:spPr>
           <a:xfrm>
-            <a:off x="1" y="1155656"/>
-            <a:ext cx="12191999" cy="892552"/>
+            <a:off x="0" y="992905"/>
+            <a:ext cx="12192000" cy="646500"/>
           </a:xfrm>
           <a:prstGeom prst="rect">
             <a:avLst/>
@@ -30821,225 +31547,23 @@
                 <a:cs typeface="Twentieth Century"/>
                 <a:sym typeface="Twentieth Century"/>
               </a:rPr>
-              <a:t>Cronograma para el desarrollo del proyecto</a:t>
+              <a:t>Metodología SCRUM</a:t>
             </a:r>
-            <a:endParaRPr/>
-          </a:p>
-          <a:p>
-            <a:pPr indent="-285750" lvl="0" marL="285750" marR="0" rtl="0" algn="ctr">
-              <a:spcBef>
-                <a:spcPts val="0"/>
-              </a:spcBef>
-              <a:spcAft>
-                <a:spcPts val="0"/>
-              </a:spcAft>
-              <a:buClr>
-                <a:srgbClr val="092338"/>
-              </a:buClr>
-              <a:buSzPts val="1600"/>
-              <a:buFont typeface="Arial"/>
-              <a:buChar char="•"/>
-            </a:pPr>
-            <a:r>
-              <a:rPr lang="es-ES" sz="1600">
-                <a:solidFill>
-                  <a:srgbClr val="092338"/>
-                </a:solidFill>
-                <a:latin typeface="Twentieth Century"/>
-                <a:ea typeface="Twentieth Century"/>
-                <a:cs typeface="Twentieth Century"/>
-                <a:sym typeface="Twentieth Century"/>
-              </a:rPr>
-              <a:t>Insertar cronograma realizado en JIRA</a:t>
-            </a:r>
-            <a:endParaRPr/>
+            <a:endParaRPr sz="1800">
+              <a:solidFill>
+                <a:schemeClr val="lt1"/>
+              </a:solidFill>
+              <a:latin typeface="Twentieth Century"/>
+              <a:ea typeface="Twentieth Century"/>
+              <a:cs typeface="Twentieth Century"/>
+              <a:sym typeface="Twentieth Century"/>
+            </a:endParaRPr>
           </a:p>
         </p:txBody>
       </p:sp>
       <p:cxnSp>
         <p:nvCxnSpPr>
-          <p:cNvPr id="300" name="Google Shape;300;p7"/>
-          <p:cNvCxnSpPr/>
-          <p:nvPr/>
-        </p:nvCxnSpPr>
-        <p:spPr>
-          <a:xfrm>
-            <a:off x="0" y="758027"/>
-            <a:ext cx="4085617" cy="0"/>
-          </a:xfrm>
-          <a:prstGeom prst="straightConnector1">
-            <a:avLst/>
-          </a:prstGeom>
-          <a:noFill/>
-          <a:ln cap="flat" cmpd="sng" w="15875">
-            <a:solidFill>
-              <a:srgbClr val="F9FCF5"/>
-            </a:solidFill>
-            <a:prstDash val="solid"/>
-            <a:round/>
-            <a:headEnd len="sm" w="sm" type="none"/>
-            <a:tailEnd len="sm" w="sm" type="none"/>
-          </a:ln>
-        </p:spPr>
-      </p:cxnSp>
-    </p:spTree>
-  </p:cSld>
-  <p:clrMapOvr>
-    <a:masterClrMapping/>
-  </p:clrMapOvr>
-  <p:transition spd="slow">
-    <p:wipe dir="l"/>
-  </p:transition>
-</p:sld>
-</file>
-
-<file path=ppt/slides/slide8.xml><?xml version="1.0" encoding="utf-8"?>
-<p:sld xmlns:a="http://schemas.openxmlformats.org/drawingml/2006/main" xmlns:r="http://schemas.openxmlformats.org/officeDocument/2006/relationships" xmlns:mc="http://schemas.openxmlformats.org/markup-compatibility/2006" xmlns:mv="urn:schemas-microsoft-com:mac:vml" xmlns:p="http://schemas.openxmlformats.org/presentationml/2006/main" xmlns:c="http://schemas.openxmlformats.org/drawingml/2006/chart" xmlns:dgm="http://schemas.openxmlformats.org/drawingml/2006/diagram" xmlns:o="urn:schemas-microsoft-com:office:office" xmlns:v="urn:schemas-microsoft-com:vml" xmlns:pvml="urn:schemas-microsoft-com:office:powerpoint" xmlns:com="http://schemas.openxmlformats.org/drawingml/2006/compatibility" xmlns:p14="http://schemas.microsoft.com/office/powerpoint/2010/main" xmlns:p15="http://schemas.microsoft.com/office/powerpoint/2012/main" xmlns:ahyp="http://schemas.microsoft.com/office/drawing/2018/hyperlinkcolor">
-  <p:cSld>
-    <p:spTree>
-      <p:nvGrpSpPr>
-        <p:cNvPr id="304" name="Shape 304"/>
-        <p:cNvGrpSpPr/>
-        <p:nvPr/>
-      </p:nvGrpSpPr>
-      <p:grpSpPr>
-        <a:xfrm>
-          <a:off x="0" y="0"/>
-          <a:ext cx="0" cy="0"/>
-          <a:chOff x="0" y="0"/>
-          <a:chExt cx="0" cy="0"/>
-        </a:xfrm>
-      </p:grpSpPr>
-      <p:pic>
-        <p:nvPicPr>
-          <p:cNvPr descr="EscuelaIT Duoc UC - Escuela de Informática y Telecomunicaciones Duoc UC - Duoc  UC | LinkedIn" id="305" name="Google Shape;305;p8"/>
-          <p:cNvPicPr preferRelativeResize="0"/>
-          <p:nvPr/>
-        </p:nvPicPr>
-        <p:blipFill rotWithShape="1">
-          <a:blip r:embed="rId3">
-            <a:alphaModFix/>
-          </a:blip>
-          <a:srcRect b="0" l="0" r="0" t="0"/>
-          <a:stretch/>
-        </p:blipFill>
-        <p:spPr>
-          <a:xfrm>
-            <a:off x="8772152" y="207550"/>
-            <a:ext cx="3141406" cy="785352"/>
-          </a:xfrm>
-          <a:prstGeom prst="rect">
-            <a:avLst/>
-          </a:prstGeom>
-          <a:noFill/>
-          <a:ln>
-            <a:noFill/>
-          </a:ln>
-        </p:spPr>
-      </p:pic>
-      <p:sp>
-        <p:nvSpPr>
-          <p:cNvPr id="306" name="Google Shape;306;p8"/>
-          <p:cNvSpPr txBox="1"/>
-          <p:nvPr/>
-        </p:nvSpPr>
-        <p:spPr>
-          <a:xfrm>
-            <a:off x="136188" y="368928"/>
-            <a:ext cx="12191999" cy="369332"/>
-          </a:xfrm>
-          <a:prstGeom prst="rect">
-            <a:avLst/>
-          </a:prstGeom>
-          <a:noFill/>
-          <a:ln>
-            <a:noFill/>
-          </a:ln>
-        </p:spPr>
-        <p:txBody>
-          <a:bodyPr anchorCtr="0" anchor="t" bIns="45700" lIns="91425" spcFirstLastPara="1" rIns="91425" wrap="square" tIns="45700">
-            <a:spAutoFit/>
-          </a:bodyPr>
-          <a:lstStyle/>
-          <a:p>
-            <a:pPr indent="0" lvl="0" marL="0" marR="0" rtl="0" algn="l">
-              <a:spcBef>
-                <a:spcPts val="0"/>
-              </a:spcBef>
-              <a:spcAft>
-                <a:spcPts val="0"/>
-              </a:spcAft>
-              <a:buNone/>
-            </a:pPr>
-            <a:r>
-              <a:rPr lang="es-ES" sz="1800">
-                <a:solidFill>
-                  <a:srgbClr val="092338"/>
-                </a:solidFill>
-                <a:latin typeface="Twentieth Century"/>
-                <a:ea typeface="Twentieth Century"/>
-                <a:cs typeface="Twentieth Century"/>
-                <a:sym typeface="Twentieth Century"/>
-              </a:rPr>
-              <a:t>Proyecto “Growing APP”</a:t>
-            </a:r>
-            <a:endParaRPr/>
-          </a:p>
-        </p:txBody>
-      </p:sp>
-      <p:sp>
-        <p:nvSpPr>
-          <p:cNvPr id="307" name="Google Shape;307;p8"/>
-          <p:cNvSpPr txBox="1"/>
-          <p:nvPr/>
-        </p:nvSpPr>
-        <p:spPr>
-          <a:xfrm>
-            <a:off x="0" y="858810"/>
-            <a:ext cx="12191999" cy="646331"/>
-          </a:xfrm>
-          <a:prstGeom prst="rect">
-            <a:avLst/>
-          </a:prstGeom>
-          <a:noFill/>
-          <a:ln>
-            <a:noFill/>
-          </a:ln>
-        </p:spPr>
-        <p:txBody>
-          <a:bodyPr anchorCtr="0" anchor="t" bIns="45700" lIns="91425" spcFirstLastPara="1" rIns="91425" wrap="square" tIns="45700">
-            <a:spAutoFit/>
-          </a:bodyPr>
-          <a:lstStyle/>
-          <a:p>
-            <a:pPr indent="0" lvl="0" marL="0" marR="0" rtl="0" algn="ctr">
-              <a:spcBef>
-                <a:spcPts val="0"/>
-              </a:spcBef>
-              <a:spcAft>
-                <a:spcPts val="0"/>
-              </a:spcAft>
-              <a:buNone/>
-            </a:pPr>
-            <a:r>
-              <a:rPr lang="es-ES" sz="3600">
-                <a:solidFill>
-                  <a:schemeClr val="lt1"/>
-                </a:solidFill>
-                <a:latin typeface="Twentieth Century"/>
-                <a:ea typeface="Twentieth Century"/>
-                <a:cs typeface="Twentieth Century"/>
-                <a:sym typeface="Twentieth Century"/>
-              </a:rPr>
-              <a:t>Arquitectura del software</a:t>
-            </a:r>
-            <a:endParaRPr/>
-          </a:p>
-        </p:txBody>
-      </p:sp>
-      <p:cxnSp>
-        <p:nvCxnSpPr>
-          <p:cNvPr id="308" name="Google Shape;308;p8"/>
+          <p:cNvPr id="316" name="Google Shape;316;p6"/>
           <p:cNvCxnSpPr/>
           <p:nvPr/>
         </p:nvCxnSpPr>
@@ -31065,14 +31589,14 @@
       </p:cxnSp>
       <p:sp>
         <p:nvSpPr>
-          <p:cNvPr descr="Imagen" id="309" name="Google Shape;309;p8"/>
-          <p:cNvSpPr/>
+          <p:cNvPr id="317" name="Google Shape;317;p6"/>
+          <p:cNvSpPr txBox="1"/>
           <p:nvPr/>
         </p:nvSpPr>
         <p:spPr>
           <a:xfrm>
-            <a:off x="5943600" y="3276600"/>
-            <a:ext cx="2613804" cy="2613804"/>
+            <a:off x="1628106" y="2294100"/>
+            <a:ext cx="3959400" cy="2031900"/>
           </a:xfrm>
           <a:prstGeom prst="rect">
             <a:avLst/>
@@ -31084,7 +31608,7 @@
         </p:spPr>
         <p:txBody>
           <a:bodyPr anchorCtr="0" anchor="t" bIns="45700" lIns="91425" spcFirstLastPara="1" rIns="91425" wrap="square" tIns="45700">
-            <a:noAutofit/>
+            <a:spAutoFit/>
           </a:bodyPr>
           <a:lstStyle/>
           <a:p>
@@ -31098,9 +31622,37 @@
               <a:buNone/>
             </a:pPr>
             <a:r>
+              <a:rPr b="1" i="1" lang="es-ES" sz="1800">
+                <a:solidFill>
+                  <a:schemeClr val="lt1"/>
+                </a:solidFill>
+                <a:latin typeface="Twentieth Century"/>
+                <a:ea typeface="Twentieth Century"/>
+                <a:cs typeface="Twentieth Century"/>
+                <a:sym typeface="Twentieth Century"/>
+              </a:rPr>
+              <a:t>Se implementará una gestión basada en la metodología SCRUM, la cual será administrada en la plataforma JIRA.</a:t>
+            </a:r>
+            <a:endParaRPr>
+              <a:solidFill>
+                <a:schemeClr val="lt1"/>
+              </a:solidFill>
+            </a:endParaRPr>
+          </a:p>
+          <a:p>
+            <a:pPr indent="0" lvl="0" marL="0" marR="0" rtl="0" algn="l">
+              <a:spcBef>
+                <a:spcPts val="0"/>
+              </a:spcBef>
+              <a:spcAft>
+                <a:spcPts val="0"/>
+              </a:spcAft>
+              <a:buNone/>
+            </a:pPr>
+            <a:r>
               <a:t/>
             </a:r>
-            <a:endParaRPr sz="1800">
+            <a:endParaRPr b="1" i="1" sz="1800">
               <a:solidFill>
                 <a:schemeClr val="lt1"/>
               </a:solidFill>
@@ -31110,25 +31662,54 @@
               <a:sym typeface="Twentieth Century"/>
             </a:endParaRPr>
           </a:p>
+          <a:p>
+            <a:pPr indent="0" lvl="0" marL="0" marR="0" rtl="0" algn="l">
+              <a:spcBef>
+                <a:spcPts val="0"/>
+              </a:spcBef>
+              <a:spcAft>
+                <a:spcPts val="0"/>
+              </a:spcAft>
+              <a:buNone/>
+            </a:pPr>
+            <a:r>
+              <a:rPr b="1" i="1" lang="es-ES" sz="1800">
+                <a:solidFill>
+                  <a:schemeClr val="lt1"/>
+                </a:solidFill>
+                <a:latin typeface="Twentieth Century"/>
+                <a:ea typeface="Twentieth Century"/>
+                <a:cs typeface="Twentieth Century"/>
+                <a:sym typeface="Twentieth Century"/>
+              </a:rPr>
+              <a:t>En el tiempo de 10 Semanas, se tendrán un total de 5 sprints divididos según entregables y objetivos definidos.</a:t>
+            </a:r>
+            <a:endParaRPr>
+              <a:solidFill>
+                <a:schemeClr val="lt1"/>
+              </a:solidFill>
+            </a:endParaRPr>
+          </a:p>
         </p:txBody>
       </p:sp>
       <p:pic>
         <p:nvPicPr>
-          <p:cNvPr id="310" name="Google Shape;310;p8"/>
+          <p:cNvPr id="318" name="Google Shape;318;p6"/>
           <p:cNvPicPr preferRelativeResize="0"/>
           <p:nvPr/>
         </p:nvPicPr>
-        <p:blipFill rotWithShape="1">
+        <p:blipFill>
           <a:blip r:embed="rId4">
             <a:alphaModFix/>
           </a:blip>
-          <a:srcRect b="0" l="0" r="0" t="0"/>
-          <a:stretch/>
+          <a:stretch>
+            <a:fillRect/>
+          </a:stretch>
         </p:blipFill>
         <p:spPr>
           <a:xfrm>
-            <a:off x="2683490" y="1605923"/>
-            <a:ext cx="7097393" cy="5185248"/>
+            <a:off x="7771875" y="1716675"/>
+            <a:ext cx="2895525" cy="5009925"/>
           </a:xfrm>
           <a:prstGeom prst="rect">
             <a:avLst/>
@@ -31147,261 +31728,6 @@
   <p:transition spd="slow">
     <p:wipe dir="l"/>
   </p:transition>
-</p:sld>
-</file>
-
-<file path=ppt/slides/slide9.xml><?xml version="1.0" encoding="utf-8"?>
-<p:sld xmlns:a="http://schemas.openxmlformats.org/drawingml/2006/main" xmlns:r="http://schemas.openxmlformats.org/officeDocument/2006/relationships" xmlns:mc="http://schemas.openxmlformats.org/markup-compatibility/2006" xmlns:mv="urn:schemas-microsoft-com:mac:vml" xmlns:p="http://schemas.openxmlformats.org/presentationml/2006/main" xmlns:c="http://schemas.openxmlformats.org/drawingml/2006/chart" xmlns:dgm="http://schemas.openxmlformats.org/drawingml/2006/diagram" xmlns:o="urn:schemas-microsoft-com:office:office" xmlns:v="urn:schemas-microsoft-com:vml" xmlns:pvml="urn:schemas-microsoft-com:office:powerpoint" xmlns:com="http://schemas.openxmlformats.org/drawingml/2006/compatibility" xmlns:p14="http://schemas.microsoft.com/office/powerpoint/2010/main" xmlns:p15="http://schemas.microsoft.com/office/powerpoint/2012/main" xmlns:ahyp="http://schemas.microsoft.com/office/drawing/2018/hyperlinkcolor">
-  <p:cSld>
-    <p:spTree>
-      <p:nvGrpSpPr>
-        <p:cNvPr id="314" name="Shape 314"/>
-        <p:cNvGrpSpPr/>
-        <p:nvPr/>
-      </p:nvGrpSpPr>
-      <p:grpSpPr>
-        <a:xfrm>
-          <a:off x="0" y="0"/>
-          <a:ext cx="0" cy="0"/>
-          <a:chOff x="0" y="0"/>
-          <a:chExt cx="0" cy="0"/>
-        </a:xfrm>
-      </p:grpSpPr>
-      <p:pic>
-        <p:nvPicPr>
-          <p:cNvPr descr="EscuelaIT Duoc UC - Escuela de Informática y Telecomunicaciones Duoc UC - Duoc  UC | LinkedIn" id="315" name="Google Shape;315;g34047629776_0_0"/>
-          <p:cNvPicPr preferRelativeResize="0"/>
-          <p:nvPr/>
-        </p:nvPicPr>
-        <p:blipFill rotWithShape="1">
-          <a:blip r:embed="rId3">
-            <a:alphaModFix/>
-          </a:blip>
-          <a:srcRect b="0" l="0" r="0" t="0"/>
-          <a:stretch/>
-        </p:blipFill>
-        <p:spPr>
-          <a:xfrm>
-            <a:off x="8772152" y="207550"/>
-            <a:ext cx="3141406" cy="785352"/>
-          </a:xfrm>
-          <a:prstGeom prst="rect">
-            <a:avLst/>
-          </a:prstGeom>
-          <a:noFill/>
-          <a:ln>
-            <a:noFill/>
-          </a:ln>
-        </p:spPr>
-      </p:pic>
-      <p:sp>
-        <p:nvSpPr>
-          <p:cNvPr id="316" name="Google Shape;316;g34047629776_0_0"/>
-          <p:cNvSpPr txBox="1"/>
-          <p:nvPr/>
-        </p:nvSpPr>
-        <p:spPr>
-          <a:xfrm>
-            <a:off x="136188" y="368928"/>
-            <a:ext cx="12192000" cy="369300"/>
-          </a:xfrm>
-          <a:prstGeom prst="rect">
-            <a:avLst/>
-          </a:prstGeom>
-          <a:noFill/>
-          <a:ln>
-            <a:noFill/>
-          </a:ln>
-        </p:spPr>
-        <p:txBody>
-          <a:bodyPr anchorCtr="0" anchor="t" bIns="45700" lIns="91425" spcFirstLastPara="1" rIns="91425" wrap="square" tIns="45700">
-            <a:spAutoFit/>
-          </a:bodyPr>
-          <a:lstStyle/>
-          <a:p>
-            <a:pPr indent="0" lvl="0" marL="0" marR="0" rtl="0" algn="l">
-              <a:spcBef>
-                <a:spcPts val="0"/>
-              </a:spcBef>
-              <a:spcAft>
-                <a:spcPts val="0"/>
-              </a:spcAft>
-              <a:buNone/>
-            </a:pPr>
-            <a:r>
-              <a:rPr lang="es-ES" sz="1800">
-                <a:solidFill>
-                  <a:srgbClr val="092338"/>
-                </a:solidFill>
-                <a:latin typeface="Twentieth Century"/>
-                <a:ea typeface="Twentieth Century"/>
-                <a:cs typeface="Twentieth Century"/>
-                <a:sym typeface="Twentieth Century"/>
-              </a:rPr>
-              <a:t>Proyecto “Growing APP”</a:t>
-            </a:r>
-            <a:endParaRPr/>
-          </a:p>
-        </p:txBody>
-      </p:sp>
-      <p:sp>
-        <p:nvSpPr>
-          <p:cNvPr id="317" name="Google Shape;317;g34047629776_0_0"/>
-          <p:cNvSpPr txBox="1"/>
-          <p:nvPr/>
-        </p:nvSpPr>
-        <p:spPr>
-          <a:xfrm>
-            <a:off x="0" y="738235"/>
-            <a:ext cx="12192000" cy="646500"/>
-          </a:xfrm>
-          <a:prstGeom prst="rect">
-            <a:avLst/>
-          </a:prstGeom>
-          <a:noFill/>
-          <a:ln>
-            <a:noFill/>
-          </a:ln>
-        </p:spPr>
-        <p:txBody>
-          <a:bodyPr anchorCtr="0" anchor="t" bIns="45700" lIns="91425" spcFirstLastPara="1" rIns="91425" wrap="square" tIns="45700">
-            <a:spAutoFit/>
-          </a:bodyPr>
-          <a:lstStyle/>
-          <a:p>
-            <a:pPr indent="0" lvl="0" marL="0" marR="0" rtl="0" algn="ctr">
-              <a:spcBef>
-                <a:spcPts val="0"/>
-              </a:spcBef>
-              <a:spcAft>
-                <a:spcPts val="0"/>
-              </a:spcAft>
-              <a:buNone/>
-            </a:pPr>
-            <a:r>
-              <a:rPr lang="es-ES" sz="3600">
-                <a:solidFill>
-                  <a:schemeClr val="lt1"/>
-                </a:solidFill>
-                <a:latin typeface="Twentieth Century"/>
-                <a:ea typeface="Twentieth Century"/>
-                <a:cs typeface="Twentieth Century"/>
-                <a:sym typeface="Twentieth Century"/>
-              </a:rPr>
-              <a:t>Diagrama de despliegue</a:t>
-            </a:r>
-            <a:endParaRPr/>
-          </a:p>
-        </p:txBody>
-      </p:sp>
-      <p:cxnSp>
-        <p:nvCxnSpPr>
-          <p:cNvPr id="318" name="Google Shape;318;g34047629776_0_0"/>
-          <p:cNvCxnSpPr/>
-          <p:nvPr/>
-        </p:nvCxnSpPr>
-        <p:spPr>
-          <a:xfrm>
-            <a:off x="0" y="758027"/>
-            <a:ext cx="4085700" cy="0"/>
-          </a:xfrm>
-          <a:prstGeom prst="straightConnector1">
-            <a:avLst/>
-          </a:prstGeom>
-          <a:noFill/>
-          <a:ln cap="flat" cmpd="sng" w="15875">
-            <a:solidFill>
-              <a:srgbClr val="F9FCF5"/>
-            </a:solidFill>
-            <a:prstDash val="solid"/>
-            <a:round/>
-            <a:headEnd len="sm" w="sm" type="none"/>
-            <a:tailEnd len="sm" w="sm" type="none"/>
-          </a:ln>
-        </p:spPr>
-      </p:cxnSp>
-      <p:sp>
-        <p:nvSpPr>
-          <p:cNvPr descr="Imagen" id="319" name="Google Shape;319;g34047629776_0_0"/>
-          <p:cNvSpPr/>
-          <p:nvPr/>
-        </p:nvSpPr>
-        <p:spPr>
-          <a:xfrm>
-            <a:off x="5943600" y="3276600"/>
-            <a:ext cx="2613900" cy="2613900"/>
-          </a:xfrm>
-          <a:prstGeom prst="rect">
-            <a:avLst/>
-          </a:prstGeom>
-          <a:noFill/>
-          <a:ln>
-            <a:noFill/>
-          </a:ln>
-        </p:spPr>
-        <p:txBody>
-          <a:bodyPr anchorCtr="0" anchor="t" bIns="45700" lIns="91425" spcFirstLastPara="1" rIns="91425" wrap="square" tIns="45700">
-            <a:noAutofit/>
-          </a:bodyPr>
-          <a:lstStyle/>
-          <a:p>
-            <a:pPr indent="0" lvl="0" marL="0" marR="0" rtl="0" algn="l">
-              <a:spcBef>
-                <a:spcPts val="0"/>
-              </a:spcBef>
-              <a:spcAft>
-                <a:spcPts val="0"/>
-              </a:spcAft>
-              <a:buNone/>
-            </a:pPr>
-            <a:r>
-              <a:t/>
-            </a:r>
-            <a:endParaRPr sz="1800">
-              <a:solidFill>
-                <a:schemeClr val="lt1"/>
-              </a:solidFill>
-              <a:latin typeface="Twentieth Century"/>
-              <a:ea typeface="Twentieth Century"/>
-              <a:cs typeface="Twentieth Century"/>
-              <a:sym typeface="Twentieth Century"/>
-            </a:endParaRPr>
-          </a:p>
-        </p:txBody>
-      </p:sp>
-      <p:pic>
-        <p:nvPicPr>
-          <p:cNvPr id="320" name="Google Shape;320;g34047629776_0_0"/>
-          <p:cNvPicPr preferRelativeResize="0"/>
-          <p:nvPr/>
-        </p:nvPicPr>
-        <p:blipFill>
-          <a:blip r:embed="rId4">
-            <a:alphaModFix/>
-          </a:blip>
-          <a:stretch>
-            <a:fillRect/>
-          </a:stretch>
-        </p:blipFill>
-        <p:spPr>
-          <a:xfrm>
-            <a:off x="1674082" y="1384725"/>
-            <a:ext cx="8171119" cy="5289649"/>
-          </a:xfrm>
-          <a:prstGeom prst="rect">
-            <a:avLst/>
-          </a:prstGeom>
-          <a:noFill/>
-          <a:ln>
-            <a:noFill/>
-          </a:ln>
-        </p:spPr>
-      </p:pic>
-    </p:spTree>
-  </p:cSld>
-  <p:clrMapOvr>
-    <a:masterClrMapping/>
-  </p:clrMapOvr>
 </p:sld>
 </file>
 

--- a/Entrega Grupal/Presentacion EA1.pptx
+++ b/Entrega Grupal/Presentacion EA1.pptx
@@ -263,7 +263,7 @@
   </p:defaultTextStyle>
   <p:extLst>
     <p:ext uri="GoogleSlidesCustomDataVersion2">
-      <go:slidesCustomData xmlns:go="http://customooxmlschemas.google.com/" r:id="rId21" roundtripDataSignature="AMtx7mjoSUDUAoDjYPzllh0SIhT0CBakDQ=="/>
+      <go:slidesCustomData xmlns:go="http://customooxmlschemas.google.com/" r:id="rId21" roundtripDataSignature="AMtx7mgiXnk6bwtkNAigHjaInwkiEj0VSQ=="/>
     </p:ext>
   </p:extLst>
 </p:presentation>
@@ -799,7 +799,7 @@
   <p:cSld>
     <p:spTree>
       <p:nvGrpSpPr>
-        <p:cNvPr id="319" name="Shape 319"/>
+        <p:cNvPr id="317" name="Shape 317"/>
         <p:cNvGrpSpPr/>
         <p:nvPr/>
       </p:nvGrpSpPr>
@@ -813,7 +813,42 @@
       </p:grpSpPr>
       <p:sp>
         <p:nvSpPr>
-          <p:cNvPr id="320" name="Google Shape;320;p7:notes"/>
+          <p:cNvPr id="318" name="Google Shape;318;g3487b8c5fce_1_11:notes"/>
+          <p:cNvSpPr/>
+          <p:nvPr>
+            <p:ph idx="2" type="sldImg"/>
+          </p:nvPr>
+        </p:nvSpPr>
+        <p:spPr>
+          <a:xfrm>
+            <a:off x="1143225" y="685800"/>
+            <a:ext cx="4572300" cy="3429000"/>
+          </a:xfrm>
+          <a:custGeom>
+            <a:rect b="b" l="l" r="r" t="t"/>
+            <a:pathLst>
+              <a:path extrusionOk="0" h="120000" w="120000">
+                <a:moveTo>
+                  <a:pt x="0" y="0"/>
+                </a:moveTo>
+                <a:lnTo>
+                  <a:pt x="120000" y="0"/>
+                </a:lnTo>
+                <a:lnTo>
+                  <a:pt x="120000" y="120000"/>
+                </a:lnTo>
+                <a:lnTo>
+                  <a:pt x="0" y="120000"/>
+                </a:lnTo>
+                <a:close/>
+              </a:path>
+            </a:pathLst>
+          </a:custGeom>
+        </p:spPr>
+      </p:sp>
+      <p:sp>
+        <p:nvSpPr>
+          <p:cNvPr id="319" name="Google Shape;319;g3487b8c5fce_1_11:notes"/>
           <p:cNvSpPr txBox="1"/>
           <p:nvPr>
             <p:ph idx="1" type="body"/>
@@ -850,9 +885,73 @@
           </a:p>
         </p:txBody>
       </p:sp>
+    </p:spTree>
+  </p:cSld>
+  <p:clrMapOvr>
+    <a:masterClrMapping/>
+  </p:clrMapOvr>
+</p:notes>
+</file>
+
+<file path=ppt/notesSlides/notesSlide11.xml><?xml version="1.0" encoding="utf-8"?>
+<p:notes xmlns:a="http://schemas.openxmlformats.org/drawingml/2006/main" xmlns:r="http://schemas.openxmlformats.org/officeDocument/2006/relationships" xmlns:mc="http://schemas.openxmlformats.org/markup-compatibility/2006" xmlns:mv="urn:schemas-microsoft-com:mac:vml" xmlns:p="http://schemas.openxmlformats.org/presentationml/2006/main" xmlns:c="http://schemas.openxmlformats.org/drawingml/2006/chart" xmlns:dgm="http://schemas.openxmlformats.org/drawingml/2006/diagram" xmlns:o="urn:schemas-microsoft-com:office:office" xmlns:v="urn:schemas-microsoft-com:vml" xmlns:pvml="urn:schemas-microsoft-com:office:powerpoint" xmlns:com="http://schemas.openxmlformats.org/drawingml/2006/compatibility" xmlns:p14="http://schemas.microsoft.com/office/powerpoint/2010/main" xmlns:p15="http://schemas.microsoft.com/office/powerpoint/2012/main" xmlns:ahyp="http://schemas.microsoft.com/office/drawing/2018/hyperlinkcolor" showMasterPhAnim="0" showMasterSp="0">
+  <p:cSld>
+    <p:spTree>
+      <p:nvGrpSpPr>
+        <p:cNvPr id="326" name="Shape 326"/>
+        <p:cNvGrpSpPr/>
+        <p:nvPr/>
+      </p:nvGrpSpPr>
+      <p:grpSpPr>
+        <a:xfrm>
+          <a:off x="0" y="0"/>
+          <a:ext cx="0" cy="0"/>
+          <a:chOff x="0" y="0"/>
+          <a:chExt cx="0" cy="0"/>
+        </a:xfrm>
+      </p:grpSpPr>
       <p:sp>
         <p:nvSpPr>
-          <p:cNvPr id="321" name="Google Shape;321;p7:notes"/>
+          <p:cNvPr id="327" name="Google Shape;327;p8:notes"/>
+          <p:cNvSpPr txBox="1"/>
+          <p:nvPr>
+            <p:ph idx="1" type="body"/>
+          </p:nvPr>
+        </p:nvSpPr>
+        <p:spPr>
+          <a:xfrm>
+            <a:off x="685800" y="4343400"/>
+            <a:ext cx="5486400" cy="4114800"/>
+          </a:xfrm>
+          <a:prstGeom prst="rect">
+            <a:avLst/>
+          </a:prstGeom>
+        </p:spPr>
+        <p:txBody>
+          <a:bodyPr anchorCtr="0" anchor="t" bIns="91425" lIns="91425" spcFirstLastPara="1" rIns="91425" wrap="square" tIns="91425">
+            <a:noAutofit/>
+          </a:bodyPr>
+          <a:lstStyle/>
+          <a:p>
+            <a:pPr indent="0" lvl="0" marL="0" rtl="0" algn="l">
+              <a:spcBef>
+                <a:spcPts val="0"/>
+              </a:spcBef>
+              <a:spcAft>
+                <a:spcPts val="0"/>
+              </a:spcAft>
+              <a:buNone/>
+            </a:pPr>
+            <a:r>
+              <a:t/>
+            </a:r>
+            <a:endParaRPr/>
+          </a:p>
+        </p:txBody>
+      </p:sp>
+      <p:sp>
+        <p:nvSpPr>
+          <p:cNvPr id="328" name="Google Shape;328;p8:notes"/>
           <p:cNvSpPr/>
           <p:nvPr>
             <p:ph idx="2" type="sldImg"/>
@@ -893,12 +992,12 @@
 </p:notes>
 </file>
 
-<file path=ppt/notesSlides/notesSlide11.xml><?xml version="1.0" encoding="utf-8"?>
+<file path=ppt/notesSlides/notesSlide12.xml><?xml version="1.0" encoding="utf-8"?>
 <p:notes xmlns:a="http://schemas.openxmlformats.org/drawingml/2006/main" xmlns:r="http://schemas.openxmlformats.org/officeDocument/2006/relationships" xmlns:mc="http://schemas.openxmlformats.org/markup-compatibility/2006" xmlns:mv="urn:schemas-microsoft-com:mac:vml" xmlns:p="http://schemas.openxmlformats.org/presentationml/2006/main" xmlns:c="http://schemas.openxmlformats.org/drawingml/2006/chart" xmlns:dgm="http://schemas.openxmlformats.org/drawingml/2006/diagram" xmlns:o="urn:schemas-microsoft-com:office:office" xmlns:v="urn:schemas-microsoft-com:vml" xmlns:pvml="urn:schemas-microsoft-com:office:powerpoint" xmlns:com="http://schemas.openxmlformats.org/drawingml/2006/compatibility" xmlns:p14="http://schemas.microsoft.com/office/powerpoint/2010/main" xmlns:p15="http://schemas.microsoft.com/office/powerpoint/2012/main" xmlns:ahyp="http://schemas.microsoft.com/office/drawing/2018/hyperlinkcolor" showMasterPhAnim="0" showMasterSp="0">
   <p:cSld>
     <p:spTree>
       <p:nvGrpSpPr>
-        <p:cNvPr id="328" name="Shape 328"/>
+        <p:cNvPr id="336" name="Shape 336"/>
         <p:cNvGrpSpPr/>
         <p:nvPr/>
       </p:nvGrpSpPr>
@@ -912,7 +1011,46 @@
       </p:grpSpPr>
       <p:sp>
         <p:nvSpPr>
-          <p:cNvPr id="329" name="Google Shape;329;g3487b8c5fce_1_11:notes"/>
+          <p:cNvPr id="337" name="Google Shape;337;g34047629776_0_0:notes"/>
+          <p:cNvSpPr txBox="1"/>
+          <p:nvPr>
+            <p:ph idx="1" type="body"/>
+          </p:nvPr>
+        </p:nvSpPr>
+        <p:spPr>
+          <a:xfrm>
+            <a:off x="685800" y="4343400"/>
+            <a:ext cx="5486400" cy="4114800"/>
+          </a:xfrm>
+          <a:prstGeom prst="rect">
+            <a:avLst/>
+          </a:prstGeom>
+        </p:spPr>
+        <p:txBody>
+          <a:bodyPr anchorCtr="0" anchor="t" bIns="91425" lIns="91425" spcFirstLastPara="1" rIns="91425" wrap="square" tIns="91425">
+            <a:noAutofit/>
+          </a:bodyPr>
+          <a:lstStyle/>
+          <a:p>
+            <a:pPr indent="0" lvl="0" marL="0" rtl="0" algn="l">
+              <a:spcBef>
+                <a:spcPts val="0"/>
+              </a:spcBef>
+              <a:spcAft>
+                <a:spcPts val="0"/>
+              </a:spcAft>
+              <a:buNone/>
+            </a:pPr>
+            <a:r>
+              <a:t/>
+            </a:r>
+            <a:endParaRPr/>
+          </a:p>
+        </p:txBody>
+      </p:sp>
+      <p:sp>
+        <p:nvSpPr>
+          <p:cNvPr id="338" name="Google Shape;338;g34047629776_0_0:notes"/>
           <p:cNvSpPr/>
           <p:nvPr>
             <p:ph idx="2" type="sldImg"/>
@@ -945,9 +1083,34 @@
           </a:custGeom>
         </p:spPr>
       </p:sp>
+    </p:spTree>
+  </p:cSld>
+  <p:clrMapOvr>
+    <a:masterClrMapping/>
+  </p:clrMapOvr>
+</p:notes>
+</file>
+
+<file path=ppt/notesSlides/notesSlide13.xml><?xml version="1.0" encoding="utf-8"?>
+<p:notes xmlns:a="http://schemas.openxmlformats.org/drawingml/2006/main" xmlns:r="http://schemas.openxmlformats.org/officeDocument/2006/relationships" xmlns:mc="http://schemas.openxmlformats.org/markup-compatibility/2006" xmlns:mv="urn:schemas-microsoft-com:mac:vml" xmlns:p="http://schemas.openxmlformats.org/presentationml/2006/main" xmlns:c="http://schemas.openxmlformats.org/drawingml/2006/chart" xmlns:dgm="http://schemas.openxmlformats.org/drawingml/2006/diagram" xmlns:o="urn:schemas-microsoft-com:office:office" xmlns:v="urn:schemas-microsoft-com:vml" xmlns:pvml="urn:schemas-microsoft-com:office:powerpoint" xmlns:com="http://schemas.openxmlformats.org/drawingml/2006/compatibility" xmlns:p14="http://schemas.microsoft.com/office/powerpoint/2010/main" xmlns:p15="http://schemas.microsoft.com/office/powerpoint/2012/main" xmlns:ahyp="http://schemas.microsoft.com/office/drawing/2018/hyperlinkcolor" showMasterPhAnim="0" showMasterSp="0">
+  <p:cSld>
+    <p:spTree>
+      <p:nvGrpSpPr>
+        <p:cNvPr id="346" name="Shape 346"/>
+        <p:cNvGrpSpPr/>
+        <p:nvPr/>
+      </p:nvGrpSpPr>
+      <p:grpSpPr>
+        <a:xfrm>
+          <a:off x="0" y="0"/>
+          <a:ext cx="0" cy="0"/>
+          <a:chOff x="0" y="0"/>
+          <a:chExt cx="0" cy="0"/>
+        </a:xfrm>
+      </p:grpSpPr>
       <p:sp>
         <p:nvSpPr>
-          <p:cNvPr id="330" name="Google Shape;330;g3487b8c5fce_1_11:notes"/>
+          <p:cNvPr id="347" name="Google Shape;347;p9:notes"/>
           <p:cNvSpPr txBox="1"/>
           <p:nvPr>
             <p:ph idx="1" type="body"/>
@@ -984,73 +1147,9 @@
           </a:p>
         </p:txBody>
       </p:sp>
-    </p:spTree>
-  </p:cSld>
-  <p:clrMapOvr>
-    <a:masterClrMapping/>
-  </p:clrMapOvr>
-</p:notes>
-</file>
-
-<file path=ppt/notesSlides/notesSlide12.xml><?xml version="1.0" encoding="utf-8"?>
-<p:notes xmlns:a="http://schemas.openxmlformats.org/drawingml/2006/main" xmlns:r="http://schemas.openxmlformats.org/officeDocument/2006/relationships" xmlns:mc="http://schemas.openxmlformats.org/markup-compatibility/2006" xmlns:mv="urn:schemas-microsoft-com:mac:vml" xmlns:p="http://schemas.openxmlformats.org/presentationml/2006/main" xmlns:c="http://schemas.openxmlformats.org/drawingml/2006/chart" xmlns:dgm="http://schemas.openxmlformats.org/drawingml/2006/diagram" xmlns:o="urn:schemas-microsoft-com:office:office" xmlns:v="urn:schemas-microsoft-com:vml" xmlns:pvml="urn:schemas-microsoft-com:office:powerpoint" xmlns:com="http://schemas.openxmlformats.org/drawingml/2006/compatibility" xmlns:p14="http://schemas.microsoft.com/office/powerpoint/2010/main" xmlns:p15="http://schemas.microsoft.com/office/powerpoint/2012/main" xmlns:ahyp="http://schemas.microsoft.com/office/drawing/2018/hyperlinkcolor" showMasterPhAnim="0" showMasterSp="0">
-  <p:cSld>
-    <p:spTree>
-      <p:nvGrpSpPr>
-        <p:cNvPr id="337" name="Shape 337"/>
-        <p:cNvGrpSpPr/>
-        <p:nvPr/>
-      </p:nvGrpSpPr>
-      <p:grpSpPr>
-        <a:xfrm>
-          <a:off x="0" y="0"/>
-          <a:ext cx="0" cy="0"/>
-          <a:chOff x="0" y="0"/>
-          <a:chExt cx="0" cy="0"/>
-        </a:xfrm>
-      </p:grpSpPr>
       <p:sp>
         <p:nvSpPr>
-          <p:cNvPr id="338" name="Google Shape;338;p8:notes"/>
-          <p:cNvSpPr txBox="1"/>
-          <p:nvPr>
-            <p:ph idx="1" type="body"/>
-          </p:nvPr>
-        </p:nvSpPr>
-        <p:spPr>
-          <a:xfrm>
-            <a:off x="685800" y="4343400"/>
-            <a:ext cx="5486400" cy="4114800"/>
-          </a:xfrm>
-          <a:prstGeom prst="rect">
-            <a:avLst/>
-          </a:prstGeom>
-        </p:spPr>
-        <p:txBody>
-          <a:bodyPr anchorCtr="0" anchor="t" bIns="91425" lIns="91425" spcFirstLastPara="1" rIns="91425" wrap="square" tIns="91425">
-            <a:noAutofit/>
-          </a:bodyPr>
-          <a:lstStyle/>
-          <a:p>
-            <a:pPr indent="0" lvl="0" marL="0" rtl="0" algn="l">
-              <a:spcBef>
-                <a:spcPts val="0"/>
-              </a:spcBef>
-              <a:spcAft>
-                <a:spcPts val="0"/>
-              </a:spcAft>
-              <a:buNone/>
-            </a:pPr>
-            <a:r>
-              <a:t/>
-            </a:r>
-            <a:endParaRPr/>
-          </a:p>
-        </p:txBody>
-      </p:sp>
-      <p:sp>
-        <p:nvSpPr>
-          <p:cNvPr id="339" name="Google Shape;339;p8:notes"/>
+          <p:cNvPr id="348" name="Google Shape;348;p9:notes"/>
           <p:cNvSpPr/>
           <p:nvPr>
             <p:ph idx="2" type="sldImg"/>
@@ -1091,12 +1190,12 @@
 </p:notes>
 </file>
 
-<file path=ppt/notesSlides/notesSlide13.xml><?xml version="1.0" encoding="utf-8"?>
+<file path=ppt/notesSlides/notesSlide14.xml><?xml version="1.0" encoding="utf-8"?>
 <p:notes xmlns:a="http://schemas.openxmlformats.org/drawingml/2006/main" xmlns:r="http://schemas.openxmlformats.org/officeDocument/2006/relationships" xmlns:mc="http://schemas.openxmlformats.org/markup-compatibility/2006" xmlns:mv="urn:schemas-microsoft-com:mac:vml" xmlns:p="http://schemas.openxmlformats.org/presentationml/2006/main" xmlns:c="http://schemas.openxmlformats.org/drawingml/2006/chart" xmlns:dgm="http://schemas.openxmlformats.org/drawingml/2006/diagram" xmlns:o="urn:schemas-microsoft-com:office:office" xmlns:v="urn:schemas-microsoft-com:vml" xmlns:pvml="urn:schemas-microsoft-com:office:powerpoint" xmlns:com="http://schemas.openxmlformats.org/drawingml/2006/compatibility" xmlns:p14="http://schemas.microsoft.com/office/powerpoint/2010/main" xmlns:p15="http://schemas.microsoft.com/office/powerpoint/2012/main" xmlns:ahyp="http://schemas.microsoft.com/office/drawing/2018/hyperlinkcolor" showMasterPhAnim="0" showMasterSp="0">
   <p:cSld>
     <p:spTree>
       <p:nvGrpSpPr>
-        <p:cNvPr id="347" name="Shape 347"/>
+        <p:cNvPr id="355" name="Shape 355"/>
         <p:cNvGrpSpPr/>
         <p:nvPr/>
       </p:nvGrpSpPr>
@@ -1110,46 +1209,7 @@
       </p:grpSpPr>
       <p:sp>
         <p:nvSpPr>
-          <p:cNvPr id="348" name="Google Shape;348;g34047629776_0_0:notes"/>
-          <p:cNvSpPr txBox="1"/>
-          <p:nvPr>
-            <p:ph idx="1" type="body"/>
-          </p:nvPr>
-        </p:nvSpPr>
-        <p:spPr>
-          <a:xfrm>
-            <a:off x="685800" y="4343400"/>
-            <a:ext cx="5486400" cy="4114800"/>
-          </a:xfrm>
-          <a:prstGeom prst="rect">
-            <a:avLst/>
-          </a:prstGeom>
-        </p:spPr>
-        <p:txBody>
-          <a:bodyPr anchorCtr="0" anchor="t" bIns="91425" lIns="91425" spcFirstLastPara="1" rIns="91425" wrap="square" tIns="91425">
-            <a:noAutofit/>
-          </a:bodyPr>
-          <a:lstStyle/>
-          <a:p>
-            <a:pPr indent="0" lvl="0" marL="0" rtl="0" algn="l">
-              <a:spcBef>
-                <a:spcPts val="0"/>
-              </a:spcBef>
-              <a:spcAft>
-                <a:spcPts val="0"/>
-              </a:spcAft>
-              <a:buNone/>
-            </a:pPr>
-            <a:r>
-              <a:t/>
-            </a:r>
-            <a:endParaRPr/>
-          </a:p>
-        </p:txBody>
-      </p:sp>
-      <p:sp>
-        <p:nvSpPr>
-          <p:cNvPr id="349" name="Google Shape;349;g34047629776_0_0:notes"/>
+          <p:cNvPr id="356" name="Google Shape;356;g3486e2ea373_0_0:notes"/>
           <p:cNvSpPr/>
           <p:nvPr>
             <p:ph idx="2" type="sldImg"/>
@@ -1182,34 +1242,9 @@
           </a:custGeom>
         </p:spPr>
       </p:sp>
-    </p:spTree>
-  </p:cSld>
-  <p:clrMapOvr>
-    <a:masterClrMapping/>
-  </p:clrMapOvr>
-</p:notes>
-</file>
-
-<file path=ppt/notesSlides/notesSlide14.xml><?xml version="1.0" encoding="utf-8"?>
-<p:notes xmlns:a="http://schemas.openxmlformats.org/drawingml/2006/main" xmlns:r="http://schemas.openxmlformats.org/officeDocument/2006/relationships" xmlns:mc="http://schemas.openxmlformats.org/markup-compatibility/2006" xmlns:mv="urn:schemas-microsoft-com:mac:vml" xmlns:p="http://schemas.openxmlformats.org/presentationml/2006/main" xmlns:c="http://schemas.openxmlformats.org/drawingml/2006/chart" xmlns:dgm="http://schemas.openxmlformats.org/drawingml/2006/diagram" xmlns:o="urn:schemas-microsoft-com:office:office" xmlns:v="urn:schemas-microsoft-com:vml" xmlns:pvml="urn:schemas-microsoft-com:office:powerpoint" xmlns:com="http://schemas.openxmlformats.org/drawingml/2006/compatibility" xmlns:p14="http://schemas.microsoft.com/office/powerpoint/2010/main" xmlns:p15="http://schemas.microsoft.com/office/powerpoint/2012/main" xmlns:ahyp="http://schemas.microsoft.com/office/drawing/2018/hyperlinkcolor" showMasterPhAnim="0" showMasterSp="0">
-  <p:cSld>
-    <p:spTree>
-      <p:nvGrpSpPr>
-        <p:cNvPr id="357" name="Shape 357"/>
-        <p:cNvGrpSpPr/>
-        <p:nvPr/>
-      </p:nvGrpSpPr>
-      <p:grpSpPr>
-        <a:xfrm>
-          <a:off x="0" y="0"/>
-          <a:ext cx="0" cy="0"/>
-          <a:chOff x="0" y="0"/>
-          <a:chExt cx="0" cy="0"/>
-        </a:xfrm>
-      </p:grpSpPr>
       <p:sp>
         <p:nvSpPr>
-          <p:cNvPr id="358" name="Google Shape;358;p9:notes"/>
+          <p:cNvPr id="357" name="Google Shape;357;g3486e2ea373_0_0:notes"/>
           <p:cNvSpPr txBox="1"/>
           <p:nvPr>
             <p:ph idx="1" type="body"/>
@@ -1245,41 +1280,6 @@
             <a:endParaRPr/>
           </a:p>
         </p:txBody>
-      </p:sp>
-      <p:sp>
-        <p:nvSpPr>
-          <p:cNvPr id="359" name="Google Shape;359;p9:notes"/>
-          <p:cNvSpPr/>
-          <p:nvPr>
-            <p:ph idx="2" type="sldImg"/>
-          </p:nvPr>
-        </p:nvSpPr>
-        <p:spPr>
-          <a:xfrm>
-            <a:off x="1143225" y="685800"/>
-            <a:ext cx="4572225" cy="3429000"/>
-          </a:xfrm>
-          <a:custGeom>
-            <a:rect b="b" l="l" r="r" t="t"/>
-            <a:pathLst>
-              <a:path extrusionOk="0" h="120000" w="120000">
-                <a:moveTo>
-                  <a:pt x="0" y="0"/>
-                </a:moveTo>
-                <a:lnTo>
-                  <a:pt x="120000" y="0"/>
-                </a:lnTo>
-                <a:lnTo>
-                  <a:pt x="120000" y="120000"/>
-                </a:lnTo>
-                <a:lnTo>
-                  <a:pt x="0" y="120000"/>
-                </a:lnTo>
-                <a:close/>
-              </a:path>
-            </a:pathLst>
-          </a:custGeom>
-        </p:spPr>
       </p:sp>
     </p:spTree>
   </p:cSld>
@@ -1902,7 +1902,46 @@
       </p:grpSpPr>
       <p:sp>
         <p:nvSpPr>
-          <p:cNvPr id="299" name="Google Shape;299;g3486e2ea373_0_0:notes"/>
+          <p:cNvPr id="299" name="Google Shape;299;p6:notes"/>
+          <p:cNvSpPr txBox="1"/>
+          <p:nvPr>
+            <p:ph idx="1" type="body"/>
+          </p:nvPr>
+        </p:nvSpPr>
+        <p:spPr>
+          <a:xfrm>
+            <a:off x="685800" y="4343400"/>
+            <a:ext cx="5486400" cy="4114800"/>
+          </a:xfrm>
+          <a:prstGeom prst="rect">
+            <a:avLst/>
+          </a:prstGeom>
+        </p:spPr>
+        <p:txBody>
+          <a:bodyPr anchorCtr="0" anchor="t" bIns="91425" lIns="91425" spcFirstLastPara="1" rIns="91425" wrap="square" tIns="91425">
+            <a:noAutofit/>
+          </a:bodyPr>
+          <a:lstStyle/>
+          <a:p>
+            <a:pPr indent="0" lvl="0" marL="0" rtl="0" algn="l">
+              <a:spcBef>
+                <a:spcPts val="0"/>
+              </a:spcBef>
+              <a:spcAft>
+                <a:spcPts val="0"/>
+              </a:spcAft>
+              <a:buNone/>
+            </a:pPr>
+            <a:r>
+              <a:t/>
+            </a:r>
+            <a:endParaRPr/>
+          </a:p>
+        </p:txBody>
+      </p:sp>
+      <p:sp>
+        <p:nvSpPr>
+          <p:cNvPr id="300" name="Google Shape;300;p6:notes"/>
           <p:cNvSpPr/>
           <p:nvPr>
             <p:ph idx="2" type="sldImg"/>
@@ -1911,7 +1950,7 @@
         <p:spPr>
           <a:xfrm>
             <a:off x="1143225" y="685800"/>
-            <a:ext cx="4572300" cy="3429000"/>
+            <a:ext cx="4572225" cy="3429000"/>
           </a:xfrm>
           <a:custGeom>
             <a:rect b="b" l="l" r="r" t="t"/>
@@ -1935,9 +1974,34 @@
           </a:custGeom>
         </p:spPr>
       </p:sp>
+    </p:spTree>
+  </p:cSld>
+  <p:clrMapOvr>
+    <a:masterClrMapping/>
+  </p:clrMapOvr>
+</p:notes>
+</file>
+
+<file path=ppt/notesSlides/notesSlide9.xml><?xml version="1.0" encoding="utf-8"?>
+<p:notes xmlns:a="http://schemas.openxmlformats.org/drawingml/2006/main" xmlns:r="http://schemas.openxmlformats.org/officeDocument/2006/relationships" xmlns:mc="http://schemas.openxmlformats.org/markup-compatibility/2006" xmlns:mv="urn:schemas-microsoft-com:mac:vml" xmlns:p="http://schemas.openxmlformats.org/presentationml/2006/main" xmlns:c="http://schemas.openxmlformats.org/drawingml/2006/chart" xmlns:dgm="http://schemas.openxmlformats.org/drawingml/2006/diagram" xmlns:o="urn:schemas-microsoft-com:office:office" xmlns:v="urn:schemas-microsoft-com:vml" xmlns:pvml="urn:schemas-microsoft-com:office:powerpoint" xmlns:com="http://schemas.openxmlformats.org/drawingml/2006/compatibility" xmlns:p14="http://schemas.microsoft.com/office/powerpoint/2010/main" xmlns:p15="http://schemas.microsoft.com/office/powerpoint/2012/main" xmlns:ahyp="http://schemas.microsoft.com/office/drawing/2018/hyperlinkcolor" showMasterPhAnim="0" showMasterSp="0">
+  <p:cSld>
+    <p:spTree>
+      <p:nvGrpSpPr>
+        <p:cNvPr id="308" name="Shape 308"/>
+        <p:cNvGrpSpPr/>
+        <p:nvPr/>
+      </p:nvGrpSpPr>
+      <p:grpSpPr>
+        <a:xfrm>
+          <a:off x="0" y="0"/>
+          <a:ext cx="0" cy="0"/>
+          <a:chOff x="0" y="0"/>
+          <a:chExt cx="0" cy="0"/>
+        </a:xfrm>
+      </p:grpSpPr>
       <p:sp>
         <p:nvSpPr>
-          <p:cNvPr id="300" name="Google Shape;300;g3486e2ea373_0_0:notes"/>
+          <p:cNvPr id="309" name="Google Shape;309;p7:notes"/>
           <p:cNvSpPr txBox="1"/>
           <p:nvPr>
             <p:ph idx="1" type="body"/>
@@ -1974,73 +2038,9 @@
           </a:p>
         </p:txBody>
       </p:sp>
-    </p:spTree>
-  </p:cSld>
-  <p:clrMapOvr>
-    <a:masterClrMapping/>
-  </p:clrMapOvr>
-</p:notes>
-</file>
-
-<file path=ppt/notesSlides/notesSlide9.xml><?xml version="1.0" encoding="utf-8"?>
-<p:notes xmlns:a="http://schemas.openxmlformats.org/drawingml/2006/main" xmlns:r="http://schemas.openxmlformats.org/officeDocument/2006/relationships" xmlns:mc="http://schemas.openxmlformats.org/markup-compatibility/2006" xmlns:mv="urn:schemas-microsoft-com:mac:vml" xmlns:p="http://schemas.openxmlformats.org/presentationml/2006/main" xmlns:c="http://schemas.openxmlformats.org/drawingml/2006/chart" xmlns:dgm="http://schemas.openxmlformats.org/drawingml/2006/diagram" xmlns:o="urn:schemas-microsoft-com:office:office" xmlns:v="urn:schemas-microsoft-com:vml" xmlns:pvml="urn:schemas-microsoft-com:office:powerpoint" xmlns:com="http://schemas.openxmlformats.org/drawingml/2006/compatibility" xmlns:p14="http://schemas.microsoft.com/office/powerpoint/2010/main" xmlns:p15="http://schemas.microsoft.com/office/powerpoint/2012/main" xmlns:ahyp="http://schemas.microsoft.com/office/drawing/2018/hyperlinkcolor" showMasterPhAnim="0" showMasterSp="0">
-  <p:cSld>
-    <p:spTree>
-      <p:nvGrpSpPr>
-        <p:cNvPr id="309" name="Shape 309"/>
-        <p:cNvGrpSpPr/>
-        <p:nvPr/>
-      </p:nvGrpSpPr>
-      <p:grpSpPr>
-        <a:xfrm>
-          <a:off x="0" y="0"/>
-          <a:ext cx="0" cy="0"/>
-          <a:chOff x="0" y="0"/>
-          <a:chExt cx="0" cy="0"/>
-        </a:xfrm>
-      </p:grpSpPr>
       <p:sp>
         <p:nvSpPr>
-          <p:cNvPr id="310" name="Google Shape;310;p6:notes"/>
-          <p:cNvSpPr txBox="1"/>
-          <p:nvPr>
-            <p:ph idx="1" type="body"/>
-          </p:nvPr>
-        </p:nvSpPr>
-        <p:spPr>
-          <a:xfrm>
-            <a:off x="685800" y="4343400"/>
-            <a:ext cx="5486400" cy="4114800"/>
-          </a:xfrm>
-          <a:prstGeom prst="rect">
-            <a:avLst/>
-          </a:prstGeom>
-        </p:spPr>
-        <p:txBody>
-          <a:bodyPr anchorCtr="0" anchor="t" bIns="91425" lIns="91425" spcFirstLastPara="1" rIns="91425" wrap="square" tIns="91425">
-            <a:noAutofit/>
-          </a:bodyPr>
-          <a:lstStyle/>
-          <a:p>
-            <a:pPr indent="0" lvl="0" marL="0" rtl="0" algn="l">
-              <a:spcBef>
-                <a:spcPts val="0"/>
-              </a:spcBef>
-              <a:spcAft>
-                <a:spcPts val="0"/>
-              </a:spcAft>
-              <a:buNone/>
-            </a:pPr>
-            <a:r>
-              <a:t/>
-            </a:r>
-            <a:endParaRPr/>
-          </a:p>
-        </p:txBody>
-      </p:sp>
-      <p:sp>
-        <p:nvSpPr>
-          <p:cNvPr id="311" name="Google Shape;311;p6:notes"/>
+          <p:cNvPr id="310" name="Google Shape;310;p7:notes"/>
           <p:cNvSpPr/>
           <p:nvPr>
             <p:ph idx="2" type="sldImg"/>
@@ -26257,7 +26257,7 @@
   <p:cSld>
     <p:spTree>
       <p:nvGrpSpPr>
-        <p:cNvPr id="322" name="Shape 322"/>
+        <p:cNvPr id="320" name="Shape 320"/>
         <p:cNvGrpSpPr/>
         <p:nvPr/>
       </p:nvGrpSpPr>
@@ -26271,7 +26271,7 @@
       </p:grpSpPr>
       <p:pic>
         <p:nvPicPr>
-          <p:cNvPr descr="EscuelaIT Duoc UC - Escuela de Informática y Telecomunicaciones Duoc UC - Duoc  UC | LinkedIn" id="323" name="Google Shape;323;p7"/>
+          <p:cNvPr descr="EscuelaIT Duoc UC - Escuela de Informática y Telecomunicaciones Duoc UC - Duoc  UC | LinkedIn" id="321" name="Google Shape;321;g3487b8c5fce_1_11"/>
           <p:cNvPicPr preferRelativeResize="0"/>
           <p:nvPr/>
         </p:nvPicPr>
@@ -26298,7 +26298,7 @@
       </p:pic>
       <p:sp>
         <p:nvSpPr>
-          <p:cNvPr id="324" name="Google Shape;324;p7"/>
+          <p:cNvPr id="322" name="Google Shape;322;g3487b8c5fce_1_11"/>
           <p:cNvSpPr txBox="1"/>
           <p:nvPr/>
         </p:nvSpPr>
@@ -26348,7 +26348,7 @@
       </p:sp>
       <p:sp>
         <p:nvSpPr>
-          <p:cNvPr id="325" name="Google Shape;325;p7"/>
+          <p:cNvPr id="323" name="Google Shape;323;g3487b8c5fce_1_11"/>
           <p:cNvSpPr txBox="1"/>
           <p:nvPr/>
         </p:nvSpPr>
@@ -26413,14 +26413,14 @@
       </p:sp>
       <p:cxnSp>
         <p:nvCxnSpPr>
-          <p:cNvPr id="326" name="Google Shape;326;p7"/>
+          <p:cNvPr id="324" name="Google Shape;324;g3487b8c5fce_1_11"/>
           <p:cNvCxnSpPr/>
           <p:nvPr/>
         </p:nvCxnSpPr>
         <p:spPr>
           <a:xfrm>
             <a:off x="0" y="758027"/>
-            <a:ext cx="4085617" cy="0"/>
+            <a:ext cx="4085700" cy="0"/>
           </a:xfrm>
           <a:prstGeom prst="straightConnector1">
             <a:avLst/>
@@ -26439,7 +26439,7 @@
       </p:cxnSp>
       <p:pic>
         <p:nvPicPr>
-          <p:cNvPr id="327" name="Google Shape;327;p7"/>
+          <p:cNvPr id="325" name="Google Shape;325;g3487b8c5fce_1_11"/>
           <p:cNvPicPr preferRelativeResize="0"/>
           <p:nvPr/>
         </p:nvPicPr>
@@ -26453,8 +26453,8 @@
         </p:blipFill>
         <p:spPr>
           <a:xfrm>
-            <a:off x="152400" y="2169956"/>
-            <a:ext cx="11887198" cy="2968332"/>
+            <a:off x="1543938" y="1889681"/>
+            <a:ext cx="9104114" cy="4535643"/>
           </a:xfrm>
           <a:prstGeom prst="rect">
             <a:avLst/>
@@ -26470,9 +26470,6 @@
   <p:clrMapOvr>
     <a:masterClrMapping/>
   </p:clrMapOvr>
-  <p:transition spd="slow">
-    <p:wipe dir="l"/>
-  </p:transition>
 </p:sld>
 </file>
 
@@ -26481,7 +26478,7 @@
   <p:cSld>
     <p:spTree>
       <p:nvGrpSpPr>
-        <p:cNvPr id="331" name="Shape 331"/>
+        <p:cNvPr id="329" name="Shape 329"/>
         <p:cNvGrpSpPr/>
         <p:nvPr/>
       </p:nvGrpSpPr>
@@ -26495,7 +26492,7 @@
       </p:grpSpPr>
       <p:pic>
         <p:nvPicPr>
-          <p:cNvPr descr="EscuelaIT Duoc UC - Escuela de Informática y Telecomunicaciones Duoc UC - Duoc  UC | LinkedIn" id="332" name="Google Shape;332;g3487b8c5fce_1_11"/>
+          <p:cNvPr descr="EscuelaIT Duoc UC - Escuela de Informática y Telecomunicaciones Duoc UC - Duoc  UC | LinkedIn" id="330" name="Google Shape;330;p8"/>
           <p:cNvPicPr preferRelativeResize="0"/>
           <p:nvPr/>
         </p:nvPicPr>
@@ -26522,228 +26519,7 @@
       </p:pic>
       <p:sp>
         <p:nvSpPr>
-          <p:cNvPr id="333" name="Google Shape;333;g3487b8c5fce_1_11"/>
-          <p:cNvSpPr txBox="1"/>
-          <p:nvPr/>
-        </p:nvSpPr>
-        <p:spPr>
-          <a:xfrm>
-            <a:off x="136188" y="368928"/>
-            <a:ext cx="12192000" cy="369300"/>
-          </a:xfrm>
-          <a:prstGeom prst="rect">
-            <a:avLst/>
-          </a:prstGeom>
-          <a:noFill/>
-          <a:ln>
-            <a:noFill/>
-          </a:ln>
-        </p:spPr>
-        <p:txBody>
-          <a:bodyPr anchorCtr="0" anchor="t" bIns="45700" lIns="91425" spcFirstLastPara="1" rIns="91425" wrap="square" tIns="45700">
-            <a:spAutoFit/>
-          </a:bodyPr>
-          <a:lstStyle/>
-          <a:p>
-            <a:pPr indent="0" lvl="0" marL="0" marR="0" rtl="0" algn="l">
-              <a:spcBef>
-                <a:spcPts val="0"/>
-              </a:spcBef>
-              <a:spcAft>
-                <a:spcPts val="0"/>
-              </a:spcAft>
-              <a:buNone/>
-            </a:pPr>
-            <a:r>
-              <a:rPr lang="es-ES" sz="1800">
-                <a:solidFill>
-                  <a:srgbClr val="092338"/>
-                </a:solidFill>
-                <a:latin typeface="Twentieth Century"/>
-                <a:ea typeface="Twentieth Century"/>
-                <a:cs typeface="Twentieth Century"/>
-                <a:sym typeface="Twentieth Century"/>
-              </a:rPr>
-              <a:t>Proyecto “Growing APP”</a:t>
-            </a:r>
-            <a:endParaRPr/>
-          </a:p>
-        </p:txBody>
-      </p:sp>
-      <p:sp>
-        <p:nvSpPr>
-          <p:cNvPr id="334" name="Google Shape;334;g3487b8c5fce_1_11"/>
-          <p:cNvSpPr txBox="1"/>
-          <p:nvPr/>
-        </p:nvSpPr>
-        <p:spPr>
-          <a:xfrm>
-            <a:off x="1" y="1155656"/>
-            <a:ext cx="12192000" cy="861900"/>
-          </a:xfrm>
-          <a:prstGeom prst="rect">
-            <a:avLst/>
-          </a:prstGeom>
-          <a:noFill/>
-          <a:ln>
-            <a:noFill/>
-          </a:ln>
-        </p:spPr>
-        <p:txBody>
-          <a:bodyPr anchorCtr="0" anchor="t" bIns="45700" lIns="91425" spcFirstLastPara="1" rIns="91425" wrap="square" tIns="45700">
-            <a:spAutoFit/>
-          </a:bodyPr>
-          <a:lstStyle/>
-          <a:p>
-            <a:pPr indent="0" lvl="0" marL="0" marR="0" rtl="0" algn="ctr">
-              <a:spcBef>
-                <a:spcPts val="0"/>
-              </a:spcBef>
-              <a:spcAft>
-                <a:spcPts val="0"/>
-              </a:spcAft>
-              <a:buNone/>
-            </a:pPr>
-            <a:r>
-              <a:rPr lang="es-ES" sz="3600">
-                <a:solidFill>
-                  <a:schemeClr val="lt1"/>
-                </a:solidFill>
-                <a:latin typeface="Twentieth Century"/>
-                <a:ea typeface="Twentieth Century"/>
-                <a:cs typeface="Twentieth Century"/>
-                <a:sym typeface="Twentieth Century"/>
-              </a:rPr>
-              <a:t>Cronograma para el desarrollo del proyecto</a:t>
-            </a:r>
-            <a:endParaRPr/>
-          </a:p>
-          <a:p>
-            <a:pPr indent="0" lvl="0" marL="457200" rtl="0" algn="l">
-              <a:spcBef>
-                <a:spcPts val="0"/>
-              </a:spcBef>
-              <a:spcAft>
-                <a:spcPts val="0"/>
-              </a:spcAft>
-              <a:buNone/>
-            </a:pPr>
-            <a:r>
-              <a:t/>
-            </a:r>
-            <a:endParaRPr/>
-          </a:p>
-        </p:txBody>
-      </p:sp>
-      <p:cxnSp>
-        <p:nvCxnSpPr>
-          <p:cNvPr id="335" name="Google Shape;335;g3487b8c5fce_1_11"/>
-          <p:cNvCxnSpPr/>
-          <p:nvPr/>
-        </p:nvCxnSpPr>
-        <p:spPr>
-          <a:xfrm>
-            <a:off x="0" y="758027"/>
-            <a:ext cx="4085700" cy="0"/>
-          </a:xfrm>
-          <a:prstGeom prst="straightConnector1">
-            <a:avLst/>
-          </a:prstGeom>
-          <a:noFill/>
-          <a:ln cap="flat" cmpd="sng" w="15875">
-            <a:solidFill>
-              <a:srgbClr val="F9FCF5"/>
-            </a:solidFill>
-            <a:prstDash val="solid"/>
-            <a:round/>
-            <a:headEnd len="sm" w="sm" type="none"/>
-            <a:tailEnd len="sm" w="sm" type="none"/>
-          </a:ln>
-        </p:spPr>
-      </p:cxnSp>
-      <p:pic>
-        <p:nvPicPr>
-          <p:cNvPr id="336" name="Google Shape;336;g3487b8c5fce_1_11"/>
-          <p:cNvPicPr preferRelativeResize="0"/>
-          <p:nvPr/>
-        </p:nvPicPr>
-        <p:blipFill>
-          <a:blip r:embed="rId4">
-            <a:alphaModFix/>
-          </a:blip>
-          <a:stretch>
-            <a:fillRect/>
-          </a:stretch>
-        </p:blipFill>
-        <p:spPr>
-          <a:xfrm>
-            <a:off x="152400" y="2169956"/>
-            <a:ext cx="11887200" cy="3818159"/>
-          </a:xfrm>
-          <a:prstGeom prst="rect">
-            <a:avLst/>
-          </a:prstGeom>
-          <a:noFill/>
-          <a:ln>
-            <a:noFill/>
-          </a:ln>
-        </p:spPr>
-      </p:pic>
-    </p:spTree>
-  </p:cSld>
-  <p:clrMapOvr>
-    <a:masterClrMapping/>
-  </p:clrMapOvr>
-</p:sld>
-</file>
-
-<file path=ppt/slides/slide12.xml><?xml version="1.0" encoding="utf-8"?>
-<p:sld xmlns:a="http://schemas.openxmlformats.org/drawingml/2006/main" xmlns:r="http://schemas.openxmlformats.org/officeDocument/2006/relationships" xmlns:mc="http://schemas.openxmlformats.org/markup-compatibility/2006" xmlns:mv="urn:schemas-microsoft-com:mac:vml" xmlns:p="http://schemas.openxmlformats.org/presentationml/2006/main" xmlns:c="http://schemas.openxmlformats.org/drawingml/2006/chart" xmlns:dgm="http://schemas.openxmlformats.org/drawingml/2006/diagram" xmlns:o="urn:schemas-microsoft-com:office:office" xmlns:v="urn:schemas-microsoft-com:vml" xmlns:pvml="urn:schemas-microsoft-com:office:powerpoint" xmlns:com="http://schemas.openxmlformats.org/drawingml/2006/compatibility" xmlns:p14="http://schemas.microsoft.com/office/powerpoint/2010/main" xmlns:p15="http://schemas.microsoft.com/office/powerpoint/2012/main" xmlns:ahyp="http://schemas.microsoft.com/office/drawing/2018/hyperlinkcolor">
-  <p:cSld>
-    <p:spTree>
-      <p:nvGrpSpPr>
-        <p:cNvPr id="340" name="Shape 340"/>
-        <p:cNvGrpSpPr/>
-        <p:nvPr/>
-      </p:nvGrpSpPr>
-      <p:grpSpPr>
-        <a:xfrm>
-          <a:off x="0" y="0"/>
-          <a:ext cx="0" cy="0"/>
-          <a:chOff x="0" y="0"/>
-          <a:chExt cx="0" cy="0"/>
-        </a:xfrm>
-      </p:grpSpPr>
-      <p:pic>
-        <p:nvPicPr>
-          <p:cNvPr descr="EscuelaIT Duoc UC - Escuela de Informática y Telecomunicaciones Duoc UC - Duoc  UC | LinkedIn" id="341" name="Google Shape;341;p8"/>
-          <p:cNvPicPr preferRelativeResize="0"/>
-          <p:nvPr/>
-        </p:nvPicPr>
-        <p:blipFill rotWithShape="1">
-          <a:blip r:embed="rId3">
-            <a:alphaModFix/>
-          </a:blip>
-          <a:srcRect b="0" l="0" r="0" t="0"/>
-          <a:stretch/>
-        </p:blipFill>
-        <p:spPr>
-          <a:xfrm>
-            <a:off x="8772152" y="207550"/>
-            <a:ext cx="3141406" cy="785352"/>
-          </a:xfrm>
-          <a:prstGeom prst="rect">
-            <a:avLst/>
-          </a:prstGeom>
-          <a:noFill/>
-          <a:ln>
-            <a:noFill/>
-          </a:ln>
-        </p:spPr>
-      </p:pic>
-      <p:sp>
-        <p:nvSpPr>
-          <p:cNvPr id="342" name="Google Shape;342;p8"/>
+          <p:cNvPr id="331" name="Google Shape;331;p8"/>
           <p:cNvSpPr txBox="1"/>
           <p:nvPr/>
         </p:nvSpPr>
@@ -26793,7 +26569,7 @@
       </p:sp>
       <p:sp>
         <p:nvSpPr>
-          <p:cNvPr id="343" name="Google Shape;343;p8"/>
+          <p:cNvPr id="332" name="Google Shape;332;p8"/>
           <p:cNvSpPr txBox="1"/>
           <p:nvPr/>
         </p:nvSpPr>
@@ -26843,7 +26619,7 @@
       </p:sp>
       <p:cxnSp>
         <p:nvCxnSpPr>
-          <p:cNvPr id="344" name="Google Shape;344;p8"/>
+          <p:cNvPr id="333" name="Google Shape;333;p8"/>
           <p:cNvCxnSpPr/>
           <p:nvPr/>
         </p:nvCxnSpPr>
@@ -26869,7 +26645,7 @@
       </p:cxnSp>
       <p:sp>
         <p:nvSpPr>
-          <p:cNvPr descr="Imagen" id="345" name="Google Shape;345;p8"/>
+          <p:cNvPr descr="Imagen" id="334" name="Google Shape;334;p8"/>
           <p:cNvSpPr/>
           <p:nvPr/>
         </p:nvSpPr>
@@ -26918,7 +26694,7 @@
       </p:sp>
       <p:pic>
         <p:nvPicPr>
-          <p:cNvPr id="346" name="Google Shape;346;p8"/>
+          <p:cNvPr id="335" name="Google Shape;335;p8"/>
           <p:cNvPicPr preferRelativeResize="0"/>
           <p:nvPr/>
         </p:nvPicPr>
@@ -26954,12 +26730,12 @@
 </p:sld>
 </file>
 
-<file path=ppt/slides/slide13.xml><?xml version="1.0" encoding="utf-8"?>
+<file path=ppt/slides/slide12.xml><?xml version="1.0" encoding="utf-8"?>
 <p:sld xmlns:a="http://schemas.openxmlformats.org/drawingml/2006/main" xmlns:r="http://schemas.openxmlformats.org/officeDocument/2006/relationships" xmlns:mc="http://schemas.openxmlformats.org/markup-compatibility/2006" xmlns:mv="urn:schemas-microsoft-com:mac:vml" xmlns:p="http://schemas.openxmlformats.org/presentationml/2006/main" xmlns:c="http://schemas.openxmlformats.org/drawingml/2006/chart" xmlns:dgm="http://schemas.openxmlformats.org/drawingml/2006/diagram" xmlns:o="urn:schemas-microsoft-com:office:office" xmlns:v="urn:schemas-microsoft-com:vml" xmlns:pvml="urn:schemas-microsoft-com:office:powerpoint" xmlns:com="http://schemas.openxmlformats.org/drawingml/2006/compatibility" xmlns:p14="http://schemas.microsoft.com/office/powerpoint/2010/main" xmlns:p15="http://schemas.microsoft.com/office/powerpoint/2012/main" xmlns:ahyp="http://schemas.microsoft.com/office/drawing/2018/hyperlinkcolor">
   <p:cSld>
     <p:spTree>
       <p:nvGrpSpPr>
-        <p:cNvPr id="350" name="Shape 350"/>
+        <p:cNvPr id="339" name="Shape 339"/>
         <p:cNvGrpSpPr/>
         <p:nvPr/>
       </p:nvGrpSpPr>
@@ -26973,7 +26749,7 @@
       </p:grpSpPr>
       <p:pic>
         <p:nvPicPr>
-          <p:cNvPr descr="EscuelaIT Duoc UC - Escuela de Informática y Telecomunicaciones Duoc UC - Duoc  UC | LinkedIn" id="351" name="Google Shape;351;g34047629776_0_0"/>
+          <p:cNvPr descr="EscuelaIT Duoc UC - Escuela de Informática y Telecomunicaciones Duoc UC - Duoc  UC | LinkedIn" id="340" name="Google Shape;340;g34047629776_0_0"/>
           <p:cNvPicPr preferRelativeResize="0"/>
           <p:nvPr/>
         </p:nvPicPr>
@@ -27000,7 +26776,7 @@
       </p:pic>
       <p:sp>
         <p:nvSpPr>
-          <p:cNvPr id="352" name="Google Shape;352;g34047629776_0_0"/>
+          <p:cNvPr id="341" name="Google Shape;341;g34047629776_0_0"/>
           <p:cNvSpPr txBox="1"/>
           <p:nvPr/>
         </p:nvSpPr>
@@ -27050,7 +26826,7 @@
       </p:sp>
       <p:sp>
         <p:nvSpPr>
-          <p:cNvPr id="353" name="Google Shape;353;g34047629776_0_0"/>
+          <p:cNvPr id="342" name="Google Shape;342;g34047629776_0_0"/>
           <p:cNvSpPr txBox="1"/>
           <p:nvPr/>
         </p:nvSpPr>
@@ -27100,7 +26876,7 @@
       </p:sp>
       <p:cxnSp>
         <p:nvCxnSpPr>
-          <p:cNvPr id="354" name="Google Shape;354;g34047629776_0_0"/>
+          <p:cNvPr id="343" name="Google Shape;343;g34047629776_0_0"/>
           <p:cNvCxnSpPr/>
           <p:nvPr/>
         </p:nvCxnSpPr>
@@ -27126,7 +26902,7 @@
       </p:cxnSp>
       <p:sp>
         <p:nvSpPr>
-          <p:cNvPr descr="Imagen" id="355" name="Google Shape;355;g34047629776_0_0"/>
+          <p:cNvPr descr="Imagen" id="344" name="Google Shape;344;g34047629776_0_0"/>
           <p:cNvSpPr/>
           <p:nvPr/>
         </p:nvSpPr>
@@ -27175,7 +26951,7 @@
       </p:sp>
       <p:pic>
         <p:nvPicPr>
-          <p:cNvPr id="356" name="Google Shape;356;g34047629776_0_0"/>
+          <p:cNvPr id="345" name="Google Shape;345;g34047629776_0_0"/>
           <p:cNvPicPr preferRelativeResize="0"/>
           <p:nvPr/>
         </p:nvPicPr>
@@ -27209,12 +26985,12 @@
 </p:sld>
 </file>
 
-<file path=ppt/slides/slide14.xml><?xml version="1.0" encoding="utf-8"?>
+<file path=ppt/slides/slide13.xml><?xml version="1.0" encoding="utf-8"?>
 <p:sld xmlns:a="http://schemas.openxmlformats.org/drawingml/2006/main" xmlns:r="http://schemas.openxmlformats.org/officeDocument/2006/relationships" xmlns:mc="http://schemas.openxmlformats.org/markup-compatibility/2006" xmlns:mv="urn:schemas-microsoft-com:mac:vml" xmlns:p="http://schemas.openxmlformats.org/presentationml/2006/main" xmlns:c="http://schemas.openxmlformats.org/drawingml/2006/chart" xmlns:dgm="http://schemas.openxmlformats.org/drawingml/2006/diagram" xmlns:o="urn:schemas-microsoft-com:office:office" xmlns:v="urn:schemas-microsoft-com:vml" xmlns:pvml="urn:schemas-microsoft-com:office:powerpoint" xmlns:com="http://schemas.openxmlformats.org/drawingml/2006/compatibility" xmlns:p14="http://schemas.microsoft.com/office/powerpoint/2010/main" xmlns:p15="http://schemas.microsoft.com/office/powerpoint/2012/main" xmlns:ahyp="http://schemas.microsoft.com/office/drawing/2018/hyperlinkcolor">
   <p:cSld>
     <p:spTree>
       <p:nvGrpSpPr>
-        <p:cNvPr id="360" name="Shape 360"/>
+        <p:cNvPr id="349" name="Shape 349"/>
         <p:cNvGrpSpPr/>
         <p:nvPr/>
       </p:nvGrpSpPr>
@@ -27228,7 +27004,7 @@
       </p:grpSpPr>
       <p:pic>
         <p:nvPicPr>
-          <p:cNvPr descr="EscuelaIT Duoc UC - Escuela de Informática y Telecomunicaciones Duoc UC - Duoc  UC | LinkedIn" id="361" name="Google Shape;361;p9"/>
+          <p:cNvPr descr="EscuelaIT Duoc UC - Escuela de Informática y Telecomunicaciones Duoc UC - Duoc  UC | LinkedIn" id="350" name="Google Shape;350;p9"/>
           <p:cNvPicPr preferRelativeResize="0"/>
           <p:nvPr/>
         </p:nvPicPr>
@@ -27255,7 +27031,7 @@
       </p:pic>
       <p:sp>
         <p:nvSpPr>
-          <p:cNvPr id="362" name="Google Shape;362;p9"/>
+          <p:cNvPr id="351" name="Google Shape;351;p9"/>
           <p:cNvSpPr txBox="1"/>
           <p:nvPr/>
         </p:nvSpPr>
@@ -27305,7 +27081,7 @@
       </p:sp>
       <p:sp>
         <p:nvSpPr>
-          <p:cNvPr id="363" name="Google Shape;363;p9"/>
+          <p:cNvPr id="352" name="Google Shape;352;p9"/>
           <p:cNvSpPr txBox="1"/>
           <p:nvPr/>
         </p:nvSpPr>
@@ -27355,7 +27131,7 @@
       </p:sp>
       <p:cxnSp>
         <p:nvCxnSpPr>
-          <p:cNvPr id="364" name="Google Shape;364;p9"/>
+          <p:cNvPr id="353" name="Google Shape;353;p9"/>
           <p:cNvCxnSpPr/>
           <p:nvPr/>
         </p:nvCxnSpPr>
@@ -27381,7 +27157,7 @@
       </p:cxnSp>
       <p:pic>
         <p:nvPicPr>
-          <p:cNvPr id="365" name="Google Shape;365;p9"/>
+          <p:cNvPr id="354" name="Google Shape;354;p9"/>
           <p:cNvPicPr preferRelativeResize="0"/>
           <p:nvPr/>
         </p:nvPicPr>
@@ -27415,6 +27191,262 @@
   <p:transition spd="slow">
     <p:wipe dir="l"/>
   </p:transition>
+</p:sld>
+</file>
+
+<file path=ppt/slides/slide14.xml><?xml version="1.0" encoding="utf-8"?>
+<p:sld xmlns:a="http://schemas.openxmlformats.org/drawingml/2006/main" xmlns:r="http://schemas.openxmlformats.org/officeDocument/2006/relationships" xmlns:mc="http://schemas.openxmlformats.org/markup-compatibility/2006" xmlns:mv="urn:schemas-microsoft-com:mac:vml" xmlns:p="http://schemas.openxmlformats.org/presentationml/2006/main" xmlns:c="http://schemas.openxmlformats.org/drawingml/2006/chart" xmlns:dgm="http://schemas.openxmlformats.org/drawingml/2006/diagram" xmlns:o="urn:schemas-microsoft-com:office:office" xmlns:v="urn:schemas-microsoft-com:vml" xmlns:pvml="urn:schemas-microsoft-com:office:powerpoint" xmlns:com="http://schemas.openxmlformats.org/drawingml/2006/compatibility" xmlns:p14="http://schemas.microsoft.com/office/powerpoint/2010/main" xmlns:p15="http://schemas.microsoft.com/office/powerpoint/2012/main" xmlns:ahyp="http://schemas.microsoft.com/office/drawing/2018/hyperlinkcolor">
+  <p:cSld>
+    <p:spTree>
+      <p:nvGrpSpPr>
+        <p:cNvPr id="358" name="Shape 358"/>
+        <p:cNvGrpSpPr/>
+        <p:nvPr/>
+      </p:nvGrpSpPr>
+      <p:grpSpPr>
+        <a:xfrm>
+          <a:off x="0" y="0"/>
+          <a:ext cx="0" cy="0"/>
+          <a:chOff x="0" y="0"/>
+          <a:chExt cx="0" cy="0"/>
+        </a:xfrm>
+      </p:grpSpPr>
+      <p:sp>
+        <p:nvSpPr>
+          <p:cNvPr id="359" name="Google Shape;359;g3486e2ea373_0_0"/>
+          <p:cNvSpPr txBox="1"/>
+          <p:nvPr>
+            <p:ph type="ctrTitle"/>
+          </p:nvPr>
+        </p:nvSpPr>
+        <p:spPr>
+          <a:xfrm>
+            <a:off x="3170700" y="341350"/>
+            <a:ext cx="5850600" cy="1286100"/>
+          </a:xfrm>
+          <a:prstGeom prst="rect">
+            <a:avLst/>
+          </a:prstGeom>
+        </p:spPr>
+        <p:txBody>
+          <a:bodyPr anchorCtr="0" anchor="b" bIns="45700" lIns="91425" spcFirstLastPara="1" rIns="91425" wrap="square" tIns="45700">
+            <a:normAutofit/>
+          </a:bodyPr>
+          <a:lstStyle/>
+          <a:p>
+            <a:pPr indent="0" lvl="0" marL="0" rtl="0" algn="l">
+              <a:spcBef>
+                <a:spcPts val="0"/>
+              </a:spcBef>
+              <a:spcAft>
+                <a:spcPts val="0"/>
+              </a:spcAft>
+              <a:buNone/>
+            </a:pPr>
+            <a:r>
+              <a:rPr lang="es-ES"/>
+              <a:t>MOCKUP APP </a:t>
+            </a:r>
+            <a:r>
+              <a:rPr lang="es-ES"/>
+              <a:t>Móvil</a:t>
+            </a:r>
+            <a:endParaRPr/>
+          </a:p>
+        </p:txBody>
+      </p:sp>
+      <p:pic>
+        <p:nvPicPr>
+          <p:cNvPr id="360" name="Google Shape;360;g3486e2ea373_0_0"/>
+          <p:cNvPicPr preferRelativeResize="0"/>
+          <p:nvPr/>
+        </p:nvPicPr>
+        <p:blipFill>
+          <a:blip r:embed="rId3">
+            <a:alphaModFix/>
+          </a:blip>
+          <a:stretch>
+            <a:fillRect/>
+          </a:stretch>
+        </p:blipFill>
+        <p:spPr>
+          <a:xfrm>
+            <a:off x="4974013" y="1779819"/>
+            <a:ext cx="2243986" cy="4832681"/>
+          </a:xfrm>
+          <a:prstGeom prst="rect">
+            <a:avLst/>
+          </a:prstGeom>
+          <a:noFill/>
+          <a:ln>
+            <a:noFill/>
+          </a:ln>
+        </p:spPr>
+      </p:pic>
+      <p:pic>
+        <p:nvPicPr>
+          <p:cNvPr id="361" name="Google Shape;361;g3486e2ea373_0_0"/>
+          <p:cNvPicPr preferRelativeResize="0"/>
+          <p:nvPr/>
+        </p:nvPicPr>
+        <p:blipFill>
+          <a:blip r:embed="rId4">
+            <a:alphaModFix/>
+          </a:blip>
+          <a:stretch>
+            <a:fillRect/>
+          </a:stretch>
+        </p:blipFill>
+        <p:spPr>
+          <a:xfrm>
+            <a:off x="1965275" y="1779825"/>
+            <a:ext cx="2352186" cy="4832676"/>
+          </a:xfrm>
+          <a:prstGeom prst="rect">
+            <a:avLst/>
+          </a:prstGeom>
+          <a:noFill/>
+          <a:ln>
+            <a:noFill/>
+          </a:ln>
+        </p:spPr>
+      </p:pic>
+      <p:pic>
+        <p:nvPicPr>
+          <p:cNvPr id="362" name="Google Shape;362;g3486e2ea373_0_0"/>
+          <p:cNvPicPr preferRelativeResize="0"/>
+          <p:nvPr/>
+        </p:nvPicPr>
+        <p:blipFill>
+          <a:blip r:embed="rId5">
+            <a:alphaModFix/>
+          </a:blip>
+          <a:stretch>
+            <a:fillRect/>
+          </a:stretch>
+        </p:blipFill>
+        <p:spPr>
+          <a:xfrm>
+            <a:off x="7874575" y="1768025"/>
+            <a:ext cx="2243975" cy="4856287"/>
+          </a:xfrm>
+          <a:prstGeom prst="rect">
+            <a:avLst/>
+          </a:prstGeom>
+          <a:noFill/>
+          <a:ln>
+            <a:noFill/>
+          </a:ln>
+        </p:spPr>
+      </p:pic>
+      <p:pic>
+        <p:nvPicPr>
+          <p:cNvPr descr="EscuelaIT Duoc UC - Escuela de Informática y Telecomunicaciones Duoc UC - Duoc  UC | LinkedIn" id="363" name="Google Shape;363;g3486e2ea373_0_0"/>
+          <p:cNvPicPr preferRelativeResize="0"/>
+          <p:nvPr/>
+        </p:nvPicPr>
+        <p:blipFill rotWithShape="1">
+          <a:blip r:embed="rId6">
+            <a:alphaModFix/>
+          </a:blip>
+          <a:srcRect b="0" l="0" r="0" t="0"/>
+          <a:stretch/>
+        </p:blipFill>
+        <p:spPr>
+          <a:xfrm>
+            <a:off x="8772152" y="207550"/>
+            <a:ext cx="3141406" cy="785352"/>
+          </a:xfrm>
+          <a:prstGeom prst="rect">
+            <a:avLst/>
+          </a:prstGeom>
+          <a:noFill/>
+          <a:ln>
+            <a:noFill/>
+          </a:ln>
+        </p:spPr>
+      </p:pic>
+      <p:sp>
+        <p:nvSpPr>
+          <p:cNvPr id="364" name="Google Shape;364;g3486e2ea373_0_0"/>
+          <p:cNvSpPr txBox="1"/>
+          <p:nvPr/>
+        </p:nvSpPr>
+        <p:spPr>
+          <a:xfrm>
+            <a:off x="136188" y="368928"/>
+            <a:ext cx="12192000" cy="369300"/>
+          </a:xfrm>
+          <a:prstGeom prst="rect">
+            <a:avLst/>
+          </a:prstGeom>
+          <a:noFill/>
+          <a:ln>
+            <a:noFill/>
+          </a:ln>
+        </p:spPr>
+        <p:txBody>
+          <a:bodyPr anchorCtr="0" anchor="t" bIns="45700" lIns="91425" spcFirstLastPara="1" rIns="91425" wrap="square" tIns="45700">
+            <a:spAutoFit/>
+          </a:bodyPr>
+          <a:lstStyle/>
+          <a:p>
+            <a:pPr indent="0" lvl="0" marL="0" marR="0" rtl="0" algn="l">
+              <a:spcBef>
+                <a:spcPts val="0"/>
+              </a:spcBef>
+              <a:spcAft>
+                <a:spcPts val="0"/>
+              </a:spcAft>
+              <a:buNone/>
+            </a:pPr>
+            <a:r>
+              <a:rPr lang="es-ES" sz="1800">
+                <a:solidFill>
+                  <a:srgbClr val="092338"/>
+                </a:solidFill>
+                <a:latin typeface="Twentieth Century"/>
+                <a:ea typeface="Twentieth Century"/>
+                <a:cs typeface="Twentieth Century"/>
+                <a:sym typeface="Twentieth Century"/>
+              </a:rPr>
+              <a:t>Proyecto “Growing APP”</a:t>
+            </a:r>
+            <a:endParaRPr/>
+          </a:p>
+        </p:txBody>
+      </p:sp>
+      <p:cxnSp>
+        <p:nvCxnSpPr>
+          <p:cNvPr id="365" name="Google Shape;365;g3486e2ea373_0_0"/>
+          <p:cNvCxnSpPr/>
+          <p:nvPr/>
+        </p:nvCxnSpPr>
+        <p:spPr>
+          <a:xfrm>
+            <a:off x="0" y="758027"/>
+            <a:ext cx="4085700" cy="0"/>
+          </a:xfrm>
+          <a:prstGeom prst="straightConnector1">
+            <a:avLst/>
+          </a:prstGeom>
+          <a:noFill/>
+          <a:ln cap="flat" cmpd="sng" w="15875">
+            <a:solidFill>
+              <a:srgbClr val="F9FCF5"/>
+            </a:solidFill>
+            <a:prstDash val="solid"/>
+            <a:round/>
+            <a:headEnd len="sm" w="sm" type="none"/>
+            <a:tailEnd len="sm" w="sm" type="none"/>
+          </a:ln>
+        </p:spPr>
+      </p:cxnSp>
+    </p:spTree>
+  </p:cSld>
+  <p:clrMapOvr>
+    <a:masterClrMapping/>
+  </p:clrMapOvr>
 </p:sld>
 </file>
 
@@ -27668,7 +27700,31 @@
                   <a:cs typeface="Twentieth Century"/>
                   <a:sym typeface="Twentieth Century"/>
                 </a:rPr>
-                <a:t>Encargado del desarrollo del entorno para Arduino. Gestion del proyecto.</a:t>
+                <a:t>Encargado del desarrollo del entorno para Arduino. </a:t>
+              </a:r>
+              <a:r>
+                <a:rPr lang="es-ES" sz="2400">
+                  <a:solidFill>
+                    <a:schemeClr val="lt1"/>
+                  </a:solidFill>
+                  <a:latin typeface="Twentieth Century"/>
+                  <a:ea typeface="Twentieth Century"/>
+                  <a:cs typeface="Twentieth Century"/>
+                  <a:sym typeface="Twentieth Century"/>
+                </a:rPr>
+                <a:t>Gestión</a:t>
+              </a:r>
+              <a:r>
+                <a:rPr b="0" i="0" lang="es-ES" sz="2400" u="none" cap="none" strike="noStrike">
+                  <a:solidFill>
+                    <a:schemeClr val="lt1"/>
+                  </a:solidFill>
+                  <a:latin typeface="Twentieth Century"/>
+                  <a:ea typeface="Twentieth Century"/>
+                  <a:cs typeface="Twentieth Century"/>
+                  <a:sym typeface="Twentieth Century"/>
+                </a:rPr>
+                <a:t> del proyecto.</a:t>
               </a:r>
               <a:endParaRPr b="0" i="0" sz="2400" u="none" cap="none" strike="noStrike">
                 <a:solidFill>
@@ -29182,7 +29238,55 @@
                 <a:cs typeface="Twentieth Century"/>
                 <a:sym typeface="Twentieth Century"/>
               </a:rPr>
-              <a:t>Desarrollar un prototipo funcional de la aplicación para cuidado inteligente de cultivos.</a:t>
+              <a:t>Mejorar el sistema de cultivo </a:t>
+            </a:r>
+            <a:r>
+              <a:rPr lang="es-ES" sz="1800">
+                <a:solidFill>
+                  <a:schemeClr val="dk1"/>
+                </a:solidFill>
+                <a:latin typeface="Twentieth Century"/>
+                <a:ea typeface="Twentieth Century"/>
+                <a:cs typeface="Twentieth Century"/>
+                <a:sym typeface="Twentieth Century"/>
+              </a:rPr>
+              <a:t>automatizados</a:t>
+            </a:r>
+            <a:r>
+              <a:rPr lang="es-ES" sz="1800">
+                <a:solidFill>
+                  <a:schemeClr val="dk1"/>
+                </a:solidFill>
+                <a:latin typeface="Twentieth Century"/>
+                <a:ea typeface="Twentieth Century"/>
+                <a:cs typeface="Twentieth Century"/>
+                <a:sym typeface="Twentieth Century"/>
+              </a:rPr>
+              <a:t> mediante una APP interactiva con el usuario el cual puede </a:t>
+            </a:r>
+            <a:r>
+              <a:rPr lang="es-ES" sz="1800">
+                <a:solidFill>
+                  <a:schemeClr val="dk1"/>
+                </a:solidFill>
+                <a:latin typeface="Twentieth Century"/>
+                <a:ea typeface="Twentieth Century"/>
+                <a:cs typeface="Twentieth Century"/>
+                <a:sym typeface="Twentieth Century"/>
+              </a:rPr>
+              <a:t>controlar</a:t>
+            </a:r>
+            <a:r>
+              <a:rPr lang="es-ES" sz="1800">
+                <a:solidFill>
+                  <a:schemeClr val="dk1"/>
+                </a:solidFill>
+                <a:latin typeface="Twentieth Century"/>
+                <a:ea typeface="Twentieth Century"/>
+                <a:cs typeface="Twentieth Century"/>
+                <a:sym typeface="Twentieth Century"/>
+              </a:rPr>
+              <a:t> el entorno de cultivo </a:t>
             </a:r>
             <a:endParaRPr sz="1800">
               <a:solidFill>
@@ -29344,7 +29448,125 @@
               </a:rPr>
               <a:t>Automatización de las acciones en el control del cultivo</a:t>
             </a:r>
-            <a:endParaRPr/>
+            <a:endParaRPr sz="1800">
+              <a:solidFill>
+                <a:schemeClr val="dk1"/>
+              </a:solidFill>
+              <a:latin typeface="Twentieth Century"/>
+              <a:ea typeface="Twentieth Century"/>
+              <a:cs typeface="Twentieth Century"/>
+              <a:sym typeface="Twentieth Century"/>
+            </a:endParaRPr>
+          </a:p>
+          <a:p>
+            <a:pPr indent="-285750" lvl="0" marL="285750" marR="0" rtl="0" algn="l">
+              <a:spcBef>
+                <a:spcPts val="0"/>
+              </a:spcBef>
+              <a:spcAft>
+                <a:spcPts val="0"/>
+              </a:spcAft>
+              <a:buClr>
+                <a:schemeClr val="dk1"/>
+              </a:buClr>
+              <a:buSzPts val="1800"/>
+              <a:buFont typeface="Twentieth Century"/>
+              <a:buChar char="•"/>
+            </a:pPr>
+            <a:r>
+              <a:rPr lang="es-ES" sz="1800">
+                <a:solidFill>
+                  <a:schemeClr val="dk1"/>
+                </a:solidFill>
+                <a:latin typeface="Twentieth Century"/>
+                <a:ea typeface="Twentieth Century"/>
+                <a:cs typeface="Twentieth Century"/>
+                <a:sym typeface="Twentieth Century"/>
+              </a:rPr>
+              <a:t>Automatizar</a:t>
+            </a:r>
+            <a:r>
+              <a:rPr lang="es-ES" sz="1800">
+                <a:solidFill>
+                  <a:schemeClr val="dk1"/>
+                </a:solidFill>
+                <a:latin typeface="Twentieth Century"/>
+                <a:ea typeface="Twentieth Century"/>
+                <a:cs typeface="Twentieth Century"/>
+                <a:sym typeface="Twentieth Century"/>
+              </a:rPr>
+              <a:t> </a:t>
+            </a:r>
+            <a:r>
+              <a:rPr lang="es-ES" sz="1800">
+                <a:solidFill>
+                  <a:schemeClr val="dk1"/>
+                </a:solidFill>
+                <a:latin typeface="Twentieth Century"/>
+                <a:ea typeface="Twentieth Century"/>
+                <a:cs typeface="Twentieth Century"/>
+                <a:sym typeface="Twentieth Century"/>
+              </a:rPr>
+              <a:t>parámetro</a:t>
+            </a:r>
+            <a:r>
+              <a:rPr lang="es-ES" sz="1800">
+                <a:solidFill>
+                  <a:schemeClr val="dk1"/>
+                </a:solidFill>
+                <a:latin typeface="Twentieth Century"/>
+                <a:ea typeface="Twentieth Century"/>
+                <a:cs typeface="Twentieth Century"/>
+                <a:sym typeface="Twentieth Century"/>
+              </a:rPr>
+              <a:t> de cultivo</a:t>
+            </a:r>
+            <a:endParaRPr sz="1800">
+              <a:solidFill>
+                <a:schemeClr val="dk1"/>
+              </a:solidFill>
+              <a:latin typeface="Twentieth Century"/>
+              <a:ea typeface="Twentieth Century"/>
+              <a:cs typeface="Twentieth Century"/>
+              <a:sym typeface="Twentieth Century"/>
+            </a:endParaRPr>
+          </a:p>
+          <a:p>
+            <a:pPr indent="-285750" lvl="0" marL="285750" marR="0" rtl="0" algn="l">
+              <a:spcBef>
+                <a:spcPts val="0"/>
+              </a:spcBef>
+              <a:spcAft>
+                <a:spcPts val="0"/>
+              </a:spcAft>
+              <a:buClr>
+                <a:schemeClr val="dk1"/>
+              </a:buClr>
+              <a:buSzPts val="1800"/>
+              <a:buFont typeface="Twentieth Century"/>
+              <a:buChar char="•"/>
+            </a:pPr>
+            <a:r>
+              <a:rPr lang="es-ES" sz="1800">
+                <a:solidFill>
+                  <a:schemeClr val="dk1"/>
+                </a:solidFill>
+                <a:latin typeface="Twentieth Century"/>
+                <a:ea typeface="Twentieth Century"/>
+                <a:cs typeface="Twentieth Century"/>
+                <a:sym typeface="Twentieth Century"/>
+              </a:rPr>
+              <a:t>Controlar en tiempo real </a:t>
+            </a:r>
+            <a:endParaRPr sz="1800">
+              <a:solidFill>
+                <a:schemeClr val="dk1"/>
+              </a:solidFill>
+              <a:latin typeface="Twentieth Century"/>
+              <a:ea typeface="Twentieth Century"/>
+              <a:cs typeface="Twentieth Century"/>
+              <a:sym typeface="Twentieth Century"/>
+            </a:endParaRPr>
           </a:p>
         </p:txBody>
       </p:sp>
@@ -30004,7 +30226,7 @@
                 <a:cs typeface="Twentieth Century"/>
                 <a:sym typeface="Twentieth Century"/>
               </a:rPr>
-              <a:t>Integración con drones u otros sistemas complejos.</a:t>
+              <a:t>Integración a otros sistemas complejos.</a:t>
             </a:r>
             <a:endParaRPr/>
           </a:p>
@@ -30537,7 +30759,7 @@
         <p:spPr>
           <a:xfrm>
             <a:off x="2470749" y="1872409"/>
-            <a:ext cx="8329500" cy="4576500"/>
+            <a:ext cx="8329500" cy="4443300"/>
           </a:xfrm>
           <a:prstGeom prst="rect">
             <a:avLst/>
@@ -30563,7 +30785,7 @@
               <a:buNone/>
             </a:pPr>
             <a:r>
-              <a:rPr b="1" i="0" lang="es-ES" sz="1200" u="none" strike="noStrike">
+              <a:rPr b="1" i="0" lang="es-ES" u="none" strike="noStrike">
                 <a:solidFill>
                   <a:schemeClr val="lt1"/>
                 </a:solidFill>
@@ -30572,9 +30794,9 @@
                 <a:cs typeface="Arial"/>
                 <a:sym typeface="Arial"/>
               </a:rPr>
-              <a:t>1. Hardware y Sensores:</a:t>
+              <a:t>Hardware y Sensores:</a:t>
             </a:r>
-            <a:endParaRPr b="0" sz="1800">
+            <a:endParaRPr b="0" sz="2000">
               <a:solidFill>
                 <a:schemeClr val="lt1"/>
               </a:solidFill>
@@ -30585,19 +30807,14 @@
             </a:endParaRPr>
           </a:p>
           <a:p>
-            <a:pPr indent="-76200" lvl="0" marL="0" marR="0" rtl="0" algn="l">
+            <a:pPr indent="0" lvl="0" marL="0" marR="0" rtl="0" algn="l">
               <a:spcBef>
                 <a:spcPts val="800"/>
               </a:spcBef>
               <a:spcAft>
                 <a:spcPts val="0"/>
               </a:spcAft>
-              <a:buClr>
-                <a:schemeClr val="lt1"/>
-              </a:buClr>
-              <a:buSzPts val="1200"/>
-              <a:buFont typeface="Arial"/>
-              <a:buChar char="•"/>
+              <a:buNone/>
             </a:pPr>
             <a:r>
               <a:rPr b="1" i="0" lang="es-ES" sz="1200" u="none" strike="noStrike">
@@ -30630,22 +30847,17 @@
             </a:endParaRPr>
           </a:p>
           <a:p>
-            <a:pPr indent="-76200" lvl="0" marL="0" marR="0" rtl="0" algn="l">
+            <a:pPr indent="0" lvl="0" marL="0" marR="0" rtl="0" algn="l">
               <a:spcBef>
                 <a:spcPts val="800"/>
               </a:spcBef>
               <a:spcAft>
                 <a:spcPts val="0"/>
               </a:spcAft>
-              <a:buClr>
-                <a:schemeClr val="lt1"/>
-              </a:buClr>
-              <a:buSzPts val="1200"/>
-              <a:buFont typeface="Arial"/>
-              <a:buChar char="•"/>
+              <a:buNone/>
             </a:pPr>
             <a:r>
-              <a:rPr b="1" i="0" lang="es-ES" sz="1200" u="none" strike="noStrike">
+              <a:rPr b="1" i="0" lang="es-ES" u="none" strike="noStrike">
                 <a:solidFill>
                   <a:schemeClr val="lt1"/>
                 </a:solidFill>
@@ -30656,7 +30868,7 @@
               </a:rPr>
               <a:t>Sensores:</a:t>
             </a:r>
-            <a:endParaRPr b="0" i="0" sz="1000" u="none" strike="noStrike">
+            <a:endParaRPr b="0" i="0" sz="1200" u="none" strike="noStrike">
               <a:solidFill>
                 <a:schemeClr val="lt1"/>
               </a:solidFill>
@@ -30677,7 +30889,7 @@
               <a:buNone/>
             </a:pPr>
             <a:r>
-              <a:rPr b="1" i="0" lang="es-ES" sz="1200" u="none" cap="none" strike="noStrike">
+              <a:rPr b="1" i="0" lang="es-ES" u="none" cap="none" strike="noStrike">
                 <a:solidFill>
                   <a:schemeClr val="lt1"/>
                 </a:solidFill>
@@ -30721,7 +30933,7 @@
               <a:buNone/>
             </a:pPr>
             <a:r>
-              <a:rPr b="1" i="0" lang="es-ES" sz="1200" u="none" cap="none" strike="noStrike">
+              <a:rPr b="1" i="0" lang="es-ES" u="none" cap="none" strike="noStrike">
                 <a:solidFill>
                   <a:schemeClr val="lt1"/>
                 </a:solidFill>
@@ -30765,7 +30977,7 @@
               <a:buNone/>
             </a:pPr>
             <a:r>
-              <a:rPr b="1" i="0" lang="es-ES" sz="1200" u="none" cap="none" strike="noStrike">
+              <a:rPr b="1" i="0" lang="es-ES" u="none" cap="none" strike="noStrike">
                 <a:solidFill>
                   <a:schemeClr val="lt1"/>
                 </a:solidFill>
@@ -30809,34 +31021,6 @@
               <a:buNone/>
             </a:pPr>
             <a:r>
-              <a:rPr b="1" i="0" lang="es-ES" sz="1200" u="none" cap="none" strike="noStrike">
-                <a:solidFill>
-                  <a:schemeClr val="lt1"/>
-                </a:solidFill>
-                <a:latin typeface="Arial"/>
-                <a:ea typeface="Arial"/>
-                <a:cs typeface="Arial"/>
-                <a:sym typeface="Arial"/>
-              </a:rPr>
-              <a:t>Fuente de alimentación:</a:t>
-            </a:r>
-            <a:endParaRPr>
-              <a:solidFill>
-                <a:schemeClr val="lt1"/>
-              </a:solidFill>
-            </a:endParaRPr>
-          </a:p>
-          <a:p>
-            <a:pPr indent="0" lvl="0" marL="0" marR="0" rtl="0" algn="l">
-              <a:spcBef>
-                <a:spcPts val="800"/>
-              </a:spcBef>
-              <a:spcAft>
-                <a:spcPts val="0"/>
-              </a:spcAft>
-              <a:buNone/>
-            </a:pPr>
-            <a:r>
               <a:rPr b="1" i="0" lang="es-ES" sz="1200" u="none" strike="noStrike">
                 <a:solidFill>
                   <a:schemeClr val="lt1"/>
@@ -30846,7 +31030,7 @@
                 <a:cs typeface="Arial"/>
                 <a:sym typeface="Arial"/>
               </a:rPr>
-              <a:t>2. Comunicación:</a:t>
+              <a:t>Comunicación:</a:t>
             </a:r>
             <a:endParaRPr b="0" sz="1800">
               <a:solidFill>
@@ -30910,7 +31094,7 @@
                 <a:cs typeface="Arial"/>
                 <a:sym typeface="Arial"/>
               </a:rPr>
-              <a:t>3. Base de datos:</a:t>
+              <a:t>Base de datos:</a:t>
             </a:r>
             <a:r>
               <a:rPr b="0" i="0" lang="es-ES" sz="1200" u="none" strike="noStrike">
@@ -31019,19 +31203,14 @@
             </a:endParaRPr>
           </a:p>
           <a:p>
-            <a:pPr indent="-76200" lvl="0" marL="0" marR="0" rtl="0" algn="l">
+            <a:pPr indent="0" lvl="0" marL="0" marR="0" rtl="0" algn="l">
               <a:spcBef>
                 <a:spcPts val="800"/>
               </a:spcBef>
               <a:spcAft>
                 <a:spcPts val="0"/>
               </a:spcAft>
-              <a:buClr>
-                <a:schemeClr val="lt1"/>
-              </a:buClr>
-              <a:buSzPts val="1200"/>
-              <a:buFont typeface="Arial"/>
-              <a:buChar char="•"/>
+              <a:buNone/>
             </a:pPr>
             <a:r>
               <a:rPr b="1" i="0" lang="es-ES" sz="1200" u="none" strike="noStrike">
@@ -31043,7 +31222,7 @@
                 <a:cs typeface="Arial"/>
                 <a:sym typeface="Arial"/>
               </a:rPr>
-              <a:t>3. Desarrollo de la App:</a:t>
+              <a:t>Desarrollo de la App:</a:t>
             </a:r>
             <a:endParaRPr b="0" sz="1800">
               <a:solidFill>
@@ -31056,19 +31235,14 @@
             </a:endParaRPr>
           </a:p>
           <a:p>
-            <a:pPr indent="-76200" lvl="0" marL="0" marR="0" rtl="0" algn="l">
+            <a:pPr indent="0" lvl="0" marL="0" marR="0" rtl="0" algn="l">
               <a:spcBef>
                 <a:spcPts val="800"/>
               </a:spcBef>
               <a:spcAft>
                 <a:spcPts val="0"/>
               </a:spcAft>
-              <a:buClr>
-                <a:schemeClr val="lt1"/>
-              </a:buClr>
-              <a:buSzPts val="1200"/>
-              <a:buFont typeface="Arial"/>
-              <a:buChar char="•"/>
+              <a:buNone/>
             </a:pPr>
             <a:r>
               <a:rPr b="1" i="0" lang="es-ES" sz="1200" u="none" strike="noStrike">
@@ -31093,19 +31267,14 @@
             </a:endParaRPr>
           </a:p>
           <a:p>
-            <a:pPr indent="-76200" lvl="0" marL="0" marR="0" rtl="0" algn="l">
+            <a:pPr indent="0" lvl="0" marL="0" marR="0" rtl="0" algn="l">
               <a:spcBef>
                 <a:spcPts val="800"/>
               </a:spcBef>
               <a:spcAft>
                 <a:spcPts val="0"/>
               </a:spcAft>
-              <a:buClr>
-                <a:schemeClr val="lt1"/>
-              </a:buClr>
-              <a:buSzPts val="1200"/>
-              <a:buFont typeface="Arial"/>
-              <a:buChar char="•"/>
+              <a:buNone/>
             </a:pPr>
             <a:r>
               <a:rPr b="1" i="0" lang="es-ES" sz="1200" u="none" strike="noStrike">
@@ -31170,265 +31339,9 @@
           <a:chExt cx="0" cy="0"/>
         </a:xfrm>
       </p:grpSpPr>
-      <p:sp>
-        <p:nvSpPr>
-          <p:cNvPr id="302" name="Google Shape;302;g3486e2ea373_0_0"/>
-          <p:cNvSpPr txBox="1"/>
-          <p:nvPr>
-            <p:ph type="ctrTitle"/>
-          </p:nvPr>
-        </p:nvSpPr>
-        <p:spPr>
-          <a:xfrm>
-            <a:off x="3170700" y="341350"/>
-            <a:ext cx="5850600" cy="1286100"/>
-          </a:xfrm>
-          <a:prstGeom prst="rect">
-            <a:avLst/>
-          </a:prstGeom>
-        </p:spPr>
-        <p:txBody>
-          <a:bodyPr anchorCtr="0" anchor="b" bIns="45700" lIns="91425" spcFirstLastPara="1" rIns="91425" wrap="square" tIns="45700">
-            <a:normAutofit/>
-          </a:bodyPr>
-          <a:lstStyle/>
-          <a:p>
-            <a:pPr indent="0" lvl="0" marL="0" rtl="0" algn="l">
-              <a:spcBef>
-                <a:spcPts val="0"/>
-              </a:spcBef>
-              <a:spcAft>
-                <a:spcPts val="0"/>
-              </a:spcAft>
-              <a:buNone/>
-            </a:pPr>
-            <a:r>
-              <a:rPr lang="es-ES"/>
-              <a:t>MOCKUP APP </a:t>
-            </a:r>
-            <a:r>
-              <a:rPr lang="es-ES"/>
-              <a:t>Móvil</a:t>
-            </a:r>
-            <a:endParaRPr/>
-          </a:p>
-        </p:txBody>
-      </p:sp>
       <p:pic>
         <p:nvPicPr>
-          <p:cNvPr id="303" name="Google Shape;303;g3486e2ea373_0_0"/>
-          <p:cNvPicPr preferRelativeResize="0"/>
-          <p:nvPr/>
-        </p:nvPicPr>
-        <p:blipFill>
-          <a:blip r:embed="rId3">
-            <a:alphaModFix/>
-          </a:blip>
-          <a:stretch>
-            <a:fillRect/>
-          </a:stretch>
-        </p:blipFill>
-        <p:spPr>
-          <a:xfrm>
-            <a:off x="4974013" y="1779819"/>
-            <a:ext cx="2243986" cy="4832681"/>
-          </a:xfrm>
-          <a:prstGeom prst="rect">
-            <a:avLst/>
-          </a:prstGeom>
-          <a:noFill/>
-          <a:ln>
-            <a:noFill/>
-          </a:ln>
-        </p:spPr>
-      </p:pic>
-      <p:pic>
-        <p:nvPicPr>
-          <p:cNvPr id="304" name="Google Shape;304;g3486e2ea373_0_0"/>
-          <p:cNvPicPr preferRelativeResize="0"/>
-          <p:nvPr/>
-        </p:nvPicPr>
-        <p:blipFill>
-          <a:blip r:embed="rId4">
-            <a:alphaModFix/>
-          </a:blip>
-          <a:stretch>
-            <a:fillRect/>
-          </a:stretch>
-        </p:blipFill>
-        <p:spPr>
-          <a:xfrm>
-            <a:off x="1965275" y="1779825"/>
-            <a:ext cx="2352186" cy="4832676"/>
-          </a:xfrm>
-          <a:prstGeom prst="rect">
-            <a:avLst/>
-          </a:prstGeom>
-          <a:noFill/>
-          <a:ln>
-            <a:noFill/>
-          </a:ln>
-        </p:spPr>
-      </p:pic>
-      <p:pic>
-        <p:nvPicPr>
-          <p:cNvPr id="305" name="Google Shape;305;g3486e2ea373_0_0"/>
-          <p:cNvPicPr preferRelativeResize="0"/>
-          <p:nvPr/>
-        </p:nvPicPr>
-        <p:blipFill>
-          <a:blip r:embed="rId5">
-            <a:alphaModFix/>
-          </a:blip>
-          <a:stretch>
-            <a:fillRect/>
-          </a:stretch>
-        </p:blipFill>
-        <p:spPr>
-          <a:xfrm>
-            <a:off x="7874575" y="1768025"/>
-            <a:ext cx="2243975" cy="4856287"/>
-          </a:xfrm>
-          <a:prstGeom prst="rect">
-            <a:avLst/>
-          </a:prstGeom>
-          <a:noFill/>
-          <a:ln>
-            <a:noFill/>
-          </a:ln>
-        </p:spPr>
-      </p:pic>
-      <p:pic>
-        <p:nvPicPr>
-          <p:cNvPr descr="EscuelaIT Duoc UC - Escuela de Informática y Telecomunicaciones Duoc UC - Duoc  UC | LinkedIn" id="306" name="Google Shape;306;g3486e2ea373_0_0"/>
-          <p:cNvPicPr preferRelativeResize="0"/>
-          <p:nvPr/>
-        </p:nvPicPr>
-        <p:blipFill rotWithShape="1">
-          <a:blip r:embed="rId6">
-            <a:alphaModFix/>
-          </a:blip>
-          <a:srcRect b="0" l="0" r="0" t="0"/>
-          <a:stretch/>
-        </p:blipFill>
-        <p:spPr>
-          <a:xfrm>
-            <a:off x="8772152" y="207550"/>
-            <a:ext cx="3141406" cy="785352"/>
-          </a:xfrm>
-          <a:prstGeom prst="rect">
-            <a:avLst/>
-          </a:prstGeom>
-          <a:noFill/>
-          <a:ln>
-            <a:noFill/>
-          </a:ln>
-        </p:spPr>
-      </p:pic>
-      <p:sp>
-        <p:nvSpPr>
-          <p:cNvPr id="307" name="Google Shape;307;g3486e2ea373_0_0"/>
-          <p:cNvSpPr txBox="1"/>
-          <p:nvPr/>
-        </p:nvSpPr>
-        <p:spPr>
-          <a:xfrm>
-            <a:off x="136188" y="368928"/>
-            <a:ext cx="12192000" cy="369300"/>
-          </a:xfrm>
-          <a:prstGeom prst="rect">
-            <a:avLst/>
-          </a:prstGeom>
-          <a:noFill/>
-          <a:ln>
-            <a:noFill/>
-          </a:ln>
-        </p:spPr>
-        <p:txBody>
-          <a:bodyPr anchorCtr="0" anchor="t" bIns="45700" lIns="91425" spcFirstLastPara="1" rIns="91425" wrap="square" tIns="45700">
-            <a:spAutoFit/>
-          </a:bodyPr>
-          <a:lstStyle/>
-          <a:p>
-            <a:pPr indent="0" lvl="0" marL="0" marR="0" rtl="0" algn="l">
-              <a:spcBef>
-                <a:spcPts val="0"/>
-              </a:spcBef>
-              <a:spcAft>
-                <a:spcPts val="0"/>
-              </a:spcAft>
-              <a:buNone/>
-            </a:pPr>
-            <a:r>
-              <a:rPr lang="es-ES" sz="1800">
-                <a:solidFill>
-                  <a:srgbClr val="092338"/>
-                </a:solidFill>
-                <a:latin typeface="Twentieth Century"/>
-                <a:ea typeface="Twentieth Century"/>
-                <a:cs typeface="Twentieth Century"/>
-                <a:sym typeface="Twentieth Century"/>
-              </a:rPr>
-              <a:t>Proyecto “Growing APP”</a:t>
-            </a:r>
-            <a:endParaRPr/>
-          </a:p>
-        </p:txBody>
-      </p:sp>
-      <p:cxnSp>
-        <p:nvCxnSpPr>
-          <p:cNvPr id="308" name="Google Shape;308;g3486e2ea373_0_0"/>
-          <p:cNvCxnSpPr/>
-          <p:nvPr/>
-        </p:nvCxnSpPr>
-        <p:spPr>
-          <a:xfrm>
-            <a:off x="0" y="758027"/>
-            <a:ext cx="4085700" cy="0"/>
-          </a:xfrm>
-          <a:prstGeom prst="straightConnector1">
-            <a:avLst/>
-          </a:prstGeom>
-          <a:noFill/>
-          <a:ln cap="flat" cmpd="sng" w="15875">
-            <a:solidFill>
-              <a:srgbClr val="F9FCF5"/>
-            </a:solidFill>
-            <a:prstDash val="solid"/>
-            <a:round/>
-            <a:headEnd len="sm" w="sm" type="none"/>
-            <a:tailEnd len="sm" w="sm" type="none"/>
-          </a:ln>
-        </p:spPr>
-      </p:cxnSp>
-    </p:spTree>
-  </p:cSld>
-  <p:clrMapOvr>
-    <a:masterClrMapping/>
-  </p:clrMapOvr>
-</p:sld>
-</file>
-
-<file path=ppt/slides/slide9.xml><?xml version="1.0" encoding="utf-8"?>
-<p:sld xmlns:a="http://schemas.openxmlformats.org/drawingml/2006/main" xmlns:r="http://schemas.openxmlformats.org/officeDocument/2006/relationships" xmlns:mc="http://schemas.openxmlformats.org/markup-compatibility/2006" xmlns:mv="urn:schemas-microsoft-com:mac:vml" xmlns:p="http://schemas.openxmlformats.org/presentationml/2006/main" xmlns:c="http://schemas.openxmlformats.org/drawingml/2006/chart" xmlns:dgm="http://schemas.openxmlformats.org/drawingml/2006/diagram" xmlns:o="urn:schemas-microsoft-com:office:office" xmlns:v="urn:schemas-microsoft-com:vml" xmlns:pvml="urn:schemas-microsoft-com:office:powerpoint" xmlns:com="http://schemas.openxmlformats.org/drawingml/2006/compatibility" xmlns:p14="http://schemas.microsoft.com/office/powerpoint/2010/main" xmlns:p15="http://schemas.microsoft.com/office/powerpoint/2012/main" xmlns:ahyp="http://schemas.microsoft.com/office/drawing/2018/hyperlinkcolor">
-  <p:cSld>
-    <p:spTree>
-      <p:nvGrpSpPr>
-        <p:cNvPr id="312" name="Shape 312"/>
-        <p:cNvGrpSpPr/>
-        <p:nvPr/>
-      </p:nvGrpSpPr>
-      <p:grpSpPr>
-        <a:xfrm>
-          <a:off x="0" y="0"/>
-          <a:ext cx="0" cy="0"/>
-          <a:chOff x="0" y="0"/>
-          <a:chExt cx="0" cy="0"/>
-        </a:xfrm>
-      </p:grpSpPr>
-      <p:pic>
-        <p:nvPicPr>
-          <p:cNvPr descr="EscuelaIT Duoc UC - Escuela de Informática y Telecomunicaciones Duoc UC - Duoc  UC | LinkedIn" id="313" name="Google Shape;313;p6"/>
+          <p:cNvPr descr="EscuelaIT Duoc UC - Escuela de Informática y Telecomunicaciones Duoc UC - Duoc  UC | LinkedIn" id="302" name="Google Shape;302;p6"/>
           <p:cNvPicPr preferRelativeResize="0"/>
           <p:nvPr/>
         </p:nvPicPr>
@@ -31455,7 +31368,7 @@
       </p:pic>
       <p:sp>
         <p:nvSpPr>
-          <p:cNvPr id="314" name="Google Shape;314;p6"/>
+          <p:cNvPr id="303" name="Google Shape;303;p6"/>
           <p:cNvSpPr txBox="1"/>
           <p:nvPr/>
         </p:nvSpPr>
@@ -31505,7 +31418,7 @@
       </p:sp>
       <p:sp>
         <p:nvSpPr>
-          <p:cNvPr id="315" name="Google Shape;315;p6"/>
+          <p:cNvPr id="304" name="Google Shape;304;p6"/>
           <p:cNvSpPr txBox="1"/>
           <p:nvPr/>
         </p:nvSpPr>
@@ -31563,7 +31476,7 @@
       </p:sp>
       <p:cxnSp>
         <p:nvCxnSpPr>
-          <p:cNvPr id="316" name="Google Shape;316;p6"/>
+          <p:cNvPr id="305" name="Google Shape;305;p6"/>
           <p:cNvCxnSpPr/>
           <p:nvPr/>
         </p:nvCxnSpPr>
@@ -31589,7 +31502,7 @@
       </p:cxnSp>
       <p:sp>
         <p:nvSpPr>
-          <p:cNvPr id="317" name="Google Shape;317;p6"/>
+          <p:cNvPr id="306" name="Google Shape;306;p6"/>
           <p:cNvSpPr txBox="1"/>
           <p:nvPr/>
         </p:nvSpPr>
@@ -31682,7 +31595,7 @@
                 <a:cs typeface="Twentieth Century"/>
                 <a:sym typeface="Twentieth Century"/>
               </a:rPr>
-              <a:t>En el tiempo de 10 Semanas, se tendrán un total de 5 sprints divididos según entregables y objetivos definidos.</a:t>
+              <a:t>En el tiempo de 10 Semanas, se tendrán un total de 6 sprints divididos según entregables y objetivos definidos.</a:t>
             </a:r>
             <a:endParaRPr>
               <a:solidFill>
@@ -31694,7 +31607,7 @@
       </p:sp>
       <p:pic>
         <p:nvPicPr>
-          <p:cNvPr id="318" name="Google Shape;318;p6"/>
+          <p:cNvPr id="307" name="Google Shape;307;p6"/>
           <p:cNvPicPr preferRelativeResize="0"/>
           <p:nvPr/>
         </p:nvPicPr>
@@ -31708,8 +31621,232 @@
         </p:blipFill>
         <p:spPr>
           <a:xfrm>
-            <a:off x="7771875" y="1716675"/>
-            <a:ext cx="2895525" cy="5009925"/>
+            <a:off x="7990875" y="1639400"/>
+            <a:ext cx="2694271" cy="5057426"/>
+          </a:xfrm>
+          <a:prstGeom prst="rect">
+            <a:avLst/>
+          </a:prstGeom>
+          <a:noFill/>
+          <a:ln>
+            <a:noFill/>
+          </a:ln>
+        </p:spPr>
+      </p:pic>
+    </p:spTree>
+  </p:cSld>
+  <p:clrMapOvr>
+    <a:masterClrMapping/>
+  </p:clrMapOvr>
+  <p:transition spd="slow">
+    <p:wipe dir="l"/>
+  </p:transition>
+</p:sld>
+</file>
+
+<file path=ppt/slides/slide9.xml><?xml version="1.0" encoding="utf-8"?>
+<p:sld xmlns:a="http://schemas.openxmlformats.org/drawingml/2006/main" xmlns:r="http://schemas.openxmlformats.org/officeDocument/2006/relationships" xmlns:mc="http://schemas.openxmlformats.org/markup-compatibility/2006" xmlns:mv="urn:schemas-microsoft-com:mac:vml" xmlns:p="http://schemas.openxmlformats.org/presentationml/2006/main" xmlns:c="http://schemas.openxmlformats.org/drawingml/2006/chart" xmlns:dgm="http://schemas.openxmlformats.org/drawingml/2006/diagram" xmlns:o="urn:schemas-microsoft-com:office:office" xmlns:v="urn:schemas-microsoft-com:vml" xmlns:pvml="urn:schemas-microsoft-com:office:powerpoint" xmlns:com="http://schemas.openxmlformats.org/drawingml/2006/compatibility" xmlns:p14="http://schemas.microsoft.com/office/powerpoint/2010/main" xmlns:p15="http://schemas.microsoft.com/office/powerpoint/2012/main" xmlns:ahyp="http://schemas.microsoft.com/office/drawing/2018/hyperlinkcolor">
+  <p:cSld>
+    <p:spTree>
+      <p:nvGrpSpPr>
+        <p:cNvPr id="311" name="Shape 311"/>
+        <p:cNvGrpSpPr/>
+        <p:nvPr/>
+      </p:nvGrpSpPr>
+      <p:grpSpPr>
+        <a:xfrm>
+          <a:off x="0" y="0"/>
+          <a:ext cx="0" cy="0"/>
+          <a:chOff x="0" y="0"/>
+          <a:chExt cx="0" cy="0"/>
+        </a:xfrm>
+      </p:grpSpPr>
+      <p:pic>
+        <p:nvPicPr>
+          <p:cNvPr descr="EscuelaIT Duoc UC - Escuela de Informática y Telecomunicaciones Duoc UC - Duoc  UC | LinkedIn" id="312" name="Google Shape;312;p7"/>
+          <p:cNvPicPr preferRelativeResize="0"/>
+          <p:nvPr/>
+        </p:nvPicPr>
+        <p:blipFill rotWithShape="1">
+          <a:blip r:embed="rId3">
+            <a:alphaModFix/>
+          </a:blip>
+          <a:srcRect b="0" l="0" r="0" t="0"/>
+          <a:stretch/>
+        </p:blipFill>
+        <p:spPr>
+          <a:xfrm>
+            <a:off x="8772152" y="207550"/>
+            <a:ext cx="3141406" cy="785352"/>
+          </a:xfrm>
+          <a:prstGeom prst="rect">
+            <a:avLst/>
+          </a:prstGeom>
+          <a:noFill/>
+          <a:ln>
+            <a:noFill/>
+          </a:ln>
+        </p:spPr>
+      </p:pic>
+      <p:sp>
+        <p:nvSpPr>
+          <p:cNvPr id="313" name="Google Shape;313;p7"/>
+          <p:cNvSpPr txBox="1"/>
+          <p:nvPr/>
+        </p:nvSpPr>
+        <p:spPr>
+          <a:xfrm>
+            <a:off x="136188" y="368928"/>
+            <a:ext cx="12192000" cy="369300"/>
+          </a:xfrm>
+          <a:prstGeom prst="rect">
+            <a:avLst/>
+          </a:prstGeom>
+          <a:noFill/>
+          <a:ln>
+            <a:noFill/>
+          </a:ln>
+        </p:spPr>
+        <p:txBody>
+          <a:bodyPr anchorCtr="0" anchor="t" bIns="45700" lIns="91425" spcFirstLastPara="1" rIns="91425" wrap="square" tIns="45700">
+            <a:spAutoFit/>
+          </a:bodyPr>
+          <a:lstStyle/>
+          <a:p>
+            <a:pPr indent="0" lvl="0" marL="0" marR="0" rtl="0" algn="l">
+              <a:spcBef>
+                <a:spcPts val="0"/>
+              </a:spcBef>
+              <a:spcAft>
+                <a:spcPts val="0"/>
+              </a:spcAft>
+              <a:buNone/>
+            </a:pPr>
+            <a:r>
+              <a:rPr lang="es-ES" sz="1800">
+                <a:solidFill>
+                  <a:srgbClr val="092338"/>
+                </a:solidFill>
+                <a:latin typeface="Twentieth Century"/>
+                <a:ea typeface="Twentieth Century"/>
+                <a:cs typeface="Twentieth Century"/>
+                <a:sym typeface="Twentieth Century"/>
+              </a:rPr>
+              <a:t>Proyecto “Growing APP”</a:t>
+            </a:r>
+            <a:endParaRPr/>
+          </a:p>
+        </p:txBody>
+      </p:sp>
+      <p:sp>
+        <p:nvSpPr>
+          <p:cNvPr id="314" name="Google Shape;314;p7"/>
+          <p:cNvSpPr txBox="1"/>
+          <p:nvPr/>
+        </p:nvSpPr>
+        <p:spPr>
+          <a:xfrm>
+            <a:off x="1" y="1155656"/>
+            <a:ext cx="12192000" cy="861900"/>
+          </a:xfrm>
+          <a:prstGeom prst="rect">
+            <a:avLst/>
+          </a:prstGeom>
+          <a:noFill/>
+          <a:ln>
+            <a:noFill/>
+          </a:ln>
+        </p:spPr>
+        <p:txBody>
+          <a:bodyPr anchorCtr="0" anchor="t" bIns="45700" lIns="91425" spcFirstLastPara="1" rIns="91425" wrap="square" tIns="45700">
+            <a:spAutoFit/>
+          </a:bodyPr>
+          <a:lstStyle/>
+          <a:p>
+            <a:pPr indent="0" lvl="0" marL="0" marR="0" rtl="0" algn="ctr">
+              <a:spcBef>
+                <a:spcPts val="0"/>
+              </a:spcBef>
+              <a:spcAft>
+                <a:spcPts val="0"/>
+              </a:spcAft>
+              <a:buNone/>
+            </a:pPr>
+            <a:r>
+              <a:rPr lang="es-ES" sz="3600">
+                <a:solidFill>
+                  <a:schemeClr val="lt1"/>
+                </a:solidFill>
+                <a:latin typeface="Twentieth Century"/>
+                <a:ea typeface="Twentieth Century"/>
+                <a:cs typeface="Twentieth Century"/>
+                <a:sym typeface="Twentieth Century"/>
+              </a:rPr>
+              <a:t>Cronograma para el desarrollo del proyecto</a:t>
+            </a:r>
+            <a:endParaRPr/>
+          </a:p>
+          <a:p>
+            <a:pPr indent="0" lvl="0" marL="457200" rtl="0" algn="l">
+              <a:spcBef>
+                <a:spcPts val="0"/>
+              </a:spcBef>
+              <a:spcAft>
+                <a:spcPts val="0"/>
+              </a:spcAft>
+              <a:buNone/>
+            </a:pPr>
+            <a:r>
+              <a:t/>
+            </a:r>
+            <a:endParaRPr/>
+          </a:p>
+        </p:txBody>
+      </p:sp>
+      <p:cxnSp>
+        <p:nvCxnSpPr>
+          <p:cNvPr id="315" name="Google Shape;315;p7"/>
+          <p:cNvCxnSpPr/>
+          <p:nvPr/>
+        </p:nvCxnSpPr>
+        <p:spPr>
+          <a:xfrm>
+            <a:off x="0" y="758027"/>
+            <a:ext cx="4085617" cy="0"/>
+          </a:xfrm>
+          <a:prstGeom prst="straightConnector1">
+            <a:avLst/>
+          </a:prstGeom>
+          <a:noFill/>
+          <a:ln cap="flat" cmpd="sng" w="15875">
+            <a:solidFill>
+              <a:srgbClr val="F9FCF5"/>
+            </a:solidFill>
+            <a:prstDash val="solid"/>
+            <a:round/>
+            <a:headEnd len="sm" w="sm" type="none"/>
+            <a:tailEnd len="sm" w="sm" type="none"/>
+          </a:ln>
+        </p:spPr>
+      </p:cxnSp>
+      <p:pic>
+        <p:nvPicPr>
+          <p:cNvPr id="316" name="Google Shape;316;p7"/>
+          <p:cNvPicPr preferRelativeResize="0"/>
+          <p:nvPr/>
+        </p:nvPicPr>
+        <p:blipFill>
+          <a:blip r:embed="rId4">
+            <a:alphaModFix/>
+          </a:blip>
+          <a:stretch>
+            <a:fillRect/>
+          </a:stretch>
+        </p:blipFill>
+        <p:spPr>
+          <a:xfrm>
+            <a:off x="2033963" y="1959756"/>
+            <a:ext cx="8396472" cy="4535643"/>
           </a:xfrm>
           <a:prstGeom prst="rect">
             <a:avLst/>
